--- a/talks/src/class05.pptx
+++ b/talks/src/class05.pptx
@@ -6,10 +6,10 @@
     <p:sldMasterId id="2147483660" r:id="rId2"/>
   </p:sldMasterIdLst>
   <p:notesMasterIdLst>
-    <p:notesMasterId r:id="rId25"/>
+    <p:notesMasterId r:id="rId29"/>
   </p:notesMasterIdLst>
   <p:handoutMasterIdLst>
-    <p:handoutMasterId r:id="rId26"/>
+    <p:handoutMasterId r:id="rId30"/>
   </p:handoutMasterIdLst>
   <p:sldIdLst>
     <p:sldId id="280" r:id="rId3"/>
@@ -27,13 +27,17 @@
     <p:sldId id="385" r:id="rId15"/>
     <p:sldId id="365" r:id="rId16"/>
     <p:sldId id="379" r:id="rId17"/>
-    <p:sldId id="360" r:id="rId18"/>
-    <p:sldId id="380" r:id="rId19"/>
-    <p:sldId id="381" r:id="rId20"/>
-    <p:sldId id="382" r:id="rId21"/>
-    <p:sldId id="383" r:id="rId22"/>
-    <p:sldId id="366" r:id="rId23"/>
-    <p:sldId id="384" r:id="rId24"/>
+    <p:sldId id="386" r:id="rId18"/>
+    <p:sldId id="390" r:id="rId19"/>
+    <p:sldId id="389" r:id="rId20"/>
+    <p:sldId id="388" r:id="rId21"/>
+    <p:sldId id="360" r:id="rId22"/>
+    <p:sldId id="380" r:id="rId23"/>
+    <p:sldId id="381" r:id="rId24"/>
+    <p:sldId id="382" r:id="rId25"/>
+    <p:sldId id="383" r:id="rId26"/>
+    <p:sldId id="366" r:id="rId27"/>
+    <p:sldId id="384" r:id="rId28"/>
   </p:sldIdLst>
   <p:sldSz cx="12192000" cy="6858000"/>
   <p:notesSz cx="6858000" cy="9144000"/>
@@ -225,7 +229,7 @@
           <a:p>
             <a:fld id="{56C6788E-680A-49E5-BB93-D456A9D23A29}" type="datetimeFigureOut">
               <a:rPr lang="ru-RU" smtClean="0"/>
-              <a:t>04.11.2018</a:t>
+              <a:t>24.10.2022</a:t>
             </a:fld>
             <a:endParaRPr lang="ru-RU"/>
           </a:p>
@@ -394,7 +398,7 @@
           <a:p>
             <a:fld id="{C4DF4945-C160-4CD5-B124-49B9BE14C0AB}" type="datetimeFigureOut">
               <a:rPr lang="ru-RU" smtClean="0"/>
-              <a:t>04.11.2018</a:t>
+              <a:t>24.10.2022</a:t>
             </a:fld>
             <a:endParaRPr lang="ru-RU"/>
           </a:p>
@@ -1501,7 +1505,7 @@
     </p:spTree>
     <p:extLst>
       <p:ext uri="{BB962C8B-B14F-4D97-AF65-F5344CB8AC3E}">
-        <p14:creationId xmlns:p14="http://schemas.microsoft.com/office/powerpoint/2010/main" val="2743819396"/>
+        <p14:creationId xmlns:p14="http://schemas.microsoft.com/office/powerpoint/2010/main" val="3312378504"/>
       </p:ext>
     </p:extLst>
   </p:cSld>
@@ -1607,7 +1611,7 @@
     </p:spTree>
     <p:extLst>
       <p:ext uri="{BB962C8B-B14F-4D97-AF65-F5344CB8AC3E}">
-        <p14:creationId xmlns:p14="http://schemas.microsoft.com/office/powerpoint/2010/main" val="1207589907"/>
+        <p14:creationId xmlns:p14="http://schemas.microsoft.com/office/powerpoint/2010/main" val="3657061410"/>
       </p:ext>
     </p:extLst>
   </p:cSld>
@@ -1713,7 +1717,7 @@
     </p:spTree>
     <p:extLst>
       <p:ext uri="{BB962C8B-B14F-4D97-AF65-F5344CB8AC3E}">
-        <p14:creationId xmlns:p14="http://schemas.microsoft.com/office/powerpoint/2010/main" val="1124931249"/>
+        <p14:creationId xmlns:p14="http://schemas.microsoft.com/office/powerpoint/2010/main" val="4267090049"/>
       </p:ext>
     </p:extLst>
   </p:cSld>
@@ -1819,7 +1823,7 @@
     </p:spTree>
     <p:extLst>
       <p:ext uri="{BB962C8B-B14F-4D97-AF65-F5344CB8AC3E}">
-        <p14:creationId xmlns:p14="http://schemas.microsoft.com/office/powerpoint/2010/main" val="92244797"/>
+        <p14:creationId xmlns:p14="http://schemas.microsoft.com/office/powerpoint/2010/main" val="1830879658"/>
       </p:ext>
     </p:extLst>
   </p:cSld>
@@ -2031,7 +2035,7 @@
     </p:spTree>
     <p:extLst>
       <p:ext uri="{BB962C8B-B14F-4D97-AF65-F5344CB8AC3E}">
-        <p14:creationId xmlns:p14="http://schemas.microsoft.com/office/powerpoint/2010/main" val="1950392014"/>
+        <p14:creationId xmlns:p14="http://schemas.microsoft.com/office/powerpoint/2010/main" val="2743819396"/>
       </p:ext>
     </p:extLst>
   </p:cSld>
@@ -2137,7 +2141,7 @@
     </p:spTree>
     <p:extLst>
       <p:ext uri="{BB962C8B-B14F-4D97-AF65-F5344CB8AC3E}">
-        <p14:creationId xmlns:p14="http://schemas.microsoft.com/office/powerpoint/2010/main" val="2523101175"/>
+        <p14:creationId xmlns:p14="http://schemas.microsoft.com/office/powerpoint/2010/main" val="1207589907"/>
       </p:ext>
     </p:extLst>
   </p:cSld>
@@ -2213,6 +2217,430 @@
             <a:fld id="{7F33120B-582B-4354-977D-A474A534F6B9}" type="slidenum">
               <a:rPr lang="ru-RU" smtClean="0"/>
               <a:t>22</a:t>
+            </a:fld>
+            <a:endParaRPr lang="ru-RU"/>
+          </a:p>
+        </p:txBody>
+      </p:sp>
+      <p:sp>
+        <p:nvSpPr>
+          <p:cNvPr id="5" name="Header Placeholder 4"/>
+          <p:cNvSpPr>
+            <a:spLocks noGrp="1"/>
+          </p:cNvSpPr>
+          <p:nvPr>
+            <p:ph type="hdr" sz="quarter" idx="11"/>
+          </p:nvPr>
+        </p:nvSpPr>
+        <p:spPr/>
+        <p:txBody>
+          <a:bodyPr/>
+          <a:lstStyle/>
+          <a:p>
+            <a:r>
+              <a:rPr lang="ru-RU"/>
+              <a:t>Основы построения файловых систем</a:t>
+            </a:r>
+          </a:p>
+        </p:txBody>
+      </p:sp>
+    </p:spTree>
+    <p:extLst>
+      <p:ext uri="{BB962C8B-B14F-4D97-AF65-F5344CB8AC3E}">
+        <p14:creationId xmlns:p14="http://schemas.microsoft.com/office/powerpoint/2010/main" val="1124931249"/>
+      </p:ext>
+    </p:extLst>
+  </p:cSld>
+  <p:clrMapOvr>
+    <a:masterClrMapping/>
+  </p:clrMapOvr>
+</p:notes>
+</file>
+
+<file path=ppt/notesSlides/notesSlide23.xml><?xml version="1.0" encoding="utf-8"?>
+<p:notes xmlns:a="http://schemas.openxmlformats.org/drawingml/2006/main" xmlns:r="http://schemas.openxmlformats.org/officeDocument/2006/relationships" xmlns:p="http://schemas.openxmlformats.org/presentationml/2006/main">
+  <p:cSld>
+    <p:spTree>
+      <p:nvGrpSpPr>
+        <p:cNvPr id="1" name=""/>
+        <p:cNvGrpSpPr/>
+        <p:nvPr/>
+      </p:nvGrpSpPr>
+      <p:grpSpPr>
+        <a:xfrm>
+          <a:off x="0" y="0"/>
+          <a:ext cx="0" cy="0"/>
+          <a:chOff x="0" y="0"/>
+          <a:chExt cx="0" cy="0"/>
+        </a:xfrm>
+      </p:grpSpPr>
+      <p:sp>
+        <p:nvSpPr>
+          <p:cNvPr id="2" name="Slide Image Placeholder 1"/>
+          <p:cNvSpPr>
+            <a:spLocks noGrp="1" noRot="1" noChangeAspect="1"/>
+          </p:cNvSpPr>
+          <p:nvPr>
+            <p:ph type="sldImg"/>
+          </p:nvPr>
+        </p:nvSpPr>
+        <p:spPr/>
+      </p:sp>
+      <p:sp>
+        <p:nvSpPr>
+          <p:cNvPr id="3" name="Notes Placeholder 2"/>
+          <p:cNvSpPr>
+            <a:spLocks noGrp="1"/>
+          </p:cNvSpPr>
+          <p:nvPr>
+            <p:ph type="body" idx="1"/>
+          </p:nvPr>
+        </p:nvSpPr>
+        <p:spPr/>
+        <p:txBody>
+          <a:bodyPr/>
+          <a:lstStyle/>
+          <a:p>
+            <a:endParaRPr lang="ru-RU"/>
+          </a:p>
+        </p:txBody>
+      </p:sp>
+      <p:sp>
+        <p:nvSpPr>
+          <p:cNvPr id="4" name="Slide Number Placeholder 3"/>
+          <p:cNvSpPr>
+            <a:spLocks noGrp="1"/>
+          </p:cNvSpPr>
+          <p:nvPr>
+            <p:ph type="sldNum" sz="quarter" idx="10"/>
+          </p:nvPr>
+        </p:nvSpPr>
+        <p:spPr/>
+        <p:txBody>
+          <a:bodyPr/>
+          <a:lstStyle/>
+          <a:p>
+            <a:fld id="{7F33120B-582B-4354-977D-A474A534F6B9}" type="slidenum">
+              <a:rPr lang="ru-RU" smtClean="0"/>
+              <a:t>23</a:t>
+            </a:fld>
+            <a:endParaRPr lang="ru-RU"/>
+          </a:p>
+        </p:txBody>
+      </p:sp>
+      <p:sp>
+        <p:nvSpPr>
+          <p:cNvPr id="5" name="Header Placeholder 4"/>
+          <p:cNvSpPr>
+            <a:spLocks noGrp="1"/>
+          </p:cNvSpPr>
+          <p:nvPr>
+            <p:ph type="hdr" sz="quarter" idx="11"/>
+          </p:nvPr>
+        </p:nvSpPr>
+        <p:spPr/>
+        <p:txBody>
+          <a:bodyPr/>
+          <a:lstStyle/>
+          <a:p>
+            <a:r>
+              <a:rPr lang="ru-RU"/>
+              <a:t>Основы построения файловых систем</a:t>
+            </a:r>
+          </a:p>
+        </p:txBody>
+      </p:sp>
+    </p:spTree>
+    <p:extLst>
+      <p:ext uri="{BB962C8B-B14F-4D97-AF65-F5344CB8AC3E}">
+        <p14:creationId xmlns:p14="http://schemas.microsoft.com/office/powerpoint/2010/main" val="92244797"/>
+      </p:ext>
+    </p:extLst>
+  </p:cSld>
+  <p:clrMapOvr>
+    <a:masterClrMapping/>
+  </p:clrMapOvr>
+</p:notes>
+</file>
+
+<file path=ppt/notesSlides/notesSlide24.xml><?xml version="1.0" encoding="utf-8"?>
+<p:notes xmlns:a="http://schemas.openxmlformats.org/drawingml/2006/main" xmlns:r="http://schemas.openxmlformats.org/officeDocument/2006/relationships" xmlns:p="http://schemas.openxmlformats.org/presentationml/2006/main">
+  <p:cSld>
+    <p:spTree>
+      <p:nvGrpSpPr>
+        <p:cNvPr id="1" name=""/>
+        <p:cNvGrpSpPr/>
+        <p:nvPr/>
+      </p:nvGrpSpPr>
+      <p:grpSpPr>
+        <a:xfrm>
+          <a:off x="0" y="0"/>
+          <a:ext cx="0" cy="0"/>
+          <a:chOff x="0" y="0"/>
+          <a:chExt cx="0" cy="0"/>
+        </a:xfrm>
+      </p:grpSpPr>
+      <p:sp>
+        <p:nvSpPr>
+          <p:cNvPr id="2" name="Slide Image Placeholder 1"/>
+          <p:cNvSpPr>
+            <a:spLocks noGrp="1" noRot="1" noChangeAspect="1"/>
+          </p:cNvSpPr>
+          <p:nvPr>
+            <p:ph type="sldImg"/>
+          </p:nvPr>
+        </p:nvSpPr>
+        <p:spPr/>
+      </p:sp>
+      <p:sp>
+        <p:nvSpPr>
+          <p:cNvPr id="3" name="Notes Placeholder 2"/>
+          <p:cNvSpPr>
+            <a:spLocks noGrp="1"/>
+          </p:cNvSpPr>
+          <p:nvPr>
+            <p:ph type="body" idx="1"/>
+          </p:nvPr>
+        </p:nvSpPr>
+        <p:spPr/>
+        <p:txBody>
+          <a:bodyPr/>
+          <a:lstStyle/>
+          <a:p>
+            <a:endParaRPr lang="ru-RU"/>
+          </a:p>
+        </p:txBody>
+      </p:sp>
+      <p:sp>
+        <p:nvSpPr>
+          <p:cNvPr id="4" name="Slide Number Placeholder 3"/>
+          <p:cNvSpPr>
+            <a:spLocks noGrp="1"/>
+          </p:cNvSpPr>
+          <p:nvPr>
+            <p:ph type="sldNum" sz="quarter" idx="10"/>
+          </p:nvPr>
+        </p:nvSpPr>
+        <p:spPr/>
+        <p:txBody>
+          <a:bodyPr/>
+          <a:lstStyle/>
+          <a:p>
+            <a:fld id="{7F33120B-582B-4354-977D-A474A534F6B9}" type="slidenum">
+              <a:rPr lang="ru-RU" smtClean="0"/>
+              <a:t>24</a:t>
+            </a:fld>
+            <a:endParaRPr lang="ru-RU"/>
+          </a:p>
+        </p:txBody>
+      </p:sp>
+      <p:sp>
+        <p:nvSpPr>
+          <p:cNvPr id="5" name="Header Placeholder 4"/>
+          <p:cNvSpPr>
+            <a:spLocks noGrp="1"/>
+          </p:cNvSpPr>
+          <p:nvPr>
+            <p:ph type="hdr" sz="quarter" idx="11"/>
+          </p:nvPr>
+        </p:nvSpPr>
+        <p:spPr/>
+        <p:txBody>
+          <a:bodyPr/>
+          <a:lstStyle/>
+          <a:p>
+            <a:r>
+              <a:rPr lang="ru-RU"/>
+              <a:t>Основы построения файловых систем</a:t>
+            </a:r>
+          </a:p>
+        </p:txBody>
+      </p:sp>
+    </p:spTree>
+    <p:extLst>
+      <p:ext uri="{BB962C8B-B14F-4D97-AF65-F5344CB8AC3E}">
+        <p14:creationId xmlns:p14="http://schemas.microsoft.com/office/powerpoint/2010/main" val="1950392014"/>
+      </p:ext>
+    </p:extLst>
+  </p:cSld>
+  <p:clrMapOvr>
+    <a:masterClrMapping/>
+  </p:clrMapOvr>
+</p:notes>
+</file>
+
+<file path=ppt/notesSlides/notesSlide25.xml><?xml version="1.0" encoding="utf-8"?>
+<p:notes xmlns:a="http://schemas.openxmlformats.org/drawingml/2006/main" xmlns:r="http://schemas.openxmlformats.org/officeDocument/2006/relationships" xmlns:p="http://schemas.openxmlformats.org/presentationml/2006/main">
+  <p:cSld>
+    <p:spTree>
+      <p:nvGrpSpPr>
+        <p:cNvPr id="1" name=""/>
+        <p:cNvGrpSpPr/>
+        <p:nvPr/>
+      </p:nvGrpSpPr>
+      <p:grpSpPr>
+        <a:xfrm>
+          <a:off x="0" y="0"/>
+          <a:ext cx="0" cy="0"/>
+          <a:chOff x="0" y="0"/>
+          <a:chExt cx="0" cy="0"/>
+        </a:xfrm>
+      </p:grpSpPr>
+      <p:sp>
+        <p:nvSpPr>
+          <p:cNvPr id="2" name="Slide Image Placeholder 1"/>
+          <p:cNvSpPr>
+            <a:spLocks noGrp="1" noRot="1" noChangeAspect="1"/>
+          </p:cNvSpPr>
+          <p:nvPr>
+            <p:ph type="sldImg"/>
+          </p:nvPr>
+        </p:nvSpPr>
+        <p:spPr/>
+      </p:sp>
+      <p:sp>
+        <p:nvSpPr>
+          <p:cNvPr id="3" name="Notes Placeholder 2"/>
+          <p:cNvSpPr>
+            <a:spLocks noGrp="1"/>
+          </p:cNvSpPr>
+          <p:nvPr>
+            <p:ph type="body" idx="1"/>
+          </p:nvPr>
+        </p:nvSpPr>
+        <p:spPr/>
+        <p:txBody>
+          <a:bodyPr/>
+          <a:lstStyle/>
+          <a:p>
+            <a:endParaRPr lang="ru-RU"/>
+          </a:p>
+        </p:txBody>
+      </p:sp>
+      <p:sp>
+        <p:nvSpPr>
+          <p:cNvPr id="4" name="Slide Number Placeholder 3"/>
+          <p:cNvSpPr>
+            <a:spLocks noGrp="1"/>
+          </p:cNvSpPr>
+          <p:nvPr>
+            <p:ph type="sldNum" sz="quarter" idx="10"/>
+          </p:nvPr>
+        </p:nvSpPr>
+        <p:spPr/>
+        <p:txBody>
+          <a:bodyPr/>
+          <a:lstStyle/>
+          <a:p>
+            <a:fld id="{7F33120B-582B-4354-977D-A474A534F6B9}" type="slidenum">
+              <a:rPr lang="ru-RU" smtClean="0"/>
+              <a:t>25</a:t>
+            </a:fld>
+            <a:endParaRPr lang="ru-RU"/>
+          </a:p>
+        </p:txBody>
+      </p:sp>
+      <p:sp>
+        <p:nvSpPr>
+          <p:cNvPr id="5" name="Header Placeholder 4"/>
+          <p:cNvSpPr>
+            <a:spLocks noGrp="1"/>
+          </p:cNvSpPr>
+          <p:nvPr>
+            <p:ph type="hdr" sz="quarter" idx="11"/>
+          </p:nvPr>
+        </p:nvSpPr>
+        <p:spPr/>
+        <p:txBody>
+          <a:bodyPr/>
+          <a:lstStyle/>
+          <a:p>
+            <a:r>
+              <a:rPr lang="ru-RU"/>
+              <a:t>Основы построения файловых систем</a:t>
+            </a:r>
+          </a:p>
+        </p:txBody>
+      </p:sp>
+    </p:spTree>
+    <p:extLst>
+      <p:ext uri="{BB962C8B-B14F-4D97-AF65-F5344CB8AC3E}">
+        <p14:creationId xmlns:p14="http://schemas.microsoft.com/office/powerpoint/2010/main" val="2523101175"/>
+      </p:ext>
+    </p:extLst>
+  </p:cSld>
+  <p:clrMapOvr>
+    <a:masterClrMapping/>
+  </p:clrMapOvr>
+</p:notes>
+</file>
+
+<file path=ppt/notesSlides/notesSlide26.xml><?xml version="1.0" encoding="utf-8"?>
+<p:notes xmlns:a="http://schemas.openxmlformats.org/drawingml/2006/main" xmlns:r="http://schemas.openxmlformats.org/officeDocument/2006/relationships" xmlns:p="http://schemas.openxmlformats.org/presentationml/2006/main">
+  <p:cSld>
+    <p:spTree>
+      <p:nvGrpSpPr>
+        <p:cNvPr id="1" name=""/>
+        <p:cNvGrpSpPr/>
+        <p:nvPr/>
+      </p:nvGrpSpPr>
+      <p:grpSpPr>
+        <a:xfrm>
+          <a:off x="0" y="0"/>
+          <a:ext cx="0" cy="0"/>
+          <a:chOff x="0" y="0"/>
+          <a:chExt cx="0" cy="0"/>
+        </a:xfrm>
+      </p:grpSpPr>
+      <p:sp>
+        <p:nvSpPr>
+          <p:cNvPr id="2" name="Slide Image Placeholder 1"/>
+          <p:cNvSpPr>
+            <a:spLocks noGrp="1" noRot="1" noChangeAspect="1"/>
+          </p:cNvSpPr>
+          <p:nvPr>
+            <p:ph type="sldImg"/>
+          </p:nvPr>
+        </p:nvSpPr>
+        <p:spPr/>
+      </p:sp>
+      <p:sp>
+        <p:nvSpPr>
+          <p:cNvPr id="3" name="Notes Placeholder 2"/>
+          <p:cNvSpPr>
+            <a:spLocks noGrp="1"/>
+          </p:cNvSpPr>
+          <p:nvPr>
+            <p:ph type="body" idx="1"/>
+          </p:nvPr>
+        </p:nvSpPr>
+        <p:spPr/>
+        <p:txBody>
+          <a:bodyPr/>
+          <a:lstStyle/>
+          <a:p>
+            <a:endParaRPr lang="ru-RU"/>
+          </a:p>
+        </p:txBody>
+      </p:sp>
+      <p:sp>
+        <p:nvSpPr>
+          <p:cNvPr id="4" name="Slide Number Placeholder 3"/>
+          <p:cNvSpPr>
+            <a:spLocks noGrp="1"/>
+          </p:cNvSpPr>
+          <p:nvPr>
+            <p:ph type="sldNum" sz="quarter" idx="10"/>
+          </p:nvPr>
+        </p:nvSpPr>
+        <p:spPr/>
+        <p:txBody>
+          <a:bodyPr/>
+          <a:lstStyle/>
+          <a:p>
+            <a:fld id="{7F33120B-582B-4354-977D-A474A534F6B9}" type="slidenum">
+              <a:rPr lang="ru-RU" smtClean="0"/>
+              <a:t>26</a:t>
             </a:fld>
             <a:endParaRPr lang="ru-RU"/>
           </a:p>
@@ -3126,7 +3554,7 @@
           <a:p>
             <a:fld id="{12C63722-5D9F-4E99-9720-9B6A0C7BB1C9}" type="datetimeFigureOut">
               <a:rPr lang="ru-RU" smtClean="0"/>
-              <a:t>04.11.2018</a:t>
+              <a:t>24.10.2022</a:t>
             </a:fld>
             <a:endParaRPr lang="ru-RU"/>
           </a:p>
@@ -3296,7 +3724,7 @@
           <a:p>
             <a:fld id="{12C63722-5D9F-4E99-9720-9B6A0C7BB1C9}" type="datetimeFigureOut">
               <a:rPr lang="ru-RU" smtClean="0"/>
-              <a:t>04.11.2018</a:t>
+              <a:t>24.10.2022</a:t>
             </a:fld>
             <a:endParaRPr lang="ru-RU"/>
           </a:p>
@@ -3476,7 +3904,7 @@
           <a:p>
             <a:fld id="{12C63722-5D9F-4E99-9720-9B6A0C7BB1C9}" type="datetimeFigureOut">
               <a:rPr lang="ru-RU" smtClean="0"/>
-              <a:t>04.11.2018</a:t>
+              <a:t>24.10.2022</a:t>
             </a:fld>
             <a:endParaRPr lang="ru-RU"/>
           </a:p>
@@ -3668,7 +4096,7 @@
           <a:p>
             <a:fld id="{8C218C88-2408-4CFC-B25C-07450930B282}" type="datetimeFigureOut">
               <a:rPr lang="ru-RU" smtClean="0"/>
-              <a:t>04.11.2018</a:t>
+              <a:t>24.10.2022</a:t>
             </a:fld>
             <a:endParaRPr lang="ru-RU"/>
           </a:p>
@@ -3838,7 +4266,7 @@
           <a:p>
             <a:fld id="{8C218C88-2408-4CFC-B25C-07450930B282}" type="datetimeFigureOut">
               <a:rPr lang="ru-RU" smtClean="0"/>
-              <a:t>04.11.2018</a:t>
+              <a:t>24.10.2022</a:t>
             </a:fld>
             <a:endParaRPr lang="ru-RU"/>
           </a:p>
@@ -4084,7 +4512,7 @@
           <a:p>
             <a:fld id="{8C218C88-2408-4CFC-B25C-07450930B282}" type="datetimeFigureOut">
               <a:rPr lang="ru-RU" smtClean="0"/>
-              <a:t>04.11.2018</a:t>
+              <a:t>24.10.2022</a:t>
             </a:fld>
             <a:endParaRPr lang="ru-RU"/>
           </a:p>
@@ -4316,7 +4744,7 @@
           <a:p>
             <a:fld id="{8C218C88-2408-4CFC-B25C-07450930B282}" type="datetimeFigureOut">
               <a:rPr lang="ru-RU" smtClean="0"/>
-              <a:t>04.11.2018</a:t>
+              <a:t>24.10.2022</a:t>
             </a:fld>
             <a:endParaRPr lang="ru-RU"/>
           </a:p>
@@ -4683,7 +5111,7 @@
           <a:p>
             <a:fld id="{8C218C88-2408-4CFC-B25C-07450930B282}" type="datetimeFigureOut">
               <a:rPr lang="ru-RU" smtClean="0"/>
-              <a:t>04.11.2018</a:t>
+              <a:t>24.10.2022</a:t>
             </a:fld>
             <a:endParaRPr lang="ru-RU"/>
           </a:p>
@@ -4801,7 +5229,7 @@
           <a:p>
             <a:fld id="{8C218C88-2408-4CFC-B25C-07450930B282}" type="datetimeFigureOut">
               <a:rPr lang="ru-RU" smtClean="0"/>
-              <a:t>04.11.2018</a:t>
+              <a:t>24.10.2022</a:t>
             </a:fld>
             <a:endParaRPr lang="ru-RU"/>
           </a:p>
@@ -4896,7 +5324,7 @@
           <a:p>
             <a:fld id="{8C218C88-2408-4CFC-B25C-07450930B282}" type="datetimeFigureOut">
               <a:rPr lang="ru-RU" smtClean="0"/>
-              <a:t>04.11.2018</a:t>
+              <a:t>24.10.2022</a:t>
             </a:fld>
             <a:endParaRPr lang="ru-RU"/>
           </a:p>
@@ -5173,7 +5601,7 @@
           <a:p>
             <a:fld id="{8C218C88-2408-4CFC-B25C-07450930B282}" type="datetimeFigureOut">
               <a:rPr lang="ru-RU" smtClean="0"/>
-              <a:t>04.11.2018</a:t>
+              <a:t>24.10.2022</a:t>
             </a:fld>
             <a:endParaRPr lang="ru-RU"/>
           </a:p>
@@ -5343,7 +5771,7 @@
           <a:p>
             <a:fld id="{12C63722-5D9F-4E99-9720-9B6A0C7BB1C9}" type="datetimeFigureOut">
               <a:rPr lang="ru-RU" smtClean="0"/>
-              <a:t>04.11.2018</a:t>
+              <a:t>24.10.2022</a:t>
             </a:fld>
             <a:endParaRPr lang="ru-RU"/>
           </a:p>
@@ -5596,7 +6024,7 @@
           <a:p>
             <a:fld id="{8C218C88-2408-4CFC-B25C-07450930B282}" type="datetimeFigureOut">
               <a:rPr lang="ru-RU" smtClean="0"/>
-              <a:t>04.11.2018</a:t>
+              <a:t>24.10.2022</a:t>
             </a:fld>
             <a:endParaRPr lang="ru-RU"/>
           </a:p>
@@ -5766,7 +6194,7 @@
           <a:p>
             <a:fld id="{8C218C88-2408-4CFC-B25C-07450930B282}" type="datetimeFigureOut">
               <a:rPr lang="ru-RU" smtClean="0"/>
-              <a:t>04.11.2018</a:t>
+              <a:t>24.10.2022</a:t>
             </a:fld>
             <a:endParaRPr lang="ru-RU"/>
           </a:p>
@@ -5946,7 +6374,7 @@
           <a:p>
             <a:fld id="{8C218C88-2408-4CFC-B25C-07450930B282}" type="datetimeFigureOut">
               <a:rPr lang="ru-RU" smtClean="0"/>
-              <a:t>04.11.2018</a:t>
+              <a:t>24.10.2022</a:t>
             </a:fld>
             <a:endParaRPr lang="ru-RU"/>
           </a:p>
@@ -6192,7 +6620,7 @@
           <a:p>
             <a:fld id="{12C63722-5D9F-4E99-9720-9B6A0C7BB1C9}" type="datetimeFigureOut">
               <a:rPr lang="ru-RU" smtClean="0"/>
-              <a:t>04.11.2018</a:t>
+              <a:t>24.10.2022</a:t>
             </a:fld>
             <a:endParaRPr lang="ru-RU"/>
           </a:p>
@@ -6432,7 +6860,7 @@
           <a:p>
             <a:fld id="{12C63722-5D9F-4E99-9720-9B6A0C7BB1C9}" type="datetimeFigureOut">
               <a:rPr lang="ru-RU" smtClean="0"/>
-              <a:t>04.11.2018</a:t>
+              <a:t>24.10.2022</a:t>
             </a:fld>
             <a:endParaRPr lang="ru-RU"/>
           </a:p>
@@ -6799,7 +7227,7 @@
           <a:p>
             <a:fld id="{12C63722-5D9F-4E99-9720-9B6A0C7BB1C9}" type="datetimeFigureOut">
               <a:rPr lang="ru-RU" smtClean="0"/>
-              <a:t>04.11.2018</a:t>
+              <a:t>24.10.2022</a:t>
             </a:fld>
             <a:endParaRPr lang="ru-RU"/>
           </a:p>
@@ -6917,7 +7345,7 @@
           <a:p>
             <a:fld id="{12C63722-5D9F-4E99-9720-9B6A0C7BB1C9}" type="datetimeFigureOut">
               <a:rPr lang="ru-RU" smtClean="0"/>
-              <a:t>04.11.2018</a:t>
+              <a:t>24.10.2022</a:t>
             </a:fld>
             <a:endParaRPr lang="ru-RU"/>
           </a:p>
@@ -7012,7 +7440,7 @@
           <a:p>
             <a:fld id="{12C63722-5D9F-4E99-9720-9B6A0C7BB1C9}" type="datetimeFigureOut">
               <a:rPr lang="ru-RU" smtClean="0"/>
-              <a:t>04.11.2018</a:t>
+              <a:t>24.10.2022</a:t>
             </a:fld>
             <a:endParaRPr lang="ru-RU"/>
           </a:p>
@@ -7289,7 +7717,7 @@
           <a:p>
             <a:fld id="{12C63722-5D9F-4E99-9720-9B6A0C7BB1C9}" type="datetimeFigureOut">
               <a:rPr lang="ru-RU" smtClean="0"/>
-              <a:t>04.11.2018</a:t>
+              <a:t>24.10.2022</a:t>
             </a:fld>
             <a:endParaRPr lang="ru-RU"/>
           </a:p>
@@ -7542,7 +7970,7 @@
           <a:p>
             <a:fld id="{12C63722-5D9F-4E99-9720-9B6A0C7BB1C9}" type="datetimeFigureOut">
               <a:rPr lang="ru-RU" smtClean="0"/>
-              <a:t>04.11.2018</a:t>
+              <a:t>24.10.2022</a:t>
             </a:fld>
             <a:endParaRPr lang="ru-RU"/>
           </a:p>
@@ -7755,7 +8183,7 @@
           <a:p>
             <a:fld id="{12C63722-5D9F-4E99-9720-9B6A0C7BB1C9}" type="datetimeFigureOut">
               <a:rPr lang="ru-RU" smtClean="0"/>
-              <a:t>04.11.2018</a:t>
+              <a:t>24.10.2022</a:t>
             </a:fld>
             <a:endParaRPr lang="ru-RU"/>
           </a:p>
@@ -8295,7 +8723,7 @@
           <a:p>
             <a:fld id="{8C218C88-2408-4CFC-B25C-07450930B282}" type="datetimeFigureOut">
               <a:rPr lang="ru-RU" smtClean="0"/>
-              <a:t>04.11.2018</a:t>
+              <a:t>24.10.2022</a:t>
             </a:fld>
             <a:endParaRPr lang="ru-RU"/>
           </a:p>
@@ -8763,7 +9191,7 @@
           <p:nvPr>
             <p:extLst>
               <p:ext uri="{D42A27DB-BD31-4B8C-83A1-F6EECF244321}">
-                <p14:modId xmlns:p14="http://schemas.microsoft.com/office/powerpoint/2010/main" val="4164474727"/>
+                <p14:modId xmlns:p14="http://schemas.microsoft.com/office/powerpoint/2010/main" val="1567125555"/>
               </p:ext>
             </p:extLst>
           </p:nvPr>
@@ -8793,14 +9221,7 @@
                     <a:bodyPr/>
                     <a:lstStyle/>
                     <a:p>
-                      <a:r>
-                        <a:rPr lang="en-US" dirty="0"/>
-                        <a:t>Acronis @ </a:t>
-                      </a:r>
-                      <a:r>
-                        <a:rPr lang="ru-RU" dirty="0"/>
-                        <a:t>МФТИ</a:t>
-                      </a:r>
+                      <a:endParaRPr lang="ru-RU" dirty="0"/>
                     </a:p>
                   </a:txBody>
                   <a:tcPr/>
@@ -9027,7 +9448,7 @@
           <p:nvPr>
             <p:extLst>
               <p:ext uri="{D42A27DB-BD31-4B8C-83A1-F6EECF244321}">
-                <p14:modId xmlns:p14="http://schemas.microsoft.com/office/powerpoint/2010/main" val="4164474727"/>
+                <p14:modId xmlns:p14="http://schemas.microsoft.com/office/powerpoint/2010/main" val="2433562854"/>
               </p:ext>
             </p:extLst>
           </p:nvPr>
@@ -9057,14 +9478,7 @@
                     <a:bodyPr/>
                     <a:lstStyle/>
                     <a:p>
-                      <a:r>
-                        <a:rPr lang="en-US" dirty="0"/>
-                        <a:t>Acronis @ </a:t>
-                      </a:r>
-                      <a:r>
-                        <a:rPr lang="ru-RU" dirty="0"/>
-                        <a:t>МФТИ</a:t>
-                      </a:r>
+                      <a:endParaRPr lang="ru-RU" dirty="0"/>
                     </a:p>
                   </a:txBody>
                   <a:tcPr/>
@@ -12720,7 +13134,7 @@
           <p:nvPr>
             <p:extLst>
               <p:ext uri="{D42A27DB-BD31-4B8C-83A1-F6EECF244321}">
-                <p14:modId xmlns:p14="http://schemas.microsoft.com/office/powerpoint/2010/main" val="4164474727"/>
+                <p14:modId xmlns:p14="http://schemas.microsoft.com/office/powerpoint/2010/main" val="3030941907"/>
               </p:ext>
             </p:extLst>
           </p:nvPr>
@@ -12750,14 +13164,7 @@
                     <a:bodyPr/>
                     <a:lstStyle/>
                     <a:p>
-                      <a:r>
-                        <a:rPr lang="en-US" dirty="0"/>
-                        <a:t>Acronis @ </a:t>
-                      </a:r>
-                      <a:r>
-                        <a:rPr lang="ru-RU" dirty="0"/>
-                        <a:t>МФТИ</a:t>
-                      </a:r>
+                      <a:endParaRPr lang="ru-RU" dirty="0"/>
                     </a:p>
                   </a:txBody>
                   <a:tcPr/>
@@ -13779,7 +14186,7 @@
           <p:nvPr>
             <p:extLst>
               <p:ext uri="{D42A27DB-BD31-4B8C-83A1-F6EECF244321}">
-                <p14:modId xmlns:p14="http://schemas.microsoft.com/office/powerpoint/2010/main" val="4164474727"/>
+                <p14:modId xmlns:p14="http://schemas.microsoft.com/office/powerpoint/2010/main" val="4023753902"/>
               </p:ext>
             </p:extLst>
           </p:nvPr>
@@ -13809,14 +14216,7 @@
                     <a:bodyPr/>
                     <a:lstStyle/>
                     <a:p>
-                      <a:r>
-                        <a:rPr lang="en-US" dirty="0"/>
-                        <a:t>Acronis @ </a:t>
-                      </a:r>
-                      <a:r>
-                        <a:rPr lang="ru-RU" dirty="0"/>
-                        <a:t>МФТИ</a:t>
-                      </a:r>
+                      <a:endParaRPr lang="ru-RU" dirty="0"/>
                     </a:p>
                   </a:txBody>
                   <a:tcPr/>
@@ -15465,9 +15865,7 @@
           <p:cNvGraphicFramePr>
             <a:graphicFrameLocks noGrp="1"/>
           </p:cNvGraphicFramePr>
-          <p:nvPr>
-            <p:extLst/>
-          </p:nvPr>
+          <p:nvPr/>
         </p:nvGraphicFramePr>
         <p:xfrm>
           <a:off x="0" y="1"/>
@@ -15524,7 +15922,11 @@
             <a:graphicFrameLocks noGrp="1"/>
           </p:cNvGraphicFramePr>
           <p:nvPr>
-            <p:extLst/>
+            <p:extLst>
+              <p:ext uri="{D42A27DB-BD31-4B8C-83A1-F6EECF244321}">
+                <p14:modId xmlns:p14="http://schemas.microsoft.com/office/powerpoint/2010/main" val="3497387135"/>
+              </p:ext>
+            </p:extLst>
           </p:nvPr>
         </p:nvGraphicFramePr>
         <p:xfrm>
@@ -15552,14 +15954,7 @@
                     <a:bodyPr/>
                     <a:lstStyle/>
                     <a:p>
-                      <a:r>
-                        <a:rPr lang="en-US" dirty="0"/>
-                        <a:t>Acronis @ </a:t>
-                      </a:r>
-                      <a:r>
-                        <a:rPr lang="ru-RU" dirty="0"/>
-                        <a:t>МФТИ</a:t>
-                      </a:r>
+                      <a:endParaRPr lang="ru-RU" dirty="0"/>
                     </a:p>
                   </a:txBody>
                   <a:tcPr/>
@@ -15743,9 +16138,7 @@
           <p:cNvGraphicFramePr>
             <a:graphicFrameLocks noGrp="1"/>
           </p:cNvGraphicFramePr>
-          <p:nvPr>
-            <p:extLst/>
-          </p:nvPr>
+          <p:nvPr/>
         </p:nvGraphicFramePr>
         <p:xfrm>
           <a:off x="120823" y="3065441"/>
@@ -15831,9 +16224,7 @@
           <p:cNvGraphicFramePr>
             <a:graphicFrameLocks noGrp="1"/>
           </p:cNvGraphicFramePr>
-          <p:nvPr>
-            <p:extLst/>
-          </p:nvPr>
+          <p:nvPr/>
         </p:nvGraphicFramePr>
         <p:xfrm>
           <a:off x="1702488" y="3070867"/>
@@ -15936,9 +16327,7 @@
           <p:cNvGraphicFramePr>
             <a:graphicFrameLocks noGrp="1"/>
           </p:cNvGraphicFramePr>
-          <p:nvPr>
-            <p:extLst/>
-          </p:nvPr>
+          <p:nvPr/>
         </p:nvGraphicFramePr>
         <p:xfrm>
           <a:off x="3284153" y="3065441"/>
@@ -16071,9 +16460,7 @@
           <p:cNvGraphicFramePr>
             <a:graphicFrameLocks noGrp="1"/>
           </p:cNvGraphicFramePr>
-          <p:nvPr>
-            <p:extLst/>
-          </p:nvPr>
+          <p:nvPr/>
         </p:nvGraphicFramePr>
         <p:xfrm>
           <a:off x="5504249" y="3070867"/>
@@ -16176,9 +16563,7 @@
           <p:cNvGraphicFramePr>
             <a:graphicFrameLocks noGrp="1"/>
           </p:cNvGraphicFramePr>
-          <p:nvPr>
-            <p:extLst/>
-          </p:nvPr>
+          <p:nvPr/>
         </p:nvGraphicFramePr>
         <p:xfrm>
           <a:off x="1702488" y="2374902"/>
@@ -16281,9 +16666,7 @@
           <p:cNvGraphicFramePr>
             <a:graphicFrameLocks noGrp="1"/>
           </p:cNvGraphicFramePr>
-          <p:nvPr>
-            <p:extLst/>
-          </p:nvPr>
+          <p:nvPr/>
         </p:nvGraphicFramePr>
         <p:xfrm>
           <a:off x="4865818" y="2374902"/>
@@ -16556,9 +16939,7 @@
           <p:cNvGraphicFramePr>
             <a:graphicFrameLocks noGrp="1"/>
           </p:cNvGraphicFramePr>
-          <p:nvPr>
-            <p:extLst/>
-          </p:nvPr>
+          <p:nvPr/>
         </p:nvGraphicFramePr>
         <p:xfrm>
           <a:off x="2456170" y="1684363"/>
@@ -16729,9 +17110,7 @@
           <p:cNvGraphicFramePr>
             <a:graphicFrameLocks noGrp="1"/>
           </p:cNvGraphicFramePr>
-          <p:nvPr>
-            <p:extLst/>
-          </p:nvPr>
+          <p:nvPr/>
         </p:nvGraphicFramePr>
         <p:xfrm>
           <a:off x="3727541" y="922231"/>
@@ -17287,7 +17666,7 @@
           <p:nvPr>
             <p:extLst>
               <p:ext uri="{D42A27DB-BD31-4B8C-83A1-F6EECF244321}">
-                <p14:modId xmlns:p14="http://schemas.microsoft.com/office/powerpoint/2010/main" val="4164474727"/>
+                <p14:modId xmlns:p14="http://schemas.microsoft.com/office/powerpoint/2010/main" val="1422524047"/>
               </p:ext>
             </p:extLst>
           </p:nvPr>
@@ -17317,14 +17696,7 @@
                     <a:bodyPr/>
                     <a:lstStyle/>
                     <a:p>
-                      <a:r>
-                        <a:rPr lang="en-US" dirty="0"/>
-                        <a:t>Acronis @ </a:t>
-                      </a:r>
-                      <a:r>
-                        <a:rPr lang="ru-RU" dirty="0"/>
-                        <a:t>МФТИ</a:t>
-                      </a:r>
+                      <a:endParaRPr lang="ru-RU" dirty="0"/>
                     </a:p>
                   </a:txBody>
                   <a:tcPr/>
@@ -19171,7 +19543,7 @@
           <p:nvPr>
             <p:extLst>
               <p:ext uri="{D42A27DB-BD31-4B8C-83A1-F6EECF244321}">
-                <p14:modId xmlns:p14="http://schemas.microsoft.com/office/powerpoint/2010/main" val="4164474727"/>
+                <p14:modId xmlns:p14="http://schemas.microsoft.com/office/powerpoint/2010/main" val="1503551148"/>
               </p:ext>
             </p:extLst>
           </p:nvPr>
@@ -19201,14 +19573,7 @@
                     <a:bodyPr/>
                     <a:lstStyle/>
                     <a:p>
-                      <a:r>
-                        <a:rPr lang="en-US" dirty="0"/>
-                        <a:t>Acronis @ </a:t>
-                      </a:r>
-                      <a:r>
-                        <a:rPr lang="ru-RU" dirty="0"/>
-                        <a:t>МФТИ</a:t>
-                      </a:r>
+                      <a:endParaRPr lang="ru-RU" dirty="0"/>
                     </a:p>
                   </a:txBody>
                   <a:tcPr/>
@@ -19484,13 +19849,7 @@
           <p:cNvGraphicFramePr>
             <a:graphicFrameLocks noGrp="1"/>
           </p:cNvGraphicFramePr>
-          <p:nvPr>
-            <p:extLst>
-              <p:ext uri="{D42A27DB-BD31-4B8C-83A1-F6EECF244321}">
-                <p14:modId xmlns:p14="http://schemas.microsoft.com/office/powerpoint/2010/main" val="2281224332"/>
-              </p:ext>
-            </p:extLst>
-          </p:nvPr>
+          <p:nvPr/>
         </p:nvGraphicFramePr>
         <p:xfrm>
           <a:off x="0" y="1"/>
@@ -19549,7 +19908,7 @@
           <p:nvPr>
             <p:extLst>
               <p:ext uri="{D42A27DB-BD31-4B8C-83A1-F6EECF244321}">
-                <p14:modId xmlns:p14="http://schemas.microsoft.com/office/powerpoint/2010/main" val="4164474727"/>
+                <p14:modId xmlns:p14="http://schemas.microsoft.com/office/powerpoint/2010/main" val="542593056"/>
               </p:ext>
             </p:extLst>
           </p:nvPr>
@@ -19579,14 +19938,4461 @@
                     <a:bodyPr/>
                     <a:lstStyle/>
                     <a:p>
-                      <a:r>
-                        <a:rPr lang="en-US" dirty="0"/>
-                        <a:t>Acronis @ </a:t>
-                      </a:r>
+                      <a:endParaRPr lang="ru-RU" dirty="0"/>
+                    </a:p>
+                  </a:txBody>
+                  <a:tcPr/>
+                </a:tc>
+                <a:extLst>
+                  <a:ext uri="{0D108BD9-81ED-4DB2-BD59-A6C34878D82A}">
+                    <a16:rowId xmlns:a16="http://schemas.microsoft.com/office/drawing/2014/main" val="10000"/>
+                  </a:ext>
+                </a:extLst>
+              </a:tr>
+            </a:tbl>
+          </a:graphicData>
+        </a:graphic>
+      </p:graphicFrame>
+      <p:graphicFrame>
+        <p:nvGraphicFramePr>
+          <p:cNvPr id="2" name="Table 1"/>
+          <p:cNvGraphicFramePr>
+            <a:graphicFrameLocks noGrp="1"/>
+          </p:cNvGraphicFramePr>
+          <p:nvPr>
+            <p:extLst>
+              <p:ext uri="{D42A27DB-BD31-4B8C-83A1-F6EECF244321}">
+                <p14:modId xmlns:p14="http://schemas.microsoft.com/office/powerpoint/2010/main" val="1804897300"/>
+              </p:ext>
+            </p:extLst>
+          </p:nvPr>
+        </p:nvGraphicFramePr>
+        <p:xfrm>
+          <a:off x="0" y="365761"/>
+          <a:ext cx="12192000" cy="457200"/>
+        </p:xfrm>
+        <a:graphic>
+          <a:graphicData uri="http://schemas.openxmlformats.org/drawingml/2006/table">
+            <a:tbl>
+              <a:tblPr firstRow="1" bandRow="1">
+                <a:tableStyleId>{3B4B98B0-60AC-42C2-AFA5-B58CD77FA1E5}</a:tableStyleId>
+              </a:tblPr>
+              <a:tblGrid>
+                <a:gridCol w="12192000">
+                  <a:extLst>
+                    <a:ext uri="{9D8B030D-6E8A-4147-A177-3AD203B41FA5}">
+                      <a16:colId xmlns:a16="http://schemas.microsoft.com/office/drawing/2014/main" val="20000"/>
+                    </a:ext>
+                  </a:extLst>
+                </a:gridCol>
+              </a:tblGrid>
+              <a:tr h="370840">
+                <a:tc>
+                  <a:txBody>
+                    <a:bodyPr/>
+                    <a:lstStyle/>
+                    <a:p>
+                      <a:r>
+                        <a:rPr lang="ru-RU" sz="2400" dirty="0"/>
+                        <a:t>Слияние двух </a:t>
+                      </a:r>
+                      <a:r>
+                        <a:rPr lang="en-US" sz="2400" dirty="0"/>
+                        <a:t>B-</a:t>
+                      </a:r>
+                      <a:r>
+                        <a:rPr lang="ru-RU" sz="2400" dirty="0"/>
+                        <a:t>деревьев</a:t>
+                      </a:r>
+                      <a:endParaRPr lang="en-US" sz="2400" dirty="0"/>
+                    </a:p>
+                  </a:txBody>
+                  <a:tcPr/>
+                </a:tc>
+                <a:extLst>
+                  <a:ext uri="{0D108BD9-81ED-4DB2-BD59-A6C34878D82A}">
+                    <a16:rowId xmlns:a16="http://schemas.microsoft.com/office/drawing/2014/main" val="10000"/>
+                  </a:ext>
+                </a:extLst>
+              </a:tr>
+            </a:tbl>
+          </a:graphicData>
+        </a:graphic>
+      </p:graphicFrame>
+      <p:sp>
+        <p:nvSpPr>
+          <p:cNvPr id="3" name="Triangle 2">
+            <a:extLst>
+              <a:ext uri="{FF2B5EF4-FFF2-40B4-BE49-F238E27FC236}">
+                <a16:creationId xmlns:a16="http://schemas.microsoft.com/office/drawing/2014/main" id="{C0F4C0C6-C35E-C04C-AC99-1B1ECB555CBF}"/>
+              </a:ext>
+            </a:extLst>
+          </p:cNvPr>
+          <p:cNvSpPr/>
+          <p:nvPr/>
+        </p:nvSpPr>
+        <p:spPr>
+          <a:xfrm>
+            <a:off x="293914" y="1001486"/>
+            <a:ext cx="1698172" cy="1709057"/>
+          </a:xfrm>
+          <a:prstGeom prst="triangle">
+            <a:avLst/>
+          </a:prstGeom>
+        </p:spPr>
+        <p:style>
+          <a:lnRef idx="2">
+            <a:schemeClr val="accent1">
+              <a:shade val="50000"/>
+            </a:schemeClr>
+          </a:lnRef>
+          <a:fillRef idx="1">
+            <a:schemeClr val="accent1"/>
+          </a:fillRef>
+          <a:effectRef idx="0">
+            <a:schemeClr val="accent1"/>
+          </a:effectRef>
+          <a:fontRef idx="minor">
+            <a:schemeClr val="lt1"/>
+          </a:fontRef>
+        </p:style>
+        <p:txBody>
+          <a:bodyPr rtlCol="0" anchor="ctr"/>
+          <a:lstStyle/>
+          <a:p>
+            <a:pPr algn="ctr"/>
+            <a:endParaRPr lang="en-RU"/>
+          </a:p>
+        </p:txBody>
+      </p:sp>
+      <p:sp>
+        <p:nvSpPr>
+          <p:cNvPr id="7" name="Triangle 6">
+            <a:extLst>
+              <a:ext uri="{FF2B5EF4-FFF2-40B4-BE49-F238E27FC236}">
+                <a16:creationId xmlns:a16="http://schemas.microsoft.com/office/drawing/2014/main" id="{1145872C-6E3A-BC44-BBCB-EFECA1845248}"/>
+              </a:ext>
+            </a:extLst>
+          </p:cNvPr>
+          <p:cNvSpPr/>
+          <p:nvPr/>
+        </p:nvSpPr>
+        <p:spPr>
+          <a:xfrm>
+            <a:off x="2332939" y="1001485"/>
+            <a:ext cx="2228176" cy="2242458"/>
+          </a:xfrm>
+          <a:prstGeom prst="triangle">
+            <a:avLst/>
+          </a:prstGeom>
+        </p:spPr>
+        <p:style>
+          <a:lnRef idx="2">
+            <a:schemeClr val="accent1">
+              <a:shade val="50000"/>
+            </a:schemeClr>
+          </a:lnRef>
+          <a:fillRef idx="1">
+            <a:schemeClr val="accent1"/>
+          </a:fillRef>
+          <a:effectRef idx="0">
+            <a:schemeClr val="accent1"/>
+          </a:effectRef>
+          <a:fontRef idx="minor">
+            <a:schemeClr val="lt1"/>
+          </a:fontRef>
+        </p:style>
+        <p:txBody>
+          <a:bodyPr rtlCol="0" anchor="ctr"/>
+          <a:lstStyle/>
+          <a:p>
+            <a:pPr algn="ctr"/>
+            <a:endParaRPr lang="en-RU"/>
+          </a:p>
+        </p:txBody>
+      </p:sp>
+      <p:sp>
+        <p:nvSpPr>
+          <p:cNvPr id="4" name="TextBox 3">
+            <a:extLst>
+              <a:ext uri="{FF2B5EF4-FFF2-40B4-BE49-F238E27FC236}">
+                <a16:creationId xmlns:a16="http://schemas.microsoft.com/office/drawing/2014/main" id="{AFE6920D-1A6E-CA4F-89EE-B15BA485FC7D}"/>
+              </a:ext>
+            </a:extLst>
+          </p:cNvPr>
+          <p:cNvSpPr txBox="1"/>
+          <p:nvPr/>
+        </p:nvSpPr>
+        <p:spPr>
+          <a:xfrm>
+            <a:off x="2090057" y="1458686"/>
+            <a:ext cx="389850" cy="584775"/>
+          </a:xfrm>
+          <a:prstGeom prst="rect">
+            <a:avLst/>
+          </a:prstGeom>
+          <a:noFill/>
+        </p:spPr>
+        <p:txBody>
+          <a:bodyPr wrap="none" rtlCol="0">
+            <a:spAutoFit/>
+          </a:bodyPr>
+          <a:lstStyle/>
+          <a:p>
+            <a:r>
+              <a:rPr lang="en-RU" sz="3200" dirty="0"/>
+              <a:t>+</a:t>
+            </a:r>
+          </a:p>
+        </p:txBody>
+      </p:sp>
+      <p:sp>
+        <p:nvSpPr>
+          <p:cNvPr id="8" name="TextBox 7">
+            <a:extLst>
+              <a:ext uri="{FF2B5EF4-FFF2-40B4-BE49-F238E27FC236}">
+                <a16:creationId xmlns:a16="http://schemas.microsoft.com/office/drawing/2014/main" id="{E299ADD7-6543-2A40-99A2-FA70D6FF173B}"/>
+              </a:ext>
+            </a:extLst>
+          </p:cNvPr>
+          <p:cNvSpPr txBox="1"/>
+          <p:nvPr/>
+        </p:nvSpPr>
+        <p:spPr>
+          <a:xfrm>
+            <a:off x="4548194" y="1458686"/>
+            <a:ext cx="514885" cy="584775"/>
+          </a:xfrm>
+          <a:prstGeom prst="rect">
+            <a:avLst/>
+          </a:prstGeom>
+          <a:noFill/>
+        </p:spPr>
+        <p:txBody>
+          <a:bodyPr wrap="none" rtlCol="0">
+            <a:spAutoFit/>
+          </a:bodyPr>
+          <a:lstStyle/>
+          <a:p>
+            <a:r>
+              <a:rPr lang="en-RU" sz="3200" dirty="0"/>
+              <a:t>-&gt;</a:t>
+            </a:r>
+          </a:p>
+        </p:txBody>
+      </p:sp>
+      <p:graphicFrame>
+        <p:nvGraphicFramePr>
+          <p:cNvPr id="9" name="Table 9">
+            <a:extLst>
+              <a:ext uri="{FF2B5EF4-FFF2-40B4-BE49-F238E27FC236}">
+                <a16:creationId xmlns:a16="http://schemas.microsoft.com/office/drawing/2014/main" id="{F4895F23-9FE3-0E4F-8057-AA3E8E253772}"/>
+              </a:ext>
+            </a:extLst>
+          </p:cNvPr>
+          <p:cNvGraphicFramePr>
+            <a:graphicFrameLocks noGrp="1"/>
+          </p:cNvGraphicFramePr>
+          <p:nvPr>
+            <p:extLst>
+              <p:ext uri="{D42A27DB-BD31-4B8C-83A1-F6EECF244321}">
+                <p14:modId xmlns:p14="http://schemas.microsoft.com/office/powerpoint/2010/main" val="4192200480"/>
+              </p:ext>
+            </p:extLst>
+          </p:nvPr>
+        </p:nvGraphicFramePr>
+        <p:xfrm>
+          <a:off x="6404196" y="2873103"/>
+          <a:ext cx="5631370" cy="370840"/>
+        </p:xfrm>
+        <a:graphic>
+          <a:graphicData uri="http://schemas.openxmlformats.org/drawingml/2006/table">
+            <a:tbl>
+              <a:tblPr firstRow="1" bandRow="1">
+                <a:tableStyleId>{5C22544A-7EE6-4342-B048-85BDC9FD1C3A}</a:tableStyleId>
+              </a:tblPr>
+              <a:tblGrid>
+                <a:gridCol w="208280">
+                  <a:extLst>
+                    <a:ext uri="{9D8B030D-6E8A-4147-A177-3AD203B41FA5}">
+                      <a16:colId xmlns:a16="http://schemas.microsoft.com/office/drawing/2014/main" val="2786261489"/>
+                    </a:ext>
+                  </a:extLst>
+                </a:gridCol>
+                <a:gridCol w="208280">
+                  <a:extLst>
+                    <a:ext uri="{9D8B030D-6E8A-4147-A177-3AD203B41FA5}">
+                      <a16:colId xmlns:a16="http://schemas.microsoft.com/office/drawing/2014/main" val="473320199"/>
+                    </a:ext>
+                  </a:extLst>
+                </a:gridCol>
+                <a:gridCol w="208280">
+                  <a:extLst>
+                    <a:ext uri="{9D8B030D-6E8A-4147-A177-3AD203B41FA5}">
+                      <a16:colId xmlns:a16="http://schemas.microsoft.com/office/drawing/2014/main" val="3741475625"/>
+                    </a:ext>
+                  </a:extLst>
+                </a:gridCol>
+                <a:gridCol w="208280">
+                  <a:extLst>
+                    <a:ext uri="{9D8B030D-6E8A-4147-A177-3AD203B41FA5}">
+                      <a16:colId xmlns:a16="http://schemas.microsoft.com/office/drawing/2014/main" val="1675161799"/>
+                    </a:ext>
+                  </a:extLst>
+                </a:gridCol>
+                <a:gridCol w="208280">
+                  <a:extLst>
+                    <a:ext uri="{9D8B030D-6E8A-4147-A177-3AD203B41FA5}">
+                      <a16:colId xmlns:a16="http://schemas.microsoft.com/office/drawing/2014/main" val="952941121"/>
+                    </a:ext>
+                  </a:extLst>
+                </a:gridCol>
+                <a:gridCol w="208280">
+                  <a:extLst>
+                    <a:ext uri="{9D8B030D-6E8A-4147-A177-3AD203B41FA5}">
+                      <a16:colId xmlns:a16="http://schemas.microsoft.com/office/drawing/2014/main" val="47642270"/>
+                    </a:ext>
+                  </a:extLst>
+                </a:gridCol>
+                <a:gridCol w="438169">
+                  <a:extLst>
+                    <a:ext uri="{9D8B030D-6E8A-4147-A177-3AD203B41FA5}">
+                      <a16:colId xmlns:a16="http://schemas.microsoft.com/office/drawing/2014/main" val="2858643643"/>
+                    </a:ext>
+                  </a:extLst>
+                </a:gridCol>
+                <a:gridCol w="438169">
+                  <a:extLst>
+                    <a:ext uri="{9D8B030D-6E8A-4147-A177-3AD203B41FA5}">
+                      <a16:colId xmlns:a16="http://schemas.microsoft.com/office/drawing/2014/main" val="2810943390"/>
+                    </a:ext>
+                  </a:extLst>
+                </a:gridCol>
+                <a:gridCol w="438169">
+                  <a:extLst>
+                    <a:ext uri="{9D8B030D-6E8A-4147-A177-3AD203B41FA5}">
+                      <a16:colId xmlns:a16="http://schemas.microsoft.com/office/drawing/2014/main" val="4127657506"/>
+                    </a:ext>
+                  </a:extLst>
+                </a:gridCol>
+                <a:gridCol w="438169">
+                  <a:extLst>
+                    <a:ext uri="{9D8B030D-6E8A-4147-A177-3AD203B41FA5}">
+                      <a16:colId xmlns:a16="http://schemas.microsoft.com/office/drawing/2014/main" val="827145752"/>
+                    </a:ext>
+                  </a:extLst>
+                </a:gridCol>
+                <a:gridCol w="438169">
+                  <a:extLst>
+                    <a:ext uri="{9D8B030D-6E8A-4147-A177-3AD203B41FA5}">
+                      <a16:colId xmlns:a16="http://schemas.microsoft.com/office/drawing/2014/main" val="2311834231"/>
+                    </a:ext>
+                  </a:extLst>
+                </a:gridCol>
+                <a:gridCol w="438169">
+                  <a:extLst>
+                    <a:ext uri="{9D8B030D-6E8A-4147-A177-3AD203B41FA5}">
+                      <a16:colId xmlns:a16="http://schemas.microsoft.com/office/drawing/2014/main" val="2861270231"/>
+                    </a:ext>
+                  </a:extLst>
+                </a:gridCol>
+                <a:gridCol w="438169">
+                  <a:extLst>
+                    <a:ext uri="{9D8B030D-6E8A-4147-A177-3AD203B41FA5}">
+                      <a16:colId xmlns:a16="http://schemas.microsoft.com/office/drawing/2014/main" val="4010117732"/>
+                    </a:ext>
+                  </a:extLst>
+                </a:gridCol>
+                <a:gridCol w="438169">
+                  <a:extLst>
+                    <a:ext uri="{9D8B030D-6E8A-4147-A177-3AD203B41FA5}">
+                      <a16:colId xmlns:a16="http://schemas.microsoft.com/office/drawing/2014/main" val="1954329265"/>
+                    </a:ext>
+                  </a:extLst>
+                </a:gridCol>
+                <a:gridCol w="438169">
+                  <a:extLst>
+                    <a:ext uri="{9D8B030D-6E8A-4147-A177-3AD203B41FA5}">
+                      <a16:colId xmlns:a16="http://schemas.microsoft.com/office/drawing/2014/main" val="3818398413"/>
+                    </a:ext>
+                  </a:extLst>
+                </a:gridCol>
+                <a:gridCol w="438169">
+                  <a:extLst>
+                    <a:ext uri="{9D8B030D-6E8A-4147-A177-3AD203B41FA5}">
+                      <a16:colId xmlns:a16="http://schemas.microsoft.com/office/drawing/2014/main" val="3579801534"/>
+                    </a:ext>
+                  </a:extLst>
+                </a:gridCol>
+              </a:tblGrid>
+              <a:tr h="370840">
+                <a:tc>
+                  <a:txBody>
+                    <a:bodyPr/>
+                    <a:lstStyle/>
+                    <a:p>
+                      <a:endParaRPr lang="en-RU" dirty="0"/>
+                    </a:p>
+                  </a:txBody>
+                  <a:tcPr/>
+                </a:tc>
+                <a:tc>
+                  <a:txBody>
+                    <a:bodyPr/>
+                    <a:lstStyle/>
+                    <a:p>
+                      <a:endParaRPr lang="en-RU" dirty="0"/>
+                    </a:p>
+                  </a:txBody>
+                  <a:tcPr/>
+                </a:tc>
+                <a:tc>
+                  <a:txBody>
+                    <a:bodyPr/>
+                    <a:lstStyle/>
+                    <a:p>
+                      <a:endParaRPr lang="en-RU" dirty="0"/>
+                    </a:p>
+                  </a:txBody>
+                  <a:tcPr/>
+                </a:tc>
+                <a:tc>
+                  <a:txBody>
+                    <a:bodyPr/>
+                    <a:lstStyle/>
+                    <a:p>
+                      <a:endParaRPr lang="en-RU" dirty="0"/>
+                    </a:p>
+                  </a:txBody>
+                  <a:tcPr/>
+                </a:tc>
+                <a:tc>
+                  <a:txBody>
+                    <a:bodyPr/>
+                    <a:lstStyle/>
+                    <a:p>
+                      <a:endParaRPr lang="en-RU" dirty="0"/>
+                    </a:p>
+                  </a:txBody>
+                  <a:tcPr/>
+                </a:tc>
+                <a:tc>
+                  <a:txBody>
+                    <a:bodyPr/>
+                    <a:lstStyle/>
+                    <a:p>
+                      <a:endParaRPr lang="en-RU" dirty="0"/>
+                    </a:p>
+                  </a:txBody>
+                  <a:tcPr/>
+                </a:tc>
+                <a:tc>
+                  <a:txBody>
+                    <a:bodyPr/>
+                    <a:lstStyle/>
+                    <a:p>
+                      <a:endParaRPr lang="en-RU" dirty="0"/>
+                    </a:p>
+                  </a:txBody>
+                  <a:tcPr/>
+                </a:tc>
+                <a:tc>
+                  <a:txBody>
+                    <a:bodyPr/>
+                    <a:lstStyle/>
+                    <a:p>
+                      <a:endParaRPr lang="en-RU" dirty="0"/>
+                    </a:p>
+                  </a:txBody>
+                  <a:tcPr/>
+                </a:tc>
+                <a:tc>
+                  <a:txBody>
+                    <a:bodyPr/>
+                    <a:lstStyle/>
+                    <a:p>
+                      <a:endParaRPr lang="en-RU" dirty="0"/>
+                    </a:p>
+                  </a:txBody>
+                  <a:tcPr/>
+                </a:tc>
+                <a:tc>
+                  <a:txBody>
+                    <a:bodyPr/>
+                    <a:lstStyle/>
+                    <a:p>
+                      <a:endParaRPr lang="en-RU" dirty="0"/>
+                    </a:p>
+                  </a:txBody>
+                  <a:tcPr/>
+                </a:tc>
+                <a:tc>
+                  <a:txBody>
+                    <a:bodyPr/>
+                    <a:lstStyle/>
+                    <a:p>
+                      <a:endParaRPr lang="en-RU" dirty="0"/>
+                    </a:p>
+                  </a:txBody>
+                  <a:tcPr/>
+                </a:tc>
+                <a:tc>
+                  <a:txBody>
+                    <a:bodyPr/>
+                    <a:lstStyle/>
+                    <a:p>
+                      <a:endParaRPr lang="en-RU" dirty="0"/>
+                    </a:p>
+                  </a:txBody>
+                  <a:tcPr/>
+                </a:tc>
+                <a:tc>
+                  <a:txBody>
+                    <a:bodyPr/>
+                    <a:lstStyle/>
+                    <a:p>
+                      <a:endParaRPr lang="en-RU" dirty="0"/>
+                    </a:p>
+                  </a:txBody>
+                  <a:tcPr/>
+                </a:tc>
+                <a:tc>
+                  <a:txBody>
+                    <a:bodyPr/>
+                    <a:lstStyle/>
+                    <a:p>
+                      <a:endParaRPr lang="en-RU" dirty="0"/>
+                    </a:p>
+                  </a:txBody>
+                  <a:tcPr/>
+                </a:tc>
+                <a:tc>
+                  <a:txBody>
+                    <a:bodyPr/>
+                    <a:lstStyle/>
+                    <a:p>
+                      <a:endParaRPr lang="en-RU" dirty="0"/>
+                    </a:p>
+                  </a:txBody>
+                  <a:tcPr/>
+                </a:tc>
+                <a:tc>
+                  <a:txBody>
+                    <a:bodyPr/>
+                    <a:lstStyle/>
+                    <a:p>
+                      <a:endParaRPr lang="en-RU" dirty="0"/>
+                    </a:p>
+                  </a:txBody>
+                  <a:tcPr/>
+                </a:tc>
+                <a:extLst>
+                  <a:ext uri="{0D108BD9-81ED-4DB2-BD59-A6C34878D82A}">
+                    <a16:rowId xmlns:a16="http://schemas.microsoft.com/office/drawing/2014/main" val="3942554715"/>
+                  </a:ext>
+                </a:extLst>
+              </a:tr>
+            </a:tbl>
+          </a:graphicData>
+        </a:graphic>
+      </p:graphicFrame>
+    </p:spTree>
+    <p:extLst>
+      <p:ext uri="{BB962C8B-B14F-4D97-AF65-F5344CB8AC3E}">
+        <p14:creationId xmlns:p14="http://schemas.microsoft.com/office/powerpoint/2010/main" val="1932664548"/>
+      </p:ext>
+    </p:extLst>
+  </p:cSld>
+  <p:clrMapOvr>
+    <a:masterClrMapping/>
+  </p:clrMapOvr>
+</p:sld>
+</file>
+
+<file path=ppt/slides/slide17.xml><?xml version="1.0" encoding="utf-8"?>
+<p:sld xmlns:a="http://schemas.openxmlformats.org/drawingml/2006/main" xmlns:r="http://schemas.openxmlformats.org/officeDocument/2006/relationships" xmlns:p="http://schemas.openxmlformats.org/presentationml/2006/main">
+  <p:cSld>
+    <p:spTree>
+      <p:nvGrpSpPr>
+        <p:cNvPr id="1" name=""/>
+        <p:cNvGrpSpPr/>
+        <p:nvPr/>
+      </p:nvGrpSpPr>
+      <p:grpSpPr>
+        <a:xfrm>
+          <a:off x="0" y="0"/>
+          <a:ext cx="0" cy="0"/>
+          <a:chOff x="0" y="0"/>
+          <a:chExt cx="0" cy="0"/>
+        </a:xfrm>
+      </p:grpSpPr>
+      <p:graphicFrame>
+        <p:nvGraphicFramePr>
+          <p:cNvPr id="5" name="Table 4"/>
+          <p:cNvGraphicFramePr>
+            <a:graphicFrameLocks noGrp="1"/>
+          </p:cNvGraphicFramePr>
+          <p:nvPr/>
+        </p:nvGraphicFramePr>
+        <p:xfrm>
+          <a:off x="0" y="1"/>
+          <a:ext cx="12192000" cy="365760"/>
+        </p:xfrm>
+        <a:graphic>
+          <a:graphicData uri="http://schemas.openxmlformats.org/drawingml/2006/table">
+            <a:tbl>
+              <a:tblPr firstRow="1" bandRow="1">
+                <a:tableStyleId>{5C22544A-7EE6-4342-B048-85BDC9FD1C3A}</a:tableStyleId>
+              </a:tblPr>
+              <a:tblGrid>
+                <a:gridCol w="12192000">
+                  <a:extLst>
+                    <a:ext uri="{9D8B030D-6E8A-4147-A177-3AD203B41FA5}">
+                      <a16:colId xmlns:a16="http://schemas.microsoft.com/office/drawing/2014/main" val="20000"/>
+                    </a:ext>
+                  </a:extLst>
+                </a:gridCol>
+              </a:tblGrid>
+              <a:tr h="321276">
+                <a:tc>
+                  <a:txBody>
+                    <a:bodyPr/>
+                    <a:lstStyle/>
+                    <a:p>
                       <a:r>
                         <a:rPr lang="ru-RU" dirty="0"/>
-                        <a:t>МФТИ</a:t>
-                      </a:r>
+                        <a:t>Основы</a:t>
+                      </a:r>
+                      <a:r>
+                        <a:rPr lang="ru-RU" baseline="0" dirty="0"/>
+                        <a:t> построения файловых систем</a:t>
+                      </a:r>
+                      <a:endParaRPr lang="ru-RU" dirty="0"/>
+                    </a:p>
+                  </a:txBody>
+                  <a:tcPr/>
+                </a:tc>
+                <a:extLst>
+                  <a:ext uri="{0D108BD9-81ED-4DB2-BD59-A6C34878D82A}">
+                    <a16:rowId xmlns:a16="http://schemas.microsoft.com/office/drawing/2014/main" val="10000"/>
+                  </a:ext>
+                </a:extLst>
+              </a:tr>
+            </a:tbl>
+          </a:graphicData>
+        </a:graphic>
+      </p:graphicFrame>
+      <p:graphicFrame>
+        <p:nvGraphicFramePr>
+          <p:cNvPr id="6" name="Table 5"/>
+          <p:cNvGraphicFramePr>
+            <a:graphicFrameLocks noGrp="1"/>
+          </p:cNvGraphicFramePr>
+          <p:nvPr>
+            <p:extLst>
+              <p:ext uri="{D42A27DB-BD31-4B8C-83A1-F6EECF244321}">
+                <p14:modId xmlns:p14="http://schemas.microsoft.com/office/powerpoint/2010/main" val="850102496"/>
+              </p:ext>
+            </p:extLst>
+          </p:nvPr>
+        </p:nvGraphicFramePr>
+        <p:xfrm>
+          <a:off x="0" y="6532604"/>
+          <a:ext cx="12192000" cy="365760"/>
+        </p:xfrm>
+        <a:graphic>
+          <a:graphicData uri="http://schemas.openxmlformats.org/drawingml/2006/table">
+            <a:tbl>
+              <a:tblPr firstRow="1" bandRow="1">
+                <a:tableStyleId>{5C22544A-7EE6-4342-B048-85BDC9FD1C3A}</a:tableStyleId>
+              </a:tblPr>
+              <a:tblGrid>
+                <a:gridCol w="12192000">
+                  <a:extLst>
+                    <a:ext uri="{9D8B030D-6E8A-4147-A177-3AD203B41FA5}">
+                      <a16:colId xmlns:a16="http://schemas.microsoft.com/office/drawing/2014/main" val="20000"/>
+                    </a:ext>
+                  </a:extLst>
+                </a:gridCol>
+              </a:tblGrid>
+              <a:tr h="308094">
+                <a:tc>
+                  <a:txBody>
+                    <a:bodyPr/>
+                    <a:lstStyle/>
+                    <a:p>
+                      <a:endParaRPr lang="ru-RU" dirty="0"/>
+                    </a:p>
+                  </a:txBody>
+                  <a:tcPr/>
+                </a:tc>
+                <a:extLst>
+                  <a:ext uri="{0D108BD9-81ED-4DB2-BD59-A6C34878D82A}">
+                    <a16:rowId xmlns:a16="http://schemas.microsoft.com/office/drawing/2014/main" val="10000"/>
+                  </a:ext>
+                </a:extLst>
+              </a:tr>
+            </a:tbl>
+          </a:graphicData>
+        </a:graphic>
+      </p:graphicFrame>
+      <p:graphicFrame>
+        <p:nvGraphicFramePr>
+          <p:cNvPr id="2" name="Table 1"/>
+          <p:cNvGraphicFramePr>
+            <a:graphicFrameLocks noGrp="1"/>
+          </p:cNvGraphicFramePr>
+          <p:nvPr/>
+        </p:nvGraphicFramePr>
+        <p:xfrm>
+          <a:off x="0" y="365761"/>
+          <a:ext cx="12192000" cy="457200"/>
+        </p:xfrm>
+        <a:graphic>
+          <a:graphicData uri="http://schemas.openxmlformats.org/drawingml/2006/table">
+            <a:tbl>
+              <a:tblPr firstRow="1" bandRow="1">
+                <a:tableStyleId>{3B4B98B0-60AC-42C2-AFA5-B58CD77FA1E5}</a:tableStyleId>
+              </a:tblPr>
+              <a:tblGrid>
+                <a:gridCol w="12192000">
+                  <a:extLst>
+                    <a:ext uri="{9D8B030D-6E8A-4147-A177-3AD203B41FA5}">
+                      <a16:colId xmlns:a16="http://schemas.microsoft.com/office/drawing/2014/main" val="20000"/>
+                    </a:ext>
+                  </a:extLst>
+                </a:gridCol>
+              </a:tblGrid>
+              <a:tr h="370840">
+                <a:tc>
+                  <a:txBody>
+                    <a:bodyPr/>
+                    <a:lstStyle/>
+                    <a:p>
+                      <a:r>
+                        <a:rPr lang="ru-RU" sz="2400" dirty="0"/>
+                        <a:t>Слияние двух </a:t>
+                      </a:r>
+                      <a:r>
+                        <a:rPr lang="en-US" sz="2400" dirty="0"/>
+                        <a:t>B-</a:t>
+                      </a:r>
+                      <a:r>
+                        <a:rPr lang="ru-RU" sz="2400" dirty="0"/>
+                        <a:t>деревьев</a:t>
+                      </a:r>
+                      <a:endParaRPr lang="en-US" sz="2400" dirty="0"/>
+                    </a:p>
+                  </a:txBody>
+                  <a:tcPr/>
+                </a:tc>
+                <a:extLst>
+                  <a:ext uri="{0D108BD9-81ED-4DB2-BD59-A6C34878D82A}">
+                    <a16:rowId xmlns:a16="http://schemas.microsoft.com/office/drawing/2014/main" val="10000"/>
+                  </a:ext>
+                </a:extLst>
+              </a:tr>
+            </a:tbl>
+          </a:graphicData>
+        </a:graphic>
+      </p:graphicFrame>
+      <p:sp>
+        <p:nvSpPr>
+          <p:cNvPr id="3" name="Triangle 2">
+            <a:extLst>
+              <a:ext uri="{FF2B5EF4-FFF2-40B4-BE49-F238E27FC236}">
+                <a16:creationId xmlns:a16="http://schemas.microsoft.com/office/drawing/2014/main" id="{C0F4C0C6-C35E-C04C-AC99-1B1ECB555CBF}"/>
+              </a:ext>
+            </a:extLst>
+          </p:cNvPr>
+          <p:cNvSpPr/>
+          <p:nvPr/>
+        </p:nvSpPr>
+        <p:spPr>
+          <a:xfrm>
+            <a:off x="293914" y="1001486"/>
+            <a:ext cx="1698172" cy="1709057"/>
+          </a:xfrm>
+          <a:prstGeom prst="triangle">
+            <a:avLst/>
+          </a:prstGeom>
+        </p:spPr>
+        <p:style>
+          <a:lnRef idx="2">
+            <a:schemeClr val="accent1">
+              <a:shade val="50000"/>
+            </a:schemeClr>
+          </a:lnRef>
+          <a:fillRef idx="1">
+            <a:schemeClr val="accent1"/>
+          </a:fillRef>
+          <a:effectRef idx="0">
+            <a:schemeClr val="accent1"/>
+          </a:effectRef>
+          <a:fontRef idx="minor">
+            <a:schemeClr val="lt1"/>
+          </a:fontRef>
+        </p:style>
+        <p:txBody>
+          <a:bodyPr rtlCol="0" anchor="ctr"/>
+          <a:lstStyle/>
+          <a:p>
+            <a:pPr algn="ctr"/>
+            <a:endParaRPr lang="en-RU"/>
+          </a:p>
+        </p:txBody>
+      </p:sp>
+      <p:sp>
+        <p:nvSpPr>
+          <p:cNvPr id="7" name="Triangle 6">
+            <a:extLst>
+              <a:ext uri="{FF2B5EF4-FFF2-40B4-BE49-F238E27FC236}">
+                <a16:creationId xmlns:a16="http://schemas.microsoft.com/office/drawing/2014/main" id="{1145872C-6E3A-BC44-BBCB-EFECA1845248}"/>
+              </a:ext>
+            </a:extLst>
+          </p:cNvPr>
+          <p:cNvSpPr/>
+          <p:nvPr/>
+        </p:nvSpPr>
+        <p:spPr>
+          <a:xfrm>
+            <a:off x="2332939" y="1001485"/>
+            <a:ext cx="2228176" cy="2242458"/>
+          </a:xfrm>
+          <a:prstGeom prst="triangle">
+            <a:avLst/>
+          </a:prstGeom>
+        </p:spPr>
+        <p:style>
+          <a:lnRef idx="2">
+            <a:schemeClr val="accent1">
+              <a:shade val="50000"/>
+            </a:schemeClr>
+          </a:lnRef>
+          <a:fillRef idx="1">
+            <a:schemeClr val="accent1"/>
+          </a:fillRef>
+          <a:effectRef idx="0">
+            <a:schemeClr val="accent1"/>
+          </a:effectRef>
+          <a:fontRef idx="minor">
+            <a:schemeClr val="lt1"/>
+          </a:fontRef>
+        </p:style>
+        <p:txBody>
+          <a:bodyPr rtlCol="0" anchor="ctr"/>
+          <a:lstStyle/>
+          <a:p>
+            <a:pPr algn="ctr"/>
+            <a:endParaRPr lang="en-RU"/>
+          </a:p>
+        </p:txBody>
+      </p:sp>
+      <p:sp>
+        <p:nvSpPr>
+          <p:cNvPr id="4" name="TextBox 3">
+            <a:extLst>
+              <a:ext uri="{FF2B5EF4-FFF2-40B4-BE49-F238E27FC236}">
+                <a16:creationId xmlns:a16="http://schemas.microsoft.com/office/drawing/2014/main" id="{AFE6920D-1A6E-CA4F-89EE-B15BA485FC7D}"/>
+              </a:ext>
+            </a:extLst>
+          </p:cNvPr>
+          <p:cNvSpPr txBox="1"/>
+          <p:nvPr/>
+        </p:nvSpPr>
+        <p:spPr>
+          <a:xfrm>
+            <a:off x="2090057" y="1458686"/>
+            <a:ext cx="389850" cy="584775"/>
+          </a:xfrm>
+          <a:prstGeom prst="rect">
+            <a:avLst/>
+          </a:prstGeom>
+          <a:noFill/>
+        </p:spPr>
+        <p:txBody>
+          <a:bodyPr wrap="none" rtlCol="0">
+            <a:spAutoFit/>
+          </a:bodyPr>
+          <a:lstStyle/>
+          <a:p>
+            <a:r>
+              <a:rPr lang="en-RU" sz="3200" dirty="0"/>
+              <a:t>+</a:t>
+            </a:r>
+          </a:p>
+        </p:txBody>
+      </p:sp>
+      <p:sp>
+        <p:nvSpPr>
+          <p:cNvPr id="8" name="TextBox 7">
+            <a:extLst>
+              <a:ext uri="{FF2B5EF4-FFF2-40B4-BE49-F238E27FC236}">
+                <a16:creationId xmlns:a16="http://schemas.microsoft.com/office/drawing/2014/main" id="{E299ADD7-6543-2A40-99A2-FA70D6FF173B}"/>
+              </a:ext>
+            </a:extLst>
+          </p:cNvPr>
+          <p:cNvSpPr txBox="1"/>
+          <p:nvPr/>
+        </p:nvSpPr>
+        <p:spPr>
+          <a:xfrm>
+            <a:off x="4548194" y="1458686"/>
+            <a:ext cx="514885" cy="584775"/>
+          </a:xfrm>
+          <a:prstGeom prst="rect">
+            <a:avLst/>
+          </a:prstGeom>
+          <a:noFill/>
+        </p:spPr>
+        <p:txBody>
+          <a:bodyPr wrap="none" rtlCol="0">
+            <a:spAutoFit/>
+          </a:bodyPr>
+          <a:lstStyle/>
+          <a:p>
+            <a:r>
+              <a:rPr lang="en-RU" sz="3200" dirty="0"/>
+              <a:t>-&gt;</a:t>
+            </a:r>
+          </a:p>
+        </p:txBody>
+      </p:sp>
+      <p:graphicFrame>
+        <p:nvGraphicFramePr>
+          <p:cNvPr id="9" name="Table 9">
+            <a:extLst>
+              <a:ext uri="{FF2B5EF4-FFF2-40B4-BE49-F238E27FC236}">
+                <a16:creationId xmlns:a16="http://schemas.microsoft.com/office/drawing/2014/main" id="{F4895F23-9FE3-0E4F-8057-AA3E8E253772}"/>
+              </a:ext>
+            </a:extLst>
+          </p:cNvPr>
+          <p:cNvGraphicFramePr>
+            <a:graphicFrameLocks noGrp="1"/>
+          </p:cNvGraphicFramePr>
+          <p:nvPr/>
+        </p:nvGraphicFramePr>
+        <p:xfrm>
+          <a:off x="6404196" y="2873103"/>
+          <a:ext cx="5631370" cy="370840"/>
+        </p:xfrm>
+        <a:graphic>
+          <a:graphicData uri="http://schemas.openxmlformats.org/drawingml/2006/table">
+            <a:tbl>
+              <a:tblPr firstRow="1" bandRow="1">
+                <a:tableStyleId>{5C22544A-7EE6-4342-B048-85BDC9FD1C3A}</a:tableStyleId>
+              </a:tblPr>
+              <a:tblGrid>
+                <a:gridCol w="208280">
+                  <a:extLst>
+                    <a:ext uri="{9D8B030D-6E8A-4147-A177-3AD203B41FA5}">
+                      <a16:colId xmlns:a16="http://schemas.microsoft.com/office/drawing/2014/main" val="2786261489"/>
+                    </a:ext>
+                  </a:extLst>
+                </a:gridCol>
+                <a:gridCol w="208280">
+                  <a:extLst>
+                    <a:ext uri="{9D8B030D-6E8A-4147-A177-3AD203B41FA5}">
+                      <a16:colId xmlns:a16="http://schemas.microsoft.com/office/drawing/2014/main" val="473320199"/>
+                    </a:ext>
+                  </a:extLst>
+                </a:gridCol>
+                <a:gridCol w="208280">
+                  <a:extLst>
+                    <a:ext uri="{9D8B030D-6E8A-4147-A177-3AD203B41FA5}">
+                      <a16:colId xmlns:a16="http://schemas.microsoft.com/office/drawing/2014/main" val="3741475625"/>
+                    </a:ext>
+                  </a:extLst>
+                </a:gridCol>
+                <a:gridCol w="208280">
+                  <a:extLst>
+                    <a:ext uri="{9D8B030D-6E8A-4147-A177-3AD203B41FA5}">
+                      <a16:colId xmlns:a16="http://schemas.microsoft.com/office/drawing/2014/main" val="1675161799"/>
+                    </a:ext>
+                  </a:extLst>
+                </a:gridCol>
+                <a:gridCol w="208280">
+                  <a:extLst>
+                    <a:ext uri="{9D8B030D-6E8A-4147-A177-3AD203B41FA5}">
+                      <a16:colId xmlns:a16="http://schemas.microsoft.com/office/drawing/2014/main" val="952941121"/>
+                    </a:ext>
+                  </a:extLst>
+                </a:gridCol>
+                <a:gridCol w="208280">
+                  <a:extLst>
+                    <a:ext uri="{9D8B030D-6E8A-4147-A177-3AD203B41FA5}">
+                      <a16:colId xmlns:a16="http://schemas.microsoft.com/office/drawing/2014/main" val="47642270"/>
+                    </a:ext>
+                  </a:extLst>
+                </a:gridCol>
+                <a:gridCol w="438169">
+                  <a:extLst>
+                    <a:ext uri="{9D8B030D-6E8A-4147-A177-3AD203B41FA5}">
+                      <a16:colId xmlns:a16="http://schemas.microsoft.com/office/drawing/2014/main" val="2858643643"/>
+                    </a:ext>
+                  </a:extLst>
+                </a:gridCol>
+                <a:gridCol w="438169">
+                  <a:extLst>
+                    <a:ext uri="{9D8B030D-6E8A-4147-A177-3AD203B41FA5}">
+                      <a16:colId xmlns:a16="http://schemas.microsoft.com/office/drawing/2014/main" val="2810943390"/>
+                    </a:ext>
+                  </a:extLst>
+                </a:gridCol>
+                <a:gridCol w="438169">
+                  <a:extLst>
+                    <a:ext uri="{9D8B030D-6E8A-4147-A177-3AD203B41FA5}">
+                      <a16:colId xmlns:a16="http://schemas.microsoft.com/office/drawing/2014/main" val="4127657506"/>
+                    </a:ext>
+                  </a:extLst>
+                </a:gridCol>
+                <a:gridCol w="438169">
+                  <a:extLst>
+                    <a:ext uri="{9D8B030D-6E8A-4147-A177-3AD203B41FA5}">
+                      <a16:colId xmlns:a16="http://schemas.microsoft.com/office/drawing/2014/main" val="827145752"/>
+                    </a:ext>
+                  </a:extLst>
+                </a:gridCol>
+                <a:gridCol w="438169">
+                  <a:extLst>
+                    <a:ext uri="{9D8B030D-6E8A-4147-A177-3AD203B41FA5}">
+                      <a16:colId xmlns:a16="http://schemas.microsoft.com/office/drawing/2014/main" val="2311834231"/>
+                    </a:ext>
+                  </a:extLst>
+                </a:gridCol>
+                <a:gridCol w="438169">
+                  <a:extLst>
+                    <a:ext uri="{9D8B030D-6E8A-4147-A177-3AD203B41FA5}">
+                      <a16:colId xmlns:a16="http://schemas.microsoft.com/office/drawing/2014/main" val="2861270231"/>
+                    </a:ext>
+                  </a:extLst>
+                </a:gridCol>
+                <a:gridCol w="438169">
+                  <a:extLst>
+                    <a:ext uri="{9D8B030D-6E8A-4147-A177-3AD203B41FA5}">
+                      <a16:colId xmlns:a16="http://schemas.microsoft.com/office/drawing/2014/main" val="4010117732"/>
+                    </a:ext>
+                  </a:extLst>
+                </a:gridCol>
+                <a:gridCol w="438169">
+                  <a:extLst>
+                    <a:ext uri="{9D8B030D-6E8A-4147-A177-3AD203B41FA5}">
+                      <a16:colId xmlns:a16="http://schemas.microsoft.com/office/drawing/2014/main" val="1954329265"/>
+                    </a:ext>
+                  </a:extLst>
+                </a:gridCol>
+                <a:gridCol w="438169">
+                  <a:extLst>
+                    <a:ext uri="{9D8B030D-6E8A-4147-A177-3AD203B41FA5}">
+                      <a16:colId xmlns:a16="http://schemas.microsoft.com/office/drawing/2014/main" val="3818398413"/>
+                    </a:ext>
+                  </a:extLst>
+                </a:gridCol>
+                <a:gridCol w="438169">
+                  <a:extLst>
+                    <a:ext uri="{9D8B030D-6E8A-4147-A177-3AD203B41FA5}">
+                      <a16:colId xmlns:a16="http://schemas.microsoft.com/office/drawing/2014/main" val="3579801534"/>
+                    </a:ext>
+                  </a:extLst>
+                </a:gridCol>
+              </a:tblGrid>
+              <a:tr h="370840">
+                <a:tc>
+                  <a:txBody>
+                    <a:bodyPr/>
+                    <a:lstStyle/>
+                    <a:p>
+                      <a:endParaRPr lang="en-RU" dirty="0"/>
+                    </a:p>
+                  </a:txBody>
+                  <a:tcPr/>
+                </a:tc>
+                <a:tc>
+                  <a:txBody>
+                    <a:bodyPr/>
+                    <a:lstStyle/>
+                    <a:p>
+                      <a:endParaRPr lang="en-RU" dirty="0"/>
+                    </a:p>
+                  </a:txBody>
+                  <a:tcPr/>
+                </a:tc>
+                <a:tc>
+                  <a:txBody>
+                    <a:bodyPr/>
+                    <a:lstStyle/>
+                    <a:p>
+                      <a:endParaRPr lang="en-RU" dirty="0"/>
+                    </a:p>
+                  </a:txBody>
+                  <a:tcPr/>
+                </a:tc>
+                <a:tc>
+                  <a:txBody>
+                    <a:bodyPr/>
+                    <a:lstStyle/>
+                    <a:p>
+                      <a:endParaRPr lang="en-RU" dirty="0"/>
+                    </a:p>
+                  </a:txBody>
+                  <a:tcPr/>
+                </a:tc>
+                <a:tc>
+                  <a:txBody>
+                    <a:bodyPr/>
+                    <a:lstStyle/>
+                    <a:p>
+                      <a:endParaRPr lang="en-RU" dirty="0"/>
+                    </a:p>
+                  </a:txBody>
+                  <a:tcPr/>
+                </a:tc>
+                <a:tc>
+                  <a:txBody>
+                    <a:bodyPr/>
+                    <a:lstStyle/>
+                    <a:p>
+                      <a:endParaRPr lang="en-RU" dirty="0"/>
+                    </a:p>
+                  </a:txBody>
+                  <a:tcPr/>
+                </a:tc>
+                <a:tc>
+                  <a:txBody>
+                    <a:bodyPr/>
+                    <a:lstStyle/>
+                    <a:p>
+                      <a:endParaRPr lang="en-RU" dirty="0"/>
+                    </a:p>
+                  </a:txBody>
+                  <a:tcPr/>
+                </a:tc>
+                <a:tc>
+                  <a:txBody>
+                    <a:bodyPr/>
+                    <a:lstStyle/>
+                    <a:p>
+                      <a:endParaRPr lang="en-RU" dirty="0"/>
+                    </a:p>
+                  </a:txBody>
+                  <a:tcPr/>
+                </a:tc>
+                <a:tc>
+                  <a:txBody>
+                    <a:bodyPr/>
+                    <a:lstStyle/>
+                    <a:p>
+                      <a:endParaRPr lang="en-RU" dirty="0"/>
+                    </a:p>
+                  </a:txBody>
+                  <a:tcPr/>
+                </a:tc>
+                <a:tc>
+                  <a:txBody>
+                    <a:bodyPr/>
+                    <a:lstStyle/>
+                    <a:p>
+                      <a:endParaRPr lang="en-RU" dirty="0"/>
+                    </a:p>
+                  </a:txBody>
+                  <a:tcPr/>
+                </a:tc>
+                <a:tc>
+                  <a:txBody>
+                    <a:bodyPr/>
+                    <a:lstStyle/>
+                    <a:p>
+                      <a:endParaRPr lang="en-RU" dirty="0"/>
+                    </a:p>
+                  </a:txBody>
+                  <a:tcPr/>
+                </a:tc>
+                <a:tc>
+                  <a:txBody>
+                    <a:bodyPr/>
+                    <a:lstStyle/>
+                    <a:p>
+                      <a:endParaRPr lang="en-RU" dirty="0"/>
+                    </a:p>
+                  </a:txBody>
+                  <a:tcPr/>
+                </a:tc>
+                <a:tc>
+                  <a:txBody>
+                    <a:bodyPr/>
+                    <a:lstStyle/>
+                    <a:p>
+                      <a:endParaRPr lang="en-RU" dirty="0"/>
+                    </a:p>
+                  </a:txBody>
+                  <a:tcPr/>
+                </a:tc>
+                <a:tc>
+                  <a:txBody>
+                    <a:bodyPr/>
+                    <a:lstStyle/>
+                    <a:p>
+                      <a:endParaRPr lang="en-RU" dirty="0"/>
+                    </a:p>
+                  </a:txBody>
+                  <a:tcPr/>
+                </a:tc>
+                <a:tc>
+                  <a:txBody>
+                    <a:bodyPr/>
+                    <a:lstStyle/>
+                    <a:p>
+                      <a:endParaRPr lang="en-RU" dirty="0"/>
+                    </a:p>
+                  </a:txBody>
+                  <a:tcPr/>
+                </a:tc>
+                <a:tc>
+                  <a:txBody>
+                    <a:bodyPr/>
+                    <a:lstStyle/>
+                    <a:p>
+                      <a:endParaRPr lang="en-RU" dirty="0"/>
+                    </a:p>
+                  </a:txBody>
+                  <a:tcPr/>
+                </a:tc>
+                <a:extLst>
+                  <a:ext uri="{0D108BD9-81ED-4DB2-BD59-A6C34878D82A}">
+                    <a16:rowId xmlns:a16="http://schemas.microsoft.com/office/drawing/2014/main" val="3942554715"/>
+                  </a:ext>
+                </a:extLst>
+              </a:tr>
+            </a:tbl>
+          </a:graphicData>
+        </a:graphic>
+      </p:graphicFrame>
+      <p:graphicFrame>
+        <p:nvGraphicFramePr>
+          <p:cNvPr id="10" name="Table 10">
+            <a:extLst>
+              <a:ext uri="{FF2B5EF4-FFF2-40B4-BE49-F238E27FC236}">
+                <a16:creationId xmlns:a16="http://schemas.microsoft.com/office/drawing/2014/main" id="{2916F093-FE29-6047-905C-7021EC3BDFB1}"/>
+              </a:ext>
+            </a:extLst>
+          </p:cNvPr>
+          <p:cNvGraphicFramePr>
+            <a:graphicFrameLocks noGrp="1"/>
+          </p:cNvGraphicFramePr>
+          <p:nvPr/>
+        </p:nvGraphicFramePr>
+        <p:xfrm>
+          <a:off x="6791463" y="2230483"/>
+          <a:ext cx="839424" cy="370840"/>
+        </p:xfrm>
+        <a:graphic>
+          <a:graphicData uri="http://schemas.openxmlformats.org/drawingml/2006/table">
+            <a:tbl>
+              <a:tblPr firstRow="1" bandRow="1">
+                <a:tableStyleId>{5C22544A-7EE6-4342-B048-85BDC9FD1C3A}</a:tableStyleId>
+              </a:tblPr>
+              <a:tblGrid>
+                <a:gridCol w="279808">
+                  <a:extLst>
+                    <a:ext uri="{9D8B030D-6E8A-4147-A177-3AD203B41FA5}">
+                      <a16:colId xmlns:a16="http://schemas.microsoft.com/office/drawing/2014/main" val="2449433316"/>
+                    </a:ext>
+                  </a:extLst>
+                </a:gridCol>
+                <a:gridCol w="279808">
+                  <a:extLst>
+                    <a:ext uri="{9D8B030D-6E8A-4147-A177-3AD203B41FA5}">
+                      <a16:colId xmlns:a16="http://schemas.microsoft.com/office/drawing/2014/main" val="3672236743"/>
+                    </a:ext>
+                  </a:extLst>
+                </a:gridCol>
+                <a:gridCol w="279808">
+                  <a:extLst>
+                    <a:ext uri="{9D8B030D-6E8A-4147-A177-3AD203B41FA5}">
+                      <a16:colId xmlns:a16="http://schemas.microsoft.com/office/drawing/2014/main" val="399996921"/>
+                    </a:ext>
+                  </a:extLst>
+                </a:gridCol>
+              </a:tblGrid>
+              <a:tr h="370840">
+                <a:tc>
+                  <a:txBody>
+                    <a:bodyPr/>
+                    <a:lstStyle/>
+                    <a:p>
+                      <a:endParaRPr lang="en-RU"/>
+                    </a:p>
+                  </a:txBody>
+                  <a:tcPr/>
+                </a:tc>
+                <a:tc>
+                  <a:txBody>
+                    <a:bodyPr/>
+                    <a:lstStyle/>
+                    <a:p>
+                      <a:endParaRPr lang="en-RU"/>
+                    </a:p>
+                  </a:txBody>
+                  <a:tcPr/>
+                </a:tc>
+                <a:tc>
+                  <a:txBody>
+                    <a:bodyPr/>
+                    <a:lstStyle/>
+                    <a:p>
+                      <a:endParaRPr lang="en-RU" dirty="0"/>
+                    </a:p>
+                  </a:txBody>
+                  <a:tcPr/>
+                </a:tc>
+                <a:extLst>
+                  <a:ext uri="{0D108BD9-81ED-4DB2-BD59-A6C34878D82A}">
+                    <a16:rowId xmlns:a16="http://schemas.microsoft.com/office/drawing/2014/main" val="650745626"/>
+                  </a:ext>
+                </a:extLst>
+              </a:tr>
+            </a:tbl>
+          </a:graphicData>
+        </a:graphic>
+      </p:graphicFrame>
+      <p:cxnSp>
+        <p:nvCxnSpPr>
+          <p:cNvPr id="12" name="Straight Arrow Connector 11">
+            <a:extLst>
+              <a:ext uri="{FF2B5EF4-FFF2-40B4-BE49-F238E27FC236}">
+                <a16:creationId xmlns:a16="http://schemas.microsoft.com/office/drawing/2014/main" id="{E3A68867-FF2E-8E44-9978-F1760FD1211A}"/>
+              </a:ext>
+            </a:extLst>
+          </p:cNvPr>
+          <p:cNvCxnSpPr/>
+          <p:nvPr/>
+        </p:nvCxnSpPr>
+        <p:spPr>
+          <a:xfrm flipH="1">
+            <a:off x="6404196" y="2601323"/>
+            <a:ext cx="387267" cy="271780"/>
+          </a:xfrm>
+          <a:prstGeom prst="straightConnector1">
+            <a:avLst/>
+          </a:prstGeom>
+          <a:ln w="19050">
+            <a:tailEnd type="triangle"/>
+          </a:ln>
+        </p:spPr>
+        <p:style>
+          <a:lnRef idx="1">
+            <a:schemeClr val="accent1"/>
+          </a:lnRef>
+          <a:fillRef idx="0">
+            <a:schemeClr val="accent1"/>
+          </a:fillRef>
+          <a:effectRef idx="0">
+            <a:schemeClr val="accent1"/>
+          </a:effectRef>
+          <a:fontRef idx="minor">
+            <a:schemeClr val="tx1"/>
+          </a:fontRef>
+        </p:style>
+      </p:cxnSp>
+      <p:cxnSp>
+        <p:nvCxnSpPr>
+          <p:cNvPr id="14" name="Straight Arrow Connector 13">
+            <a:extLst>
+              <a:ext uri="{FF2B5EF4-FFF2-40B4-BE49-F238E27FC236}">
+                <a16:creationId xmlns:a16="http://schemas.microsoft.com/office/drawing/2014/main" id="{3147B6E7-4A1D-9846-9E4B-D6D0400AF562}"/>
+              </a:ext>
+            </a:extLst>
+          </p:cNvPr>
+          <p:cNvCxnSpPr/>
+          <p:nvPr/>
+        </p:nvCxnSpPr>
+        <p:spPr>
+          <a:xfrm>
+            <a:off x="7053943" y="2601323"/>
+            <a:ext cx="0" cy="271780"/>
+          </a:xfrm>
+          <a:prstGeom prst="straightConnector1">
+            <a:avLst/>
+          </a:prstGeom>
+          <a:ln w="19050">
+            <a:tailEnd type="triangle"/>
+          </a:ln>
+        </p:spPr>
+        <p:style>
+          <a:lnRef idx="1">
+            <a:schemeClr val="accent1"/>
+          </a:lnRef>
+          <a:fillRef idx="0">
+            <a:schemeClr val="accent1"/>
+          </a:fillRef>
+          <a:effectRef idx="0">
+            <a:schemeClr val="accent1"/>
+          </a:effectRef>
+          <a:fontRef idx="minor">
+            <a:schemeClr val="tx1"/>
+          </a:fontRef>
+        </p:style>
+      </p:cxnSp>
+      <p:cxnSp>
+        <p:nvCxnSpPr>
+          <p:cNvPr id="16" name="Straight Arrow Connector 15">
+            <a:extLst>
+              <a:ext uri="{FF2B5EF4-FFF2-40B4-BE49-F238E27FC236}">
+                <a16:creationId xmlns:a16="http://schemas.microsoft.com/office/drawing/2014/main" id="{89BDF27B-C9F2-4149-BF6B-7E0794CEB561}"/>
+              </a:ext>
+            </a:extLst>
+          </p:cNvPr>
+          <p:cNvCxnSpPr/>
+          <p:nvPr/>
+        </p:nvCxnSpPr>
+        <p:spPr>
+          <a:xfrm>
+            <a:off x="7347857" y="2601323"/>
+            <a:ext cx="283030" cy="271780"/>
+          </a:xfrm>
+          <a:prstGeom prst="straightConnector1">
+            <a:avLst/>
+          </a:prstGeom>
+          <a:ln w="19050">
+            <a:tailEnd type="triangle"/>
+          </a:ln>
+        </p:spPr>
+        <p:style>
+          <a:lnRef idx="1">
+            <a:schemeClr val="accent1"/>
+          </a:lnRef>
+          <a:fillRef idx="0">
+            <a:schemeClr val="accent1"/>
+          </a:fillRef>
+          <a:effectRef idx="0">
+            <a:schemeClr val="accent1"/>
+          </a:effectRef>
+          <a:fontRef idx="minor">
+            <a:schemeClr val="tx1"/>
+          </a:fontRef>
+        </p:style>
+      </p:cxnSp>
+      <p:graphicFrame>
+        <p:nvGraphicFramePr>
+          <p:cNvPr id="17" name="Table 10">
+            <a:extLst>
+              <a:ext uri="{FF2B5EF4-FFF2-40B4-BE49-F238E27FC236}">
+                <a16:creationId xmlns:a16="http://schemas.microsoft.com/office/drawing/2014/main" id="{C9B80236-8F2A-A249-AECD-8AAE4850FA29}"/>
+              </a:ext>
+            </a:extLst>
+          </p:cNvPr>
+          <p:cNvGraphicFramePr>
+            <a:graphicFrameLocks noGrp="1"/>
+          </p:cNvGraphicFramePr>
+          <p:nvPr/>
+        </p:nvGraphicFramePr>
+        <p:xfrm>
+          <a:off x="8293691" y="2230483"/>
+          <a:ext cx="839424" cy="370840"/>
+        </p:xfrm>
+        <a:graphic>
+          <a:graphicData uri="http://schemas.openxmlformats.org/drawingml/2006/table">
+            <a:tbl>
+              <a:tblPr firstRow="1" bandRow="1">
+                <a:tableStyleId>{5C22544A-7EE6-4342-B048-85BDC9FD1C3A}</a:tableStyleId>
+              </a:tblPr>
+              <a:tblGrid>
+                <a:gridCol w="279808">
+                  <a:extLst>
+                    <a:ext uri="{9D8B030D-6E8A-4147-A177-3AD203B41FA5}">
+                      <a16:colId xmlns:a16="http://schemas.microsoft.com/office/drawing/2014/main" val="2449433316"/>
+                    </a:ext>
+                  </a:extLst>
+                </a:gridCol>
+                <a:gridCol w="279808">
+                  <a:extLst>
+                    <a:ext uri="{9D8B030D-6E8A-4147-A177-3AD203B41FA5}">
+                      <a16:colId xmlns:a16="http://schemas.microsoft.com/office/drawing/2014/main" val="3672236743"/>
+                    </a:ext>
+                  </a:extLst>
+                </a:gridCol>
+                <a:gridCol w="279808">
+                  <a:extLst>
+                    <a:ext uri="{9D8B030D-6E8A-4147-A177-3AD203B41FA5}">
+                      <a16:colId xmlns:a16="http://schemas.microsoft.com/office/drawing/2014/main" val="399996921"/>
+                    </a:ext>
+                  </a:extLst>
+                </a:gridCol>
+              </a:tblGrid>
+              <a:tr h="370840">
+                <a:tc>
+                  <a:txBody>
+                    <a:bodyPr/>
+                    <a:lstStyle/>
+                    <a:p>
+                      <a:endParaRPr lang="en-RU"/>
+                    </a:p>
+                  </a:txBody>
+                  <a:tcPr/>
+                </a:tc>
+                <a:tc>
+                  <a:txBody>
+                    <a:bodyPr/>
+                    <a:lstStyle/>
+                    <a:p>
+                      <a:endParaRPr lang="en-RU"/>
+                    </a:p>
+                  </a:txBody>
+                  <a:tcPr/>
+                </a:tc>
+                <a:tc>
+                  <a:txBody>
+                    <a:bodyPr/>
+                    <a:lstStyle/>
+                    <a:p>
+                      <a:endParaRPr lang="en-RU" dirty="0"/>
+                    </a:p>
+                  </a:txBody>
+                  <a:tcPr/>
+                </a:tc>
+                <a:extLst>
+                  <a:ext uri="{0D108BD9-81ED-4DB2-BD59-A6C34878D82A}">
+                    <a16:rowId xmlns:a16="http://schemas.microsoft.com/office/drawing/2014/main" val="650745626"/>
+                  </a:ext>
+                </a:extLst>
+              </a:tr>
+            </a:tbl>
+          </a:graphicData>
+        </a:graphic>
+      </p:graphicFrame>
+      <p:cxnSp>
+        <p:nvCxnSpPr>
+          <p:cNvPr id="19" name="Straight Arrow Connector 18">
+            <a:extLst>
+              <a:ext uri="{FF2B5EF4-FFF2-40B4-BE49-F238E27FC236}">
+                <a16:creationId xmlns:a16="http://schemas.microsoft.com/office/drawing/2014/main" id="{74FEDBCA-6800-484E-ACE7-B0A9842709D5}"/>
+              </a:ext>
+            </a:extLst>
+          </p:cNvPr>
+          <p:cNvCxnSpPr/>
+          <p:nvPr/>
+        </p:nvCxnSpPr>
+        <p:spPr>
+          <a:xfrm flipH="1">
+            <a:off x="8098971" y="2601323"/>
+            <a:ext cx="217715" cy="271780"/>
+          </a:xfrm>
+          <a:prstGeom prst="straightConnector1">
+            <a:avLst/>
+          </a:prstGeom>
+          <a:ln w="19050">
+            <a:tailEnd type="triangle"/>
+          </a:ln>
+        </p:spPr>
+        <p:style>
+          <a:lnRef idx="1">
+            <a:schemeClr val="accent1"/>
+          </a:lnRef>
+          <a:fillRef idx="0">
+            <a:schemeClr val="accent1"/>
+          </a:fillRef>
+          <a:effectRef idx="0">
+            <a:schemeClr val="accent1"/>
+          </a:effectRef>
+          <a:fontRef idx="minor">
+            <a:schemeClr val="tx1"/>
+          </a:fontRef>
+        </p:style>
+      </p:cxnSp>
+      <p:sp>
+        <p:nvSpPr>
+          <p:cNvPr id="20" name="TextBox 19">
+            <a:extLst>
+              <a:ext uri="{FF2B5EF4-FFF2-40B4-BE49-F238E27FC236}">
+                <a16:creationId xmlns:a16="http://schemas.microsoft.com/office/drawing/2014/main" id="{8818F437-C96C-5F4D-B701-83ED15E4D341}"/>
+              </a:ext>
+            </a:extLst>
+          </p:cNvPr>
+          <p:cNvSpPr txBox="1"/>
+          <p:nvPr/>
+        </p:nvSpPr>
+        <p:spPr>
+          <a:xfrm>
+            <a:off x="9795919" y="2180590"/>
+            <a:ext cx="404199" cy="370840"/>
+          </a:xfrm>
+          <a:prstGeom prst="rect">
+            <a:avLst/>
+          </a:prstGeom>
+          <a:noFill/>
+        </p:spPr>
+        <p:txBody>
+          <a:bodyPr wrap="square" rtlCol="0" anchor="ctr" anchorCtr="0">
+            <a:spAutoFit/>
+          </a:bodyPr>
+          <a:lstStyle/>
+          <a:p>
+            <a:pPr algn="ctr"/>
+            <a:r>
+              <a:rPr lang="en-RU" dirty="0"/>
+              <a:t>...</a:t>
+            </a:r>
+          </a:p>
+        </p:txBody>
+      </p:sp>
+    </p:spTree>
+    <p:extLst>
+      <p:ext uri="{BB962C8B-B14F-4D97-AF65-F5344CB8AC3E}">
+        <p14:creationId xmlns:p14="http://schemas.microsoft.com/office/powerpoint/2010/main" val="2477467438"/>
+      </p:ext>
+    </p:extLst>
+  </p:cSld>
+  <p:clrMapOvr>
+    <a:masterClrMapping/>
+  </p:clrMapOvr>
+</p:sld>
+</file>
+
+<file path=ppt/slides/slide18.xml><?xml version="1.0" encoding="utf-8"?>
+<p:sld xmlns:a="http://schemas.openxmlformats.org/drawingml/2006/main" xmlns:r="http://schemas.openxmlformats.org/officeDocument/2006/relationships" xmlns:p="http://schemas.openxmlformats.org/presentationml/2006/main">
+  <p:cSld>
+    <p:spTree>
+      <p:nvGrpSpPr>
+        <p:cNvPr id="1" name=""/>
+        <p:cNvGrpSpPr/>
+        <p:nvPr/>
+      </p:nvGrpSpPr>
+      <p:grpSpPr>
+        <a:xfrm>
+          <a:off x="0" y="0"/>
+          <a:ext cx="0" cy="0"/>
+          <a:chOff x="0" y="0"/>
+          <a:chExt cx="0" cy="0"/>
+        </a:xfrm>
+      </p:grpSpPr>
+      <p:graphicFrame>
+        <p:nvGraphicFramePr>
+          <p:cNvPr id="5" name="Table 4"/>
+          <p:cNvGraphicFramePr>
+            <a:graphicFrameLocks noGrp="1"/>
+          </p:cNvGraphicFramePr>
+          <p:nvPr/>
+        </p:nvGraphicFramePr>
+        <p:xfrm>
+          <a:off x="0" y="1"/>
+          <a:ext cx="12192000" cy="365760"/>
+        </p:xfrm>
+        <a:graphic>
+          <a:graphicData uri="http://schemas.openxmlformats.org/drawingml/2006/table">
+            <a:tbl>
+              <a:tblPr firstRow="1" bandRow="1">
+                <a:tableStyleId>{5C22544A-7EE6-4342-B048-85BDC9FD1C3A}</a:tableStyleId>
+              </a:tblPr>
+              <a:tblGrid>
+                <a:gridCol w="12192000">
+                  <a:extLst>
+                    <a:ext uri="{9D8B030D-6E8A-4147-A177-3AD203B41FA5}">
+                      <a16:colId xmlns:a16="http://schemas.microsoft.com/office/drawing/2014/main" val="20000"/>
+                    </a:ext>
+                  </a:extLst>
+                </a:gridCol>
+              </a:tblGrid>
+              <a:tr h="321276">
+                <a:tc>
+                  <a:txBody>
+                    <a:bodyPr/>
+                    <a:lstStyle/>
+                    <a:p>
+                      <a:r>
+                        <a:rPr lang="ru-RU" dirty="0"/>
+                        <a:t>Основы</a:t>
+                      </a:r>
+                      <a:r>
+                        <a:rPr lang="ru-RU" baseline="0" dirty="0"/>
+                        <a:t> построения файловых систем</a:t>
+                      </a:r>
+                      <a:endParaRPr lang="ru-RU" dirty="0"/>
+                    </a:p>
+                  </a:txBody>
+                  <a:tcPr/>
+                </a:tc>
+                <a:extLst>
+                  <a:ext uri="{0D108BD9-81ED-4DB2-BD59-A6C34878D82A}">
+                    <a16:rowId xmlns:a16="http://schemas.microsoft.com/office/drawing/2014/main" val="10000"/>
+                  </a:ext>
+                </a:extLst>
+              </a:tr>
+            </a:tbl>
+          </a:graphicData>
+        </a:graphic>
+      </p:graphicFrame>
+      <p:graphicFrame>
+        <p:nvGraphicFramePr>
+          <p:cNvPr id="6" name="Table 5"/>
+          <p:cNvGraphicFramePr>
+            <a:graphicFrameLocks noGrp="1"/>
+          </p:cNvGraphicFramePr>
+          <p:nvPr>
+            <p:extLst>
+              <p:ext uri="{D42A27DB-BD31-4B8C-83A1-F6EECF244321}">
+                <p14:modId xmlns:p14="http://schemas.microsoft.com/office/powerpoint/2010/main" val="2648350142"/>
+              </p:ext>
+            </p:extLst>
+          </p:nvPr>
+        </p:nvGraphicFramePr>
+        <p:xfrm>
+          <a:off x="0" y="6532604"/>
+          <a:ext cx="12192000" cy="365760"/>
+        </p:xfrm>
+        <a:graphic>
+          <a:graphicData uri="http://schemas.openxmlformats.org/drawingml/2006/table">
+            <a:tbl>
+              <a:tblPr firstRow="1" bandRow="1">
+                <a:tableStyleId>{5C22544A-7EE6-4342-B048-85BDC9FD1C3A}</a:tableStyleId>
+              </a:tblPr>
+              <a:tblGrid>
+                <a:gridCol w="12192000">
+                  <a:extLst>
+                    <a:ext uri="{9D8B030D-6E8A-4147-A177-3AD203B41FA5}">
+                      <a16:colId xmlns:a16="http://schemas.microsoft.com/office/drawing/2014/main" val="20000"/>
+                    </a:ext>
+                  </a:extLst>
+                </a:gridCol>
+              </a:tblGrid>
+              <a:tr h="308094">
+                <a:tc>
+                  <a:txBody>
+                    <a:bodyPr/>
+                    <a:lstStyle/>
+                    <a:p>
+                      <a:endParaRPr lang="ru-RU" dirty="0"/>
+                    </a:p>
+                  </a:txBody>
+                  <a:tcPr/>
+                </a:tc>
+                <a:extLst>
+                  <a:ext uri="{0D108BD9-81ED-4DB2-BD59-A6C34878D82A}">
+                    <a16:rowId xmlns:a16="http://schemas.microsoft.com/office/drawing/2014/main" val="10000"/>
+                  </a:ext>
+                </a:extLst>
+              </a:tr>
+            </a:tbl>
+          </a:graphicData>
+        </a:graphic>
+      </p:graphicFrame>
+      <p:graphicFrame>
+        <p:nvGraphicFramePr>
+          <p:cNvPr id="2" name="Table 1"/>
+          <p:cNvGraphicFramePr>
+            <a:graphicFrameLocks noGrp="1"/>
+          </p:cNvGraphicFramePr>
+          <p:nvPr/>
+        </p:nvGraphicFramePr>
+        <p:xfrm>
+          <a:off x="0" y="365761"/>
+          <a:ext cx="12192000" cy="457200"/>
+        </p:xfrm>
+        <a:graphic>
+          <a:graphicData uri="http://schemas.openxmlformats.org/drawingml/2006/table">
+            <a:tbl>
+              <a:tblPr firstRow="1" bandRow="1">
+                <a:tableStyleId>{3B4B98B0-60AC-42C2-AFA5-B58CD77FA1E5}</a:tableStyleId>
+              </a:tblPr>
+              <a:tblGrid>
+                <a:gridCol w="12192000">
+                  <a:extLst>
+                    <a:ext uri="{9D8B030D-6E8A-4147-A177-3AD203B41FA5}">
+                      <a16:colId xmlns:a16="http://schemas.microsoft.com/office/drawing/2014/main" val="20000"/>
+                    </a:ext>
+                  </a:extLst>
+                </a:gridCol>
+              </a:tblGrid>
+              <a:tr h="370840">
+                <a:tc>
+                  <a:txBody>
+                    <a:bodyPr/>
+                    <a:lstStyle/>
+                    <a:p>
+                      <a:r>
+                        <a:rPr lang="ru-RU" sz="2400" dirty="0"/>
+                        <a:t>Слияние двух </a:t>
+                      </a:r>
+                      <a:r>
+                        <a:rPr lang="en-US" sz="2400" dirty="0"/>
+                        <a:t>B-</a:t>
+                      </a:r>
+                      <a:r>
+                        <a:rPr lang="ru-RU" sz="2400" dirty="0"/>
+                        <a:t>деревьев</a:t>
+                      </a:r>
+                      <a:endParaRPr lang="en-US" sz="2400" dirty="0"/>
+                    </a:p>
+                  </a:txBody>
+                  <a:tcPr/>
+                </a:tc>
+                <a:extLst>
+                  <a:ext uri="{0D108BD9-81ED-4DB2-BD59-A6C34878D82A}">
+                    <a16:rowId xmlns:a16="http://schemas.microsoft.com/office/drawing/2014/main" val="10000"/>
+                  </a:ext>
+                </a:extLst>
+              </a:tr>
+            </a:tbl>
+          </a:graphicData>
+        </a:graphic>
+      </p:graphicFrame>
+      <p:sp>
+        <p:nvSpPr>
+          <p:cNvPr id="3" name="Triangle 2">
+            <a:extLst>
+              <a:ext uri="{FF2B5EF4-FFF2-40B4-BE49-F238E27FC236}">
+                <a16:creationId xmlns:a16="http://schemas.microsoft.com/office/drawing/2014/main" id="{C0F4C0C6-C35E-C04C-AC99-1B1ECB555CBF}"/>
+              </a:ext>
+            </a:extLst>
+          </p:cNvPr>
+          <p:cNvSpPr/>
+          <p:nvPr/>
+        </p:nvSpPr>
+        <p:spPr>
+          <a:xfrm>
+            <a:off x="293914" y="1001486"/>
+            <a:ext cx="1698172" cy="1709057"/>
+          </a:xfrm>
+          <a:prstGeom prst="triangle">
+            <a:avLst/>
+          </a:prstGeom>
+        </p:spPr>
+        <p:style>
+          <a:lnRef idx="2">
+            <a:schemeClr val="accent1">
+              <a:shade val="50000"/>
+            </a:schemeClr>
+          </a:lnRef>
+          <a:fillRef idx="1">
+            <a:schemeClr val="accent1"/>
+          </a:fillRef>
+          <a:effectRef idx="0">
+            <a:schemeClr val="accent1"/>
+          </a:effectRef>
+          <a:fontRef idx="minor">
+            <a:schemeClr val="lt1"/>
+          </a:fontRef>
+        </p:style>
+        <p:txBody>
+          <a:bodyPr rtlCol="0" anchor="ctr"/>
+          <a:lstStyle/>
+          <a:p>
+            <a:pPr algn="ctr"/>
+            <a:endParaRPr lang="en-RU"/>
+          </a:p>
+        </p:txBody>
+      </p:sp>
+      <p:sp>
+        <p:nvSpPr>
+          <p:cNvPr id="7" name="Triangle 6">
+            <a:extLst>
+              <a:ext uri="{FF2B5EF4-FFF2-40B4-BE49-F238E27FC236}">
+                <a16:creationId xmlns:a16="http://schemas.microsoft.com/office/drawing/2014/main" id="{1145872C-6E3A-BC44-BBCB-EFECA1845248}"/>
+              </a:ext>
+            </a:extLst>
+          </p:cNvPr>
+          <p:cNvSpPr/>
+          <p:nvPr/>
+        </p:nvSpPr>
+        <p:spPr>
+          <a:xfrm>
+            <a:off x="2332939" y="1001485"/>
+            <a:ext cx="2228176" cy="2242458"/>
+          </a:xfrm>
+          <a:prstGeom prst="triangle">
+            <a:avLst/>
+          </a:prstGeom>
+        </p:spPr>
+        <p:style>
+          <a:lnRef idx="2">
+            <a:schemeClr val="accent1">
+              <a:shade val="50000"/>
+            </a:schemeClr>
+          </a:lnRef>
+          <a:fillRef idx="1">
+            <a:schemeClr val="accent1"/>
+          </a:fillRef>
+          <a:effectRef idx="0">
+            <a:schemeClr val="accent1"/>
+          </a:effectRef>
+          <a:fontRef idx="minor">
+            <a:schemeClr val="lt1"/>
+          </a:fontRef>
+        </p:style>
+        <p:txBody>
+          <a:bodyPr rtlCol="0" anchor="ctr"/>
+          <a:lstStyle/>
+          <a:p>
+            <a:pPr algn="ctr"/>
+            <a:endParaRPr lang="en-RU"/>
+          </a:p>
+        </p:txBody>
+      </p:sp>
+      <p:sp>
+        <p:nvSpPr>
+          <p:cNvPr id="4" name="TextBox 3">
+            <a:extLst>
+              <a:ext uri="{FF2B5EF4-FFF2-40B4-BE49-F238E27FC236}">
+                <a16:creationId xmlns:a16="http://schemas.microsoft.com/office/drawing/2014/main" id="{AFE6920D-1A6E-CA4F-89EE-B15BA485FC7D}"/>
+              </a:ext>
+            </a:extLst>
+          </p:cNvPr>
+          <p:cNvSpPr txBox="1"/>
+          <p:nvPr/>
+        </p:nvSpPr>
+        <p:spPr>
+          <a:xfrm>
+            <a:off x="2090057" y="1458686"/>
+            <a:ext cx="389850" cy="584775"/>
+          </a:xfrm>
+          <a:prstGeom prst="rect">
+            <a:avLst/>
+          </a:prstGeom>
+          <a:noFill/>
+        </p:spPr>
+        <p:txBody>
+          <a:bodyPr wrap="none" rtlCol="0">
+            <a:spAutoFit/>
+          </a:bodyPr>
+          <a:lstStyle/>
+          <a:p>
+            <a:r>
+              <a:rPr lang="en-RU" sz="3200" dirty="0"/>
+              <a:t>+</a:t>
+            </a:r>
+          </a:p>
+        </p:txBody>
+      </p:sp>
+      <p:sp>
+        <p:nvSpPr>
+          <p:cNvPr id="8" name="TextBox 7">
+            <a:extLst>
+              <a:ext uri="{FF2B5EF4-FFF2-40B4-BE49-F238E27FC236}">
+                <a16:creationId xmlns:a16="http://schemas.microsoft.com/office/drawing/2014/main" id="{E299ADD7-6543-2A40-99A2-FA70D6FF173B}"/>
+              </a:ext>
+            </a:extLst>
+          </p:cNvPr>
+          <p:cNvSpPr txBox="1"/>
+          <p:nvPr/>
+        </p:nvSpPr>
+        <p:spPr>
+          <a:xfrm>
+            <a:off x="4548194" y="1458686"/>
+            <a:ext cx="514885" cy="584775"/>
+          </a:xfrm>
+          <a:prstGeom prst="rect">
+            <a:avLst/>
+          </a:prstGeom>
+          <a:noFill/>
+        </p:spPr>
+        <p:txBody>
+          <a:bodyPr wrap="none" rtlCol="0">
+            <a:spAutoFit/>
+          </a:bodyPr>
+          <a:lstStyle/>
+          <a:p>
+            <a:r>
+              <a:rPr lang="en-RU" sz="3200" dirty="0"/>
+              <a:t>-&gt;</a:t>
+            </a:r>
+          </a:p>
+        </p:txBody>
+      </p:sp>
+      <p:graphicFrame>
+        <p:nvGraphicFramePr>
+          <p:cNvPr id="9" name="Table 9">
+            <a:extLst>
+              <a:ext uri="{FF2B5EF4-FFF2-40B4-BE49-F238E27FC236}">
+                <a16:creationId xmlns:a16="http://schemas.microsoft.com/office/drawing/2014/main" id="{F4895F23-9FE3-0E4F-8057-AA3E8E253772}"/>
+              </a:ext>
+            </a:extLst>
+          </p:cNvPr>
+          <p:cNvGraphicFramePr>
+            <a:graphicFrameLocks noGrp="1"/>
+          </p:cNvGraphicFramePr>
+          <p:nvPr/>
+        </p:nvGraphicFramePr>
+        <p:xfrm>
+          <a:off x="6404196" y="2873103"/>
+          <a:ext cx="5631370" cy="370840"/>
+        </p:xfrm>
+        <a:graphic>
+          <a:graphicData uri="http://schemas.openxmlformats.org/drawingml/2006/table">
+            <a:tbl>
+              <a:tblPr firstRow="1" bandRow="1">
+                <a:tableStyleId>{5C22544A-7EE6-4342-B048-85BDC9FD1C3A}</a:tableStyleId>
+              </a:tblPr>
+              <a:tblGrid>
+                <a:gridCol w="208280">
+                  <a:extLst>
+                    <a:ext uri="{9D8B030D-6E8A-4147-A177-3AD203B41FA5}">
+                      <a16:colId xmlns:a16="http://schemas.microsoft.com/office/drawing/2014/main" val="2786261489"/>
+                    </a:ext>
+                  </a:extLst>
+                </a:gridCol>
+                <a:gridCol w="208280">
+                  <a:extLst>
+                    <a:ext uri="{9D8B030D-6E8A-4147-A177-3AD203B41FA5}">
+                      <a16:colId xmlns:a16="http://schemas.microsoft.com/office/drawing/2014/main" val="473320199"/>
+                    </a:ext>
+                  </a:extLst>
+                </a:gridCol>
+                <a:gridCol w="208280">
+                  <a:extLst>
+                    <a:ext uri="{9D8B030D-6E8A-4147-A177-3AD203B41FA5}">
+                      <a16:colId xmlns:a16="http://schemas.microsoft.com/office/drawing/2014/main" val="3741475625"/>
+                    </a:ext>
+                  </a:extLst>
+                </a:gridCol>
+                <a:gridCol w="208280">
+                  <a:extLst>
+                    <a:ext uri="{9D8B030D-6E8A-4147-A177-3AD203B41FA5}">
+                      <a16:colId xmlns:a16="http://schemas.microsoft.com/office/drawing/2014/main" val="1675161799"/>
+                    </a:ext>
+                  </a:extLst>
+                </a:gridCol>
+                <a:gridCol w="208280">
+                  <a:extLst>
+                    <a:ext uri="{9D8B030D-6E8A-4147-A177-3AD203B41FA5}">
+                      <a16:colId xmlns:a16="http://schemas.microsoft.com/office/drawing/2014/main" val="952941121"/>
+                    </a:ext>
+                  </a:extLst>
+                </a:gridCol>
+                <a:gridCol w="208280">
+                  <a:extLst>
+                    <a:ext uri="{9D8B030D-6E8A-4147-A177-3AD203B41FA5}">
+                      <a16:colId xmlns:a16="http://schemas.microsoft.com/office/drawing/2014/main" val="47642270"/>
+                    </a:ext>
+                  </a:extLst>
+                </a:gridCol>
+                <a:gridCol w="438169">
+                  <a:extLst>
+                    <a:ext uri="{9D8B030D-6E8A-4147-A177-3AD203B41FA5}">
+                      <a16:colId xmlns:a16="http://schemas.microsoft.com/office/drawing/2014/main" val="2858643643"/>
+                    </a:ext>
+                  </a:extLst>
+                </a:gridCol>
+                <a:gridCol w="438169">
+                  <a:extLst>
+                    <a:ext uri="{9D8B030D-6E8A-4147-A177-3AD203B41FA5}">
+                      <a16:colId xmlns:a16="http://schemas.microsoft.com/office/drawing/2014/main" val="2810943390"/>
+                    </a:ext>
+                  </a:extLst>
+                </a:gridCol>
+                <a:gridCol w="438169">
+                  <a:extLst>
+                    <a:ext uri="{9D8B030D-6E8A-4147-A177-3AD203B41FA5}">
+                      <a16:colId xmlns:a16="http://schemas.microsoft.com/office/drawing/2014/main" val="4127657506"/>
+                    </a:ext>
+                  </a:extLst>
+                </a:gridCol>
+                <a:gridCol w="438169">
+                  <a:extLst>
+                    <a:ext uri="{9D8B030D-6E8A-4147-A177-3AD203B41FA5}">
+                      <a16:colId xmlns:a16="http://schemas.microsoft.com/office/drawing/2014/main" val="827145752"/>
+                    </a:ext>
+                  </a:extLst>
+                </a:gridCol>
+                <a:gridCol w="438169">
+                  <a:extLst>
+                    <a:ext uri="{9D8B030D-6E8A-4147-A177-3AD203B41FA5}">
+                      <a16:colId xmlns:a16="http://schemas.microsoft.com/office/drawing/2014/main" val="2311834231"/>
+                    </a:ext>
+                  </a:extLst>
+                </a:gridCol>
+                <a:gridCol w="438169">
+                  <a:extLst>
+                    <a:ext uri="{9D8B030D-6E8A-4147-A177-3AD203B41FA5}">
+                      <a16:colId xmlns:a16="http://schemas.microsoft.com/office/drawing/2014/main" val="2861270231"/>
+                    </a:ext>
+                  </a:extLst>
+                </a:gridCol>
+                <a:gridCol w="438169">
+                  <a:extLst>
+                    <a:ext uri="{9D8B030D-6E8A-4147-A177-3AD203B41FA5}">
+                      <a16:colId xmlns:a16="http://schemas.microsoft.com/office/drawing/2014/main" val="4010117732"/>
+                    </a:ext>
+                  </a:extLst>
+                </a:gridCol>
+                <a:gridCol w="438169">
+                  <a:extLst>
+                    <a:ext uri="{9D8B030D-6E8A-4147-A177-3AD203B41FA5}">
+                      <a16:colId xmlns:a16="http://schemas.microsoft.com/office/drawing/2014/main" val="1954329265"/>
+                    </a:ext>
+                  </a:extLst>
+                </a:gridCol>
+                <a:gridCol w="438169">
+                  <a:extLst>
+                    <a:ext uri="{9D8B030D-6E8A-4147-A177-3AD203B41FA5}">
+                      <a16:colId xmlns:a16="http://schemas.microsoft.com/office/drawing/2014/main" val="3818398413"/>
+                    </a:ext>
+                  </a:extLst>
+                </a:gridCol>
+                <a:gridCol w="438169">
+                  <a:extLst>
+                    <a:ext uri="{9D8B030D-6E8A-4147-A177-3AD203B41FA5}">
+                      <a16:colId xmlns:a16="http://schemas.microsoft.com/office/drawing/2014/main" val="3579801534"/>
+                    </a:ext>
+                  </a:extLst>
+                </a:gridCol>
+              </a:tblGrid>
+              <a:tr h="370840">
+                <a:tc>
+                  <a:txBody>
+                    <a:bodyPr/>
+                    <a:lstStyle/>
+                    <a:p>
+                      <a:endParaRPr lang="en-RU" dirty="0"/>
+                    </a:p>
+                  </a:txBody>
+                  <a:tcPr/>
+                </a:tc>
+                <a:tc>
+                  <a:txBody>
+                    <a:bodyPr/>
+                    <a:lstStyle/>
+                    <a:p>
+                      <a:endParaRPr lang="en-RU" dirty="0"/>
+                    </a:p>
+                  </a:txBody>
+                  <a:tcPr/>
+                </a:tc>
+                <a:tc>
+                  <a:txBody>
+                    <a:bodyPr/>
+                    <a:lstStyle/>
+                    <a:p>
+                      <a:endParaRPr lang="en-RU" dirty="0"/>
+                    </a:p>
+                  </a:txBody>
+                  <a:tcPr/>
+                </a:tc>
+                <a:tc>
+                  <a:txBody>
+                    <a:bodyPr/>
+                    <a:lstStyle/>
+                    <a:p>
+                      <a:endParaRPr lang="en-RU" dirty="0"/>
+                    </a:p>
+                  </a:txBody>
+                  <a:tcPr/>
+                </a:tc>
+                <a:tc>
+                  <a:txBody>
+                    <a:bodyPr/>
+                    <a:lstStyle/>
+                    <a:p>
+                      <a:endParaRPr lang="en-RU" dirty="0"/>
+                    </a:p>
+                  </a:txBody>
+                  <a:tcPr/>
+                </a:tc>
+                <a:tc>
+                  <a:txBody>
+                    <a:bodyPr/>
+                    <a:lstStyle/>
+                    <a:p>
+                      <a:endParaRPr lang="en-RU" dirty="0"/>
+                    </a:p>
+                  </a:txBody>
+                  <a:tcPr/>
+                </a:tc>
+                <a:tc>
+                  <a:txBody>
+                    <a:bodyPr/>
+                    <a:lstStyle/>
+                    <a:p>
+                      <a:endParaRPr lang="en-RU" dirty="0"/>
+                    </a:p>
+                  </a:txBody>
+                  <a:tcPr/>
+                </a:tc>
+                <a:tc>
+                  <a:txBody>
+                    <a:bodyPr/>
+                    <a:lstStyle/>
+                    <a:p>
+                      <a:endParaRPr lang="en-RU" dirty="0"/>
+                    </a:p>
+                  </a:txBody>
+                  <a:tcPr/>
+                </a:tc>
+                <a:tc>
+                  <a:txBody>
+                    <a:bodyPr/>
+                    <a:lstStyle/>
+                    <a:p>
+                      <a:endParaRPr lang="en-RU" dirty="0"/>
+                    </a:p>
+                  </a:txBody>
+                  <a:tcPr/>
+                </a:tc>
+                <a:tc>
+                  <a:txBody>
+                    <a:bodyPr/>
+                    <a:lstStyle/>
+                    <a:p>
+                      <a:endParaRPr lang="en-RU" dirty="0"/>
+                    </a:p>
+                  </a:txBody>
+                  <a:tcPr/>
+                </a:tc>
+                <a:tc>
+                  <a:txBody>
+                    <a:bodyPr/>
+                    <a:lstStyle/>
+                    <a:p>
+                      <a:endParaRPr lang="en-RU" dirty="0"/>
+                    </a:p>
+                  </a:txBody>
+                  <a:tcPr/>
+                </a:tc>
+                <a:tc>
+                  <a:txBody>
+                    <a:bodyPr/>
+                    <a:lstStyle/>
+                    <a:p>
+                      <a:endParaRPr lang="en-RU" dirty="0"/>
+                    </a:p>
+                  </a:txBody>
+                  <a:tcPr/>
+                </a:tc>
+                <a:tc>
+                  <a:txBody>
+                    <a:bodyPr/>
+                    <a:lstStyle/>
+                    <a:p>
+                      <a:endParaRPr lang="en-RU" dirty="0"/>
+                    </a:p>
+                  </a:txBody>
+                  <a:tcPr/>
+                </a:tc>
+                <a:tc>
+                  <a:txBody>
+                    <a:bodyPr/>
+                    <a:lstStyle/>
+                    <a:p>
+                      <a:endParaRPr lang="en-RU" dirty="0"/>
+                    </a:p>
+                  </a:txBody>
+                  <a:tcPr/>
+                </a:tc>
+                <a:tc>
+                  <a:txBody>
+                    <a:bodyPr/>
+                    <a:lstStyle/>
+                    <a:p>
+                      <a:endParaRPr lang="en-RU" dirty="0"/>
+                    </a:p>
+                  </a:txBody>
+                  <a:tcPr/>
+                </a:tc>
+                <a:tc>
+                  <a:txBody>
+                    <a:bodyPr/>
+                    <a:lstStyle/>
+                    <a:p>
+                      <a:endParaRPr lang="en-RU" dirty="0"/>
+                    </a:p>
+                  </a:txBody>
+                  <a:tcPr/>
+                </a:tc>
+                <a:extLst>
+                  <a:ext uri="{0D108BD9-81ED-4DB2-BD59-A6C34878D82A}">
+                    <a16:rowId xmlns:a16="http://schemas.microsoft.com/office/drawing/2014/main" val="3942554715"/>
+                  </a:ext>
+                </a:extLst>
+              </a:tr>
+            </a:tbl>
+          </a:graphicData>
+        </a:graphic>
+      </p:graphicFrame>
+      <p:graphicFrame>
+        <p:nvGraphicFramePr>
+          <p:cNvPr id="10" name="Table 10">
+            <a:extLst>
+              <a:ext uri="{FF2B5EF4-FFF2-40B4-BE49-F238E27FC236}">
+                <a16:creationId xmlns:a16="http://schemas.microsoft.com/office/drawing/2014/main" id="{2916F093-FE29-6047-905C-7021EC3BDFB1}"/>
+              </a:ext>
+            </a:extLst>
+          </p:cNvPr>
+          <p:cNvGraphicFramePr>
+            <a:graphicFrameLocks noGrp="1"/>
+          </p:cNvGraphicFramePr>
+          <p:nvPr/>
+        </p:nvGraphicFramePr>
+        <p:xfrm>
+          <a:off x="6791463" y="2230483"/>
+          <a:ext cx="839424" cy="370840"/>
+        </p:xfrm>
+        <a:graphic>
+          <a:graphicData uri="http://schemas.openxmlformats.org/drawingml/2006/table">
+            <a:tbl>
+              <a:tblPr firstRow="1" bandRow="1">
+                <a:tableStyleId>{5C22544A-7EE6-4342-B048-85BDC9FD1C3A}</a:tableStyleId>
+              </a:tblPr>
+              <a:tblGrid>
+                <a:gridCol w="279808">
+                  <a:extLst>
+                    <a:ext uri="{9D8B030D-6E8A-4147-A177-3AD203B41FA5}">
+                      <a16:colId xmlns:a16="http://schemas.microsoft.com/office/drawing/2014/main" val="2449433316"/>
+                    </a:ext>
+                  </a:extLst>
+                </a:gridCol>
+                <a:gridCol w="279808">
+                  <a:extLst>
+                    <a:ext uri="{9D8B030D-6E8A-4147-A177-3AD203B41FA5}">
+                      <a16:colId xmlns:a16="http://schemas.microsoft.com/office/drawing/2014/main" val="3672236743"/>
+                    </a:ext>
+                  </a:extLst>
+                </a:gridCol>
+                <a:gridCol w="279808">
+                  <a:extLst>
+                    <a:ext uri="{9D8B030D-6E8A-4147-A177-3AD203B41FA5}">
+                      <a16:colId xmlns:a16="http://schemas.microsoft.com/office/drawing/2014/main" val="399996921"/>
+                    </a:ext>
+                  </a:extLst>
+                </a:gridCol>
+              </a:tblGrid>
+              <a:tr h="370840">
+                <a:tc>
+                  <a:txBody>
+                    <a:bodyPr/>
+                    <a:lstStyle/>
+                    <a:p>
+                      <a:endParaRPr lang="en-RU"/>
+                    </a:p>
+                  </a:txBody>
+                  <a:tcPr/>
+                </a:tc>
+                <a:tc>
+                  <a:txBody>
+                    <a:bodyPr/>
+                    <a:lstStyle/>
+                    <a:p>
+                      <a:endParaRPr lang="en-RU"/>
+                    </a:p>
+                  </a:txBody>
+                  <a:tcPr/>
+                </a:tc>
+                <a:tc>
+                  <a:txBody>
+                    <a:bodyPr/>
+                    <a:lstStyle/>
+                    <a:p>
+                      <a:endParaRPr lang="en-RU" dirty="0"/>
+                    </a:p>
+                  </a:txBody>
+                  <a:tcPr/>
+                </a:tc>
+                <a:extLst>
+                  <a:ext uri="{0D108BD9-81ED-4DB2-BD59-A6C34878D82A}">
+                    <a16:rowId xmlns:a16="http://schemas.microsoft.com/office/drawing/2014/main" val="650745626"/>
+                  </a:ext>
+                </a:extLst>
+              </a:tr>
+            </a:tbl>
+          </a:graphicData>
+        </a:graphic>
+      </p:graphicFrame>
+      <p:cxnSp>
+        <p:nvCxnSpPr>
+          <p:cNvPr id="12" name="Straight Arrow Connector 11">
+            <a:extLst>
+              <a:ext uri="{FF2B5EF4-FFF2-40B4-BE49-F238E27FC236}">
+                <a16:creationId xmlns:a16="http://schemas.microsoft.com/office/drawing/2014/main" id="{E3A68867-FF2E-8E44-9978-F1760FD1211A}"/>
+              </a:ext>
+            </a:extLst>
+          </p:cNvPr>
+          <p:cNvCxnSpPr/>
+          <p:nvPr/>
+        </p:nvCxnSpPr>
+        <p:spPr>
+          <a:xfrm flipH="1">
+            <a:off x="6404196" y="2601323"/>
+            <a:ext cx="387267" cy="271780"/>
+          </a:xfrm>
+          <a:prstGeom prst="straightConnector1">
+            <a:avLst/>
+          </a:prstGeom>
+          <a:ln w="19050">
+            <a:tailEnd type="triangle"/>
+          </a:ln>
+        </p:spPr>
+        <p:style>
+          <a:lnRef idx="1">
+            <a:schemeClr val="accent1"/>
+          </a:lnRef>
+          <a:fillRef idx="0">
+            <a:schemeClr val="accent1"/>
+          </a:fillRef>
+          <a:effectRef idx="0">
+            <a:schemeClr val="accent1"/>
+          </a:effectRef>
+          <a:fontRef idx="minor">
+            <a:schemeClr val="tx1"/>
+          </a:fontRef>
+        </p:style>
+      </p:cxnSp>
+      <p:cxnSp>
+        <p:nvCxnSpPr>
+          <p:cNvPr id="14" name="Straight Arrow Connector 13">
+            <a:extLst>
+              <a:ext uri="{FF2B5EF4-FFF2-40B4-BE49-F238E27FC236}">
+                <a16:creationId xmlns:a16="http://schemas.microsoft.com/office/drawing/2014/main" id="{3147B6E7-4A1D-9846-9E4B-D6D0400AF562}"/>
+              </a:ext>
+            </a:extLst>
+          </p:cNvPr>
+          <p:cNvCxnSpPr/>
+          <p:nvPr/>
+        </p:nvCxnSpPr>
+        <p:spPr>
+          <a:xfrm>
+            <a:off x="7053943" y="2601323"/>
+            <a:ext cx="0" cy="271780"/>
+          </a:xfrm>
+          <a:prstGeom prst="straightConnector1">
+            <a:avLst/>
+          </a:prstGeom>
+          <a:ln w="19050">
+            <a:tailEnd type="triangle"/>
+          </a:ln>
+        </p:spPr>
+        <p:style>
+          <a:lnRef idx="1">
+            <a:schemeClr val="accent1"/>
+          </a:lnRef>
+          <a:fillRef idx="0">
+            <a:schemeClr val="accent1"/>
+          </a:fillRef>
+          <a:effectRef idx="0">
+            <a:schemeClr val="accent1"/>
+          </a:effectRef>
+          <a:fontRef idx="minor">
+            <a:schemeClr val="tx1"/>
+          </a:fontRef>
+        </p:style>
+      </p:cxnSp>
+      <p:cxnSp>
+        <p:nvCxnSpPr>
+          <p:cNvPr id="16" name="Straight Arrow Connector 15">
+            <a:extLst>
+              <a:ext uri="{FF2B5EF4-FFF2-40B4-BE49-F238E27FC236}">
+                <a16:creationId xmlns:a16="http://schemas.microsoft.com/office/drawing/2014/main" id="{89BDF27B-C9F2-4149-BF6B-7E0794CEB561}"/>
+              </a:ext>
+            </a:extLst>
+          </p:cNvPr>
+          <p:cNvCxnSpPr/>
+          <p:nvPr/>
+        </p:nvCxnSpPr>
+        <p:spPr>
+          <a:xfrm>
+            <a:off x="7347857" y="2601323"/>
+            <a:ext cx="283030" cy="271780"/>
+          </a:xfrm>
+          <a:prstGeom prst="straightConnector1">
+            <a:avLst/>
+          </a:prstGeom>
+          <a:ln w="19050">
+            <a:tailEnd type="triangle"/>
+          </a:ln>
+        </p:spPr>
+        <p:style>
+          <a:lnRef idx="1">
+            <a:schemeClr val="accent1"/>
+          </a:lnRef>
+          <a:fillRef idx="0">
+            <a:schemeClr val="accent1"/>
+          </a:fillRef>
+          <a:effectRef idx="0">
+            <a:schemeClr val="accent1"/>
+          </a:effectRef>
+          <a:fontRef idx="minor">
+            <a:schemeClr val="tx1"/>
+          </a:fontRef>
+        </p:style>
+      </p:cxnSp>
+      <p:graphicFrame>
+        <p:nvGraphicFramePr>
+          <p:cNvPr id="17" name="Table 10">
+            <a:extLst>
+              <a:ext uri="{FF2B5EF4-FFF2-40B4-BE49-F238E27FC236}">
+                <a16:creationId xmlns:a16="http://schemas.microsoft.com/office/drawing/2014/main" id="{C9B80236-8F2A-A249-AECD-8AAE4850FA29}"/>
+              </a:ext>
+            </a:extLst>
+          </p:cNvPr>
+          <p:cNvGraphicFramePr>
+            <a:graphicFrameLocks noGrp="1"/>
+          </p:cNvGraphicFramePr>
+          <p:nvPr/>
+        </p:nvGraphicFramePr>
+        <p:xfrm>
+          <a:off x="8293691" y="2230483"/>
+          <a:ext cx="839424" cy="370840"/>
+        </p:xfrm>
+        <a:graphic>
+          <a:graphicData uri="http://schemas.openxmlformats.org/drawingml/2006/table">
+            <a:tbl>
+              <a:tblPr firstRow="1" bandRow="1">
+                <a:tableStyleId>{5C22544A-7EE6-4342-B048-85BDC9FD1C3A}</a:tableStyleId>
+              </a:tblPr>
+              <a:tblGrid>
+                <a:gridCol w="279808">
+                  <a:extLst>
+                    <a:ext uri="{9D8B030D-6E8A-4147-A177-3AD203B41FA5}">
+                      <a16:colId xmlns:a16="http://schemas.microsoft.com/office/drawing/2014/main" val="2449433316"/>
+                    </a:ext>
+                  </a:extLst>
+                </a:gridCol>
+                <a:gridCol w="279808">
+                  <a:extLst>
+                    <a:ext uri="{9D8B030D-6E8A-4147-A177-3AD203B41FA5}">
+                      <a16:colId xmlns:a16="http://schemas.microsoft.com/office/drawing/2014/main" val="3672236743"/>
+                    </a:ext>
+                  </a:extLst>
+                </a:gridCol>
+                <a:gridCol w="279808">
+                  <a:extLst>
+                    <a:ext uri="{9D8B030D-6E8A-4147-A177-3AD203B41FA5}">
+                      <a16:colId xmlns:a16="http://schemas.microsoft.com/office/drawing/2014/main" val="399996921"/>
+                    </a:ext>
+                  </a:extLst>
+                </a:gridCol>
+              </a:tblGrid>
+              <a:tr h="370840">
+                <a:tc>
+                  <a:txBody>
+                    <a:bodyPr/>
+                    <a:lstStyle/>
+                    <a:p>
+                      <a:endParaRPr lang="en-RU"/>
+                    </a:p>
+                  </a:txBody>
+                  <a:tcPr/>
+                </a:tc>
+                <a:tc>
+                  <a:txBody>
+                    <a:bodyPr/>
+                    <a:lstStyle/>
+                    <a:p>
+                      <a:endParaRPr lang="en-RU"/>
+                    </a:p>
+                  </a:txBody>
+                  <a:tcPr/>
+                </a:tc>
+                <a:tc>
+                  <a:txBody>
+                    <a:bodyPr/>
+                    <a:lstStyle/>
+                    <a:p>
+                      <a:endParaRPr lang="en-RU" dirty="0"/>
+                    </a:p>
+                  </a:txBody>
+                  <a:tcPr/>
+                </a:tc>
+                <a:extLst>
+                  <a:ext uri="{0D108BD9-81ED-4DB2-BD59-A6C34878D82A}">
+                    <a16:rowId xmlns:a16="http://schemas.microsoft.com/office/drawing/2014/main" val="650745626"/>
+                  </a:ext>
+                </a:extLst>
+              </a:tr>
+            </a:tbl>
+          </a:graphicData>
+        </a:graphic>
+      </p:graphicFrame>
+      <p:cxnSp>
+        <p:nvCxnSpPr>
+          <p:cNvPr id="19" name="Straight Arrow Connector 18">
+            <a:extLst>
+              <a:ext uri="{FF2B5EF4-FFF2-40B4-BE49-F238E27FC236}">
+                <a16:creationId xmlns:a16="http://schemas.microsoft.com/office/drawing/2014/main" id="{74FEDBCA-6800-484E-ACE7-B0A9842709D5}"/>
+              </a:ext>
+            </a:extLst>
+          </p:cNvPr>
+          <p:cNvCxnSpPr/>
+          <p:nvPr/>
+        </p:nvCxnSpPr>
+        <p:spPr>
+          <a:xfrm flipH="1">
+            <a:off x="8098971" y="2601323"/>
+            <a:ext cx="217715" cy="271780"/>
+          </a:xfrm>
+          <a:prstGeom prst="straightConnector1">
+            <a:avLst/>
+          </a:prstGeom>
+          <a:ln w="19050">
+            <a:tailEnd type="triangle"/>
+          </a:ln>
+        </p:spPr>
+        <p:style>
+          <a:lnRef idx="1">
+            <a:schemeClr val="accent1"/>
+          </a:lnRef>
+          <a:fillRef idx="0">
+            <a:schemeClr val="accent1"/>
+          </a:fillRef>
+          <a:effectRef idx="0">
+            <a:schemeClr val="accent1"/>
+          </a:effectRef>
+          <a:fontRef idx="minor">
+            <a:schemeClr val="tx1"/>
+          </a:fontRef>
+        </p:style>
+      </p:cxnSp>
+      <p:sp>
+        <p:nvSpPr>
+          <p:cNvPr id="20" name="TextBox 19">
+            <a:extLst>
+              <a:ext uri="{FF2B5EF4-FFF2-40B4-BE49-F238E27FC236}">
+                <a16:creationId xmlns:a16="http://schemas.microsoft.com/office/drawing/2014/main" id="{8818F437-C96C-5F4D-B701-83ED15E4D341}"/>
+              </a:ext>
+            </a:extLst>
+          </p:cNvPr>
+          <p:cNvSpPr txBox="1"/>
+          <p:nvPr/>
+        </p:nvSpPr>
+        <p:spPr>
+          <a:xfrm>
+            <a:off x="9795919" y="2180590"/>
+            <a:ext cx="404199" cy="370840"/>
+          </a:xfrm>
+          <a:prstGeom prst="rect">
+            <a:avLst/>
+          </a:prstGeom>
+          <a:noFill/>
+        </p:spPr>
+        <p:txBody>
+          <a:bodyPr wrap="square" rtlCol="0" anchor="ctr" anchorCtr="0">
+            <a:spAutoFit/>
+          </a:bodyPr>
+          <a:lstStyle/>
+          <a:p>
+            <a:pPr algn="ctr"/>
+            <a:r>
+              <a:rPr lang="en-RU" dirty="0"/>
+              <a:t>...</a:t>
+            </a:r>
+          </a:p>
+        </p:txBody>
+      </p:sp>
+      <p:graphicFrame>
+        <p:nvGraphicFramePr>
+          <p:cNvPr id="21" name="Table 10">
+            <a:extLst>
+              <a:ext uri="{FF2B5EF4-FFF2-40B4-BE49-F238E27FC236}">
+                <a16:creationId xmlns:a16="http://schemas.microsoft.com/office/drawing/2014/main" id="{B34CC581-4682-B149-9739-B263FE7B3299}"/>
+              </a:ext>
+            </a:extLst>
+          </p:cNvPr>
+          <p:cNvGraphicFramePr>
+            <a:graphicFrameLocks noGrp="1"/>
+          </p:cNvGraphicFramePr>
+          <p:nvPr/>
+        </p:nvGraphicFramePr>
+        <p:xfrm>
+          <a:off x="7630887" y="1496514"/>
+          <a:ext cx="839424" cy="370840"/>
+        </p:xfrm>
+        <a:graphic>
+          <a:graphicData uri="http://schemas.openxmlformats.org/drawingml/2006/table">
+            <a:tbl>
+              <a:tblPr firstRow="1" bandRow="1">
+                <a:tableStyleId>{5C22544A-7EE6-4342-B048-85BDC9FD1C3A}</a:tableStyleId>
+              </a:tblPr>
+              <a:tblGrid>
+                <a:gridCol w="279808">
+                  <a:extLst>
+                    <a:ext uri="{9D8B030D-6E8A-4147-A177-3AD203B41FA5}">
+                      <a16:colId xmlns:a16="http://schemas.microsoft.com/office/drawing/2014/main" val="2449433316"/>
+                    </a:ext>
+                  </a:extLst>
+                </a:gridCol>
+                <a:gridCol w="279808">
+                  <a:extLst>
+                    <a:ext uri="{9D8B030D-6E8A-4147-A177-3AD203B41FA5}">
+                      <a16:colId xmlns:a16="http://schemas.microsoft.com/office/drawing/2014/main" val="3672236743"/>
+                    </a:ext>
+                  </a:extLst>
+                </a:gridCol>
+                <a:gridCol w="279808">
+                  <a:extLst>
+                    <a:ext uri="{9D8B030D-6E8A-4147-A177-3AD203B41FA5}">
+                      <a16:colId xmlns:a16="http://schemas.microsoft.com/office/drawing/2014/main" val="399996921"/>
+                    </a:ext>
+                  </a:extLst>
+                </a:gridCol>
+              </a:tblGrid>
+              <a:tr h="370840">
+                <a:tc>
+                  <a:txBody>
+                    <a:bodyPr/>
+                    <a:lstStyle/>
+                    <a:p>
+                      <a:endParaRPr lang="en-RU"/>
+                    </a:p>
+                  </a:txBody>
+                  <a:tcPr/>
+                </a:tc>
+                <a:tc>
+                  <a:txBody>
+                    <a:bodyPr/>
+                    <a:lstStyle/>
+                    <a:p>
+                      <a:endParaRPr lang="en-RU"/>
+                    </a:p>
+                  </a:txBody>
+                  <a:tcPr/>
+                </a:tc>
+                <a:tc>
+                  <a:txBody>
+                    <a:bodyPr/>
+                    <a:lstStyle/>
+                    <a:p>
+                      <a:endParaRPr lang="en-RU" dirty="0"/>
+                    </a:p>
+                  </a:txBody>
+                  <a:tcPr/>
+                </a:tc>
+                <a:extLst>
+                  <a:ext uri="{0D108BD9-81ED-4DB2-BD59-A6C34878D82A}">
+                    <a16:rowId xmlns:a16="http://schemas.microsoft.com/office/drawing/2014/main" val="650745626"/>
+                  </a:ext>
+                </a:extLst>
+              </a:tr>
+            </a:tbl>
+          </a:graphicData>
+        </a:graphic>
+      </p:graphicFrame>
+      <p:cxnSp>
+        <p:nvCxnSpPr>
+          <p:cNvPr id="23" name="Straight Arrow Connector 22">
+            <a:extLst>
+              <a:ext uri="{FF2B5EF4-FFF2-40B4-BE49-F238E27FC236}">
+                <a16:creationId xmlns:a16="http://schemas.microsoft.com/office/drawing/2014/main" id="{8CD4F436-9D63-A942-93BC-B0AB023B2B5B}"/>
+              </a:ext>
+            </a:extLst>
+          </p:cNvPr>
+          <p:cNvCxnSpPr/>
+          <p:nvPr/>
+        </p:nvCxnSpPr>
+        <p:spPr>
+          <a:xfrm flipH="1">
+            <a:off x="6791463" y="1856014"/>
+            <a:ext cx="839424" cy="374469"/>
+          </a:xfrm>
+          <a:prstGeom prst="straightConnector1">
+            <a:avLst/>
+          </a:prstGeom>
+          <a:ln w="19050">
+            <a:tailEnd type="triangle"/>
+          </a:ln>
+        </p:spPr>
+        <p:style>
+          <a:lnRef idx="1">
+            <a:schemeClr val="accent1"/>
+          </a:lnRef>
+          <a:fillRef idx="0">
+            <a:schemeClr val="accent1"/>
+          </a:fillRef>
+          <a:effectRef idx="0">
+            <a:schemeClr val="accent1"/>
+          </a:effectRef>
+          <a:fontRef idx="minor">
+            <a:schemeClr val="tx1"/>
+          </a:fontRef>
+        </p:style>
+      </p:cxnSp>
+      <p:cxnSp>
+        <p:nvCxnSpPr>
+          <p:cNvPr id="25" name="Straight Arrow Connector 24">
+            <a:extLst>
+              <a:ext uri="{FF2B5EF4-FFF2-40B4-BE49-F238E27FC236}">
+                <a16:creationId xmlns:a16="http://schemas.microsoft.com/office/drawing/2014/main" id="{584A02B3-F8E9-6648-A118-97E9370E90A9}"/>
+              </a:ext>
+            </a:extLst>
+          </p:cNvPr>
+          <p:cNvCxnSpPr>
+            <a:cxnSpLocks/>
+          </p:cNvCxnSpPr>
+          <p:nvPr/>
+        </p:nvCxnSpPr>
+        <p:spPr>
+          <a:xfrm>
+            <a:off x="7855268" y="1856014"/>
+            <a:ext cx="438423" cy="372655"/>
+          </a:xfrm>
+          <a:prstGeom prst="straightConnector1">
+            <a:avLst/>
+          </a:prstGeom>
+          <a:ln w="19050">
+            <a:tailEnd type="triangle"/>
+          </a:ln>
+        </p:spPr>
+        <p:style>
+          <a:lnRef idx="1">
+            <a:schemeClr val="accent1"/>
+          </a:lnRef>
+          <a:fillRef idx="0">
+            <a:schemeClr val="accent1"/>
+          </a:fillRef>
+          <a:effectRef idx="0">
+            <a:schemeClr val="accent1"/>
+          </a:effectRef>
+          <a:fontRef idx="minor">
+            <a:schemeClr val="tx1"/>
+          </a:fontRef>
+        </p:style>
+      </p:cxnSp>
+    </p:spTree>
+    <p:extLst>
+      <p:ext uri="{BB962C8B-B14F-4D97-AF65-F5344CB8AC3E}">
+        <p14:creationId xmlns:p14="http://schemas.microsoft.com/office/powerpoint/2010/main" val="785317632"/>
+      </p:ext>
+    </p:extLst>
+  </p:cSld>
+  <p:clrMapOvr>
+    <a:masterClrMapping/>
+  </p:clrMapOvr>
+</p:sld>
+</file>
+
+<file path=ppt/slides/slide19.xml><?xml version="1.0" encoding="utf-8"?>
+<p:sld xmlns:a="http://schemas.openxmlformats.org/drawingml/2006/main" xmlns:r="http://schemas.openxmlformats.org/officeDocument/2006/relationships" xmlns:p="http://schemas.openxmlformats.org/presentationml/2006/main">
+  <p:cSld>
+    <p:spTree>
+      <p:nvGrpSpPr>
+        <p:cNvPr id="1" name=""/>
+        <p:cNvGrpSpPr/>
+        <p:nvPr/>
+      </p:nvGrpSpPr>
+      <p:grpSpPr>
+        <a:xfrm>
+          <a:off x="0" y="0"/>
+          <a:ext cx="0" cy="0"/>
+          <a:chOff x="0" y="0"/>
+          <a:chExt cx="0" cy="0"/>
+        </a:xfrm>
+      </p:grpSpPr>
+      <p:graphicFrame>
+        <p:nvGraphicFramePr>
+          <p:cNvPr id="5" name="Table 4"/>
+          <p:cNvGraphicFramePr>
+            <a:graphicFrameLocks noGrp="1"/>
+          </p:cNvGraphicFramePr>
+          <p:nvPr/>
+        </p:nvGraphicFramePr>
+        <p:xfrm>
+          <a:off x="0" y="1"/>
+          <a:ext cx="12192000" cy="365760"/>
+        </p:xfrm>
+        <a:graphic>
+          <a:graphicData uri="http://schemas.openxmlformats.org/drawingml/2006/table">
+            <a:tbl>
+              <a:tblPr firstRow="1" bandRow="1">
+                <a:tableStyleId>{5C22544A-7EE6-4342-B048-85BDC9FD1C3A}</a:tableStyleId>
+              </a:tblPr>
+              <a:tblGrid>
+                <a:gridCol w="12192000">
+                  <a:extLst>
+                    <a:ext uri="{9D8B030D-6E8A-4147-A177-3AD203B41FA5}">
+                      <a16:colId xmlns:a16="http://schemas.microsoft.com/office/drawing/2014/main" val="20000"/>
+                    </a:ext>
+                  </a:extLst>
+                </a:gridCol>
+              </a:tblGrid>
+              <a:tr h="321276">
+                <a:tc>
+                  <a:txBody>
+                    <a:bodyPr/>
+                    <a:lstStyle/>
+                    <a:p>
+                      <a:r>
+                        <a:rPr lang="ru-RU" dirty="0"/>
+                        <a:t>Основы</a:t>
+                      </a:r>
+                      <a:r>
+                        <a:rPr lang="ru-RU" baseline="0" dirty="0"/>
+                        <a:t> построения файловых систем</a:t>
+                      </a:r>
+                      <a:endParaRPr lang="ru-RU" dirty="0"/>
+                    </a:p>
+                  </a:txBody>
+                  <a:tcPr/>
+                </a:tc>
+                <a:extLst>
+                  <a:ext uri="{0D108BD9-81ED-4DB2-BD59-A6C34878D82A}">
+                    <a16:rowId xmlns:a16="http://schemas.microsoft.com/office/drawing/2014/main" val="10000"/>
+                  </a:ext>
+                </a:extLst>
+              </a:tr>
+            </a:tbl>
+          </a:graphicData>
+        </a:graphic>
+      </p:graphicFrame>
+      <p:graphicFrame>
+        <p:nvGraphicFramePr>
+          <p:cNvPr id="6" name="Table 5"/>
+          <p:cNvGraphicFramePr>
+            <a:graphicFrameLocks noGrp="1"/>
+          </p:cNvGraphicFramePr>
+          <p:nvPr>
+            <p:extLst>
+              <p:ext uri="{D42A27DB-BD31-4B8C-83A1-F6EECF244321}">
+                <p14:modId xmlns:p14="http://schemas.microsoft.com/office/powerpoint/2010/main" val="1341329492"/>
+              </p:ext>
+            </p:extLst>
+          </p:nvPr>
+        </p:nvGraphicFramePr>
+        <p:xfrm>
+          <a:off x="0" y="6532604"/>
+          <a:ext cx="12192000" cy="365760"/>
+        </p:xfrm>
+        <a:graphic>
+          <a:graphicData uri="http://schemas.openxmlformats.org/drawingml/2006/table">
+            <a:tbl>
+              <a:tblPr firstRow="1" bandRow="1">
+                <a:tableStyleId>{5C22544A-7EE6-4342-B048-85BDC9FD1C3A}</a:tableStyleId>
+              </a:tblPr>
+              <a:tblGrid>
+                <a:gridCol w="12192000">
+                  <a:extLst>
+                    <a:ext uri="{9D8B030D-6E8A-4147-A177-3AD203B41FA5}">
+                      <a16:colId xmlns:a16="http://schemas.microsoft.com/office/drawing/2014/main" val="20000"/>
+                    </a:ext>
+                  </a:extLst>
+                </a:gridCol>
+              </a:tblGrid>
+              <a:tr h="308094">
+                <a:tc>
+                  <a:txBody>
+                    <a:bodyPr/>
+                    <a:lstStyle/>
+                    <a:p>
+                      <a:endParaRPr lang="ru-RU" dirty="0"/>
+                    </a:p>
+                  </a:txBody>
+                  <a:tcPr/>
+                </a:tc>
+                <a:extLst>
+                  <a:ext uri="{0D108BD9-81ED-4DB2-BD59-A6C34878D82A}">
+                    <a16:rowId xmlns:a16="http://schemas.microsoft.com/office/drawing/2014/main" val="10000"/>
+                  </a:ext>
+                </a:extLst>
+              </a:tr>
+            </a:tbl>
+          </a:graphicData>
+        </a:graphic>
+      </p:graphicFrame>
+      <p:graphicFrame>
+        <p:nvGraphicFramePr>
+          <p:cNvPr id="2" name="Table 1"/>
+          <p:cNvGraphicFramePr>
+            <a:graphicFrameLocks noGrp="1"/>
+          </p:cNvGraphicFramePr>
+          <p:nvPr/>
+        </p:nvGraphicFramePr>
+        <p:xfrm>
+          <a:off x="0" y="365761"/>
+          <a:ext cx="12192000" cy="457200"/>
+        </p:xfrm>
+        <a:graphic>
+          <a:graphicData uri="http://schemas.openxmlformats.org/drawingml/2006/table">
+            <a:tbl>
+              <a:tblPr firstRow="1" bandRow="1">
+                <a:tableStyleId>{3B4B98B0-60AC-42C2-AFA5-B58CD77FA1E5}</a:tableStyleId>
+              </a:tblPr>
+              <a:tblGrid>
+                <a:gridCol w="12192000">
+                  <a:extLst>
+                    <a:ext uri="{9D8B030D-6E8A-4147-A177-3AD203B41FA5}">
+                      <a16:colId xmlns:a16="http://schemas.microsoft.com/office/drawing/2014/main" val="20000"/>
+                    </a:ext>
+                  </a:extLst>
+                </a:gridCol>
+              </a:tblGrid>
+              <a:tr h="370840">
+                <a:tc>
+                  <a:txBody>
+                    <a:bodyPr/>
+                    <a:lstStyle/>
+                    <a:p>
+                      <a:r>
+                        <a:rPr lang="ru-RU" sz="2400" dirty="0"/>
+                        <a:t>Слияние двух </a:t>
+                      </a:r>
+                      <a:r>
+                        <a:rPr lang="en-US" sz="2400" dirty="0"/>
+                        <a:t>B-</a:t>
+                      </a:r>
+                      <a:r>
+                        <a:rPr lang="ru-RU" sz="2400" dirty="0"/>
+                        <a:t>деревьев</a:t>
+                      </a:r>
+                      <a:endParaRPr lang="en-US" sz="2400" dirty="0"/>
+                    </a:p>
+                  </a:txBody>
+                  <a:tcPr/>
+                </a:tc>
+                <a:extLst>
+                  <a:ext uri="{0D108BD9-81ED-4DB2-BD59-A6C34878D82A}">
+                    <a16:rowId xmlns:a16="http://schemas.microsoft.com/office/drawing/2014/main" val="10000"/>
+                  </a:ext>
+                </a:extLst>
+              </a:tr>
+            </a:tbl>
+          </a:graphicData>
+        </a:graphic>
+      </p:graphicFrame>
+      <p:sp>
+        <p:nvSpPr>
+          <p:cNvPr id="3" name="Triangle 2">
+            <a:extLst>
+              <a:ext uri="{FF2B5EF4-FFF2-40B4-BE49-F238E27FC236}">
+                <a16:creationId xmlns:a16="http://schemas.microsoft.com/office/drawing/2014/main" id="{C0F4C0C6-C35E-C04C-AC99-1B1ECB555CBF}"/>
+              </a:ext>
+            </a:extLst>
+          </p:cNvPr>
+          <p:cNvSpPr/>
+          <p:nvPr/>
+        </p:nvSpPr>
+        <p:spPr>
+          <a:xfrm>
+            <a:off x="293914" y="1001486"/>
+            <a:ext cx="1698172" cy="1709057"/>
+          </a:xfrm>
+          <a:prstGeom prst="triangle">
+            <a:avLst/>
+          </a:prstGeom>
+        </p:spPr>
+        <p:style>
+          <a:lnRef idx="2">
+            <a:schemeClr val="accent1">
+              <a:shade val="50000"/>
+            </a:schemeClr>
+          </a:lnRef>
+          <a:fillRef idx="1">
+            <a:schemeClr val="accent1"/>
+          </a:fillRef>
+          <a:effectRef idx="0">
+            <a:schemeClr val="accent1"/>
+          </a:effectRef>
+          <a:fontRef idx="minor">
+            <a:schemeClr val="lt1"/>
+          </a:fontRef>
+        </p:style>
+        <p:txBody>
+          <a:bodyPr rtlCol="0" anchor="ctr"/>
+          <a:lstStyle/>
+          <a:p>
+            <a:pPr algn="ctr"/>
+            <a:endParaRPr lang="en-RU"/>
+          </a:p>
+        </p:txBody>
+      </p:sp>
+      <p:sp>
+        <p:nvSpPr>
+          <p:cNvPr id="7" name="Triangle 6">
+            <a:extLst>
+              <a:ext uri="{FF2B5EF4-FFF2-40B4-BE49-F238E27FC236}">
+                <a16:creationId xmlns:a16="http://schemas.microsoft.com/office/drawing/2014/main" id="{1145872C-6E3A-BC44-BBCB-EFECA1845248}"/>
+              </a:ext>
+            </a:extLst>
+          </p:cNvPr>
+          <p:cNvSpPr/>
+          <p:nvPr/>
+        </p:nvSpPr>
+        <p:spPr>
+          <a:xfrm>
+            <a:off x="2332939" y="1001485"/>
+            <a:ext cx="2228176" cy="2242458"/>
+          </a:xfrm>
+          <a:prstGeom prst="triangle">
+            <a:avLst/>
+          </a:prstGeom>
+        </p:spPr>
+        <p:style>
+          <a:lnRef idx="2">
+            <a:schemeClr val="accent1">
+              <a:shade val="50000"/>
+            </a:schemeClr>
+          </a:lnRef>
+          <a:fillRef idx="1">
+            <a:schemeClr val="accent1"/>
+          </a:fillRef>
+          <a:effectRef idx="0">
+            <a:schemeClr val="accent1"/>
+          </a:effectRef>
+          <a:fontRef idx="minor">
+            <a:schemeClr val="lt1"/>
+          </a:fontRef>
+        </p:style>
+        <p:txBody>
+          <a:bodyPr rtlCol="0" anchor="ctr"/>
+          <a:lstStyle/>
+          <a:p>
+            <a:pPr algn="ctr"/>
+            <a:endParaRPr lang="en-RU"/>
+          </a:p>
+        </p:txBody>
+      </p:sp>
+      <p:sp>
+        <p:nvSpPr>
+          <p:cNvPr id="4" name="TextBox 3">
+            <a:extLst>
+              <a:ext uri="{FF2B5EF4-FFF2-40B4-BE49-F238E27FC236}">
+                <a16:creationId xmlns:a16="http://schemas.microsoft.com/office/drawing/2014/main" id="{AFE6920D-1A6E-CA4F-89EE-B15BA485FC7D}"/>
+              </a:ext>
+            </a:extLst>
+          </p:cNvPr>
+          <p:cNvSpPr txBox="1"/>
+          <p:nvPr/>
+        </p:nvSpPr>
+        <p:spPr>
+          <a:xfrm>
+            <a:off x="2090057" y="1458686"/>
+            <a:ext cx="389850" cy="584775"/>
+          </a:xfrm>
+          <a:prstGeom prst="rect">
+            <a:avLst/>
+          </a:prstGeom>
+          <a:noFill/>
+        </p:spPr>
+        <p:txBody>
+          <a:bodyPr wrap="none" rtlCol="0">
+            <a:spAutoFit/>
+          </a:bodyPr>
+          <a:lstStyle/>
+          <a:p>
+            <a:r>
+              <a:rPr lang="en-RU" sz="3200" dirty="0"/>
+              <a:t>+</a:t>
+            </a:r>
+          </a:p>
+        </p:txBody>
+      </p:sp>
+      <p:sp>
+        <p:nvSpPr>
+          <p:cNvPr id="8" name="TextBox 7">
+            <a:extLst>
+              <a:ext uri="{FF2B5EF4-FFF2-40B4-BE49-F238E27FC236}">
+                <a16:creationId xmlns:a16="http://schemas.microsoft.com/office/drawing/2014/main" id="{E299ADD7-6543-2A40-99A2-FA70D6FF173B}"/>
+              </a:ext>
+            </a:extLst>
+          </p:cNvPr>
+          <p:cNvSpPr txBox="1"/>
+          <p:nvPr/>
+        </p:nvSpPr>
+        <p:spPr>
+          <a:xfrm>
+            <a:off x="4548194" y="1458686"/>
+            <a:ext cx="514885" cy="584775"/>
+          </a:xfrm>
+          <a:prstGeom prst="rect">
+            <a:avLst/>
+          </a:prstGeom>
+          <a:noFill/>
+        </p:spPr>
+        <p:txBody>
+          <a:bodyPr wrap="none" rtlCol="0">
+            <a:spAutoFit/>
+          </a:bodyPr>
+          <a:lstStyle/>
+          <a:p>
+            <a:r>
+              <a:rPr lang="en-RU" sz="3200" dirty="0"/>
+              <a:t>-&gt;</a:t>
+            </a:r>
+          </a:p>
+        </p:txBody>
+      </p:sp>
+      <p:graphicFrame>
+        <p:nvGraphicFramePr>
+          <p:cNvPr id="9" name="Table 9">
+            <a:extLst>
+              <a:ext uri="{FF2B5EF4-FFF2-40B4-BE49-F238E27FC236}">
+                <a16:creationId xmlns:a16="http://schemas.microsoft.com/office/drawing/2014/main" id="{F4895F23-9FE3-0E4F-8057-AA3E8E253772}"/>
+              </a:ext>
+            </a:extLst>
+          </p:cNvPr>
+          <p:cNvGraphicFramePr>
+            <a:graphicFrameLocks noGrp="1"/>
+          </p:cNvGraphicFramePr>
+          <p:nvPr/>
+        </p:nvGraphicFramePr>
+        <p:xfrm>
+          <a:off x="6404196" y="2873103"/>
+          <a:ext cx="5631370" cy="370840"/>
+        </p:xfrm>
+        <a:graphic>
+          <a:graphicData uri="http://schemas.openxmlformats.org/drawingml/2006/table">
+            <a:tbl>
+              <a:tblPr firstRow="1" bandRow="1">
+                <a:tableStyleId>{5C22544A-7EE6-4342-B048-85BDC9FD1C3A}</a:tableStyleId>
+              </a:tblPr>
+              <a:tblGrid>
+                <a:gridCol w="208280">
+                  <a:extLst>
+                    <a:ext uri="{9D8B030D-6E8A-4147-A177-3AD203B41FA5}">
+                      <a16:colId xmlns:a16="http://schemas.microsoft.com/office/drawing/2014/main" val="2786261489"/>
+                    </a:ext>
+                  </a:extLst>
+                </a:gridCol>
+                <a:gridCol w="208280">
+                  <a:extLst>
+                    <a:ext uri="{9D8B030D-6E8A-4147-A177-3AD203B41FA5}">
+                      <a16:colId xmlns:a16="http://schemas.microsoft.com/office/drawing/2014/main" val="473320199"/>
+                    </a:ext>
+                  </a:extLst>
+                </a:gridCol>
+                <a:gridCol w="208280">
+                  <a:extLst>
+                    <a:ext uri="{9D8B030D-6E8A-4147-A177-3AD203B41FA5}">
+                      <a16:colId xmlns:a16="http://schemas.microsoft.com/office/drawing/2014/main" val="3741475625"/>
+                    </a:ext>
+                  </a:extLst>
+                </a:gridCol>
+                <a:gridCol w="208280">
+                  <a:extLst>
+                    <a:ext uri="{9D8B030D-6E8A-4147-A177-3AD203B41FA5}">
+                      <a16:colId xmlns:a16="http://schemas.microsoft.com/office/drawing/2014/main" val="1675161799"/>
+                    </a:ext>
+                  </a:extLst>
+                </a:gridCol>
+                <a:gridCol w="208280">
+                  <a:extLst>
+                    <a:ext uri="{9D8B030D-6E8A-4147-A177-3AD203B41FA5}">
+                      <a16:colId xmlns:a16="http://schemas.microsoft.com/office/drawing/2014/main" val="952941121"/>
+                    </a:ext>
+                  </a:extLst>
+                </a:gridCol>
+                <a:gridCol w="208280">
+                  <a:extLst>
+                    <a:ext uri="{9D8B030D-6E8A-4147-A177-3AD203B41FA5}">
+                      <a16:colId xmlns:a16="http://schemas.microsoft.com/office/drawing/2014/main" val="47642270"/>
+                    </a:ext>
+                  </a:extLst>
+                </a:gridCol>
+                <a:gridCol w="438169">
+                  <a:extLst>
+                    <a:ext uri="{9D8B030D-6E8A-4147-A177-3AD203B41FA5}">
+                      <a16:colId xmlns:a16="http://schemas.microsoft.com/office/drawing/2014/main" val="2858643643"/>
+                    </a:ext>
+                  </a:extLst>
+                </a:gridCol>
+                <a:gridCol w="438169">
+                  <a:extLst>
+                    <a:ext uri="{9D8B030D-6E8A-4147-A177-3AD203B41FA5}">
+                      <a16:colId xmlns:a16="http://schemas.microsoft.com/office/drawing/2014/main" val="2810943390"/>
+                    </a:ext>
+                  </a:extLst>
+                </a:gridCol>
+                <a:gridCol w="438169">
+                  <a:extLst>
+                    <a:ext uri="{9D8B030D-6E8A-4147-A177-3AD203B41FA5}">
+                      <a16:colId xmlns:a16="http://schemas.microsoft.com/office/drawing/2014/main" val="4127657506"/>
+                    </a:ext>
+                  </a:extLst>
+                </a:gridCol>
+                <a:gridCol w="438169">
+                  <a:extLst>
+                    <a:ext uri="{9D8B030D-6E8A-4147-A177-3AD203B41FA5}">
+                      <a16:colId xmlns:a16="http://schemas.microsoft.com/office/drawing/2014/main" val="827145752"/>
+                    </a:ext>
+                  </a:extLst>
+                </a:gridCol>
+                <a:gridCol w="438169">
+                  <a:extLst>
+                    <a:ext uri="{9D8B030D-6E8A-4147-A177-3AD203B41FA5}">
+                      <a16:colId xmlns:a16="http://schemas.microsoft.com/office/drawing/2014/main" val="2311834231"/>
+                    </a:ext>
+                  </a:extLst>
+                </a:gridCol>
+                <a:gridCol w="438169">
+                  <a:extLst>
+                    <a:ext uri="{9D8B030D-6E8A-4147-A177-3AD203B41FA5}">
+                      <a16:colId xmlns:a16="http://schemas.microsoft.com/office/drawing/2014/main" val="2861270231"/>
+                    </a:ext>
+                  </a:extLst>
+                </a:gridCol>
+                <a:gridCol w="438169">
+                  <a:extLst>
+                    <a:ext uri="{9D8B030D-6E8A-4147-A177-3AD203B41FA5}">
+                      <a16:colId xmlns:a16="http://schemas.microsoft.com/office/drawing/2014/main" val="4010117732"/>
+                    </a:ext>
+                  </a:extLst>
+                </a:gridCol>
+                <a:gridCol w="438169">
+                  <a:extLst>
+                    <a:ext uri="{9D8B030D-6E8A-4147-A177-3AD203B41FA5}">
+                      <a16:colId xmlns:a16="http://schemas.microsoft.com/office/drawing/2014/main" val="1954329265"/>
+                    </a:ext>
+                  </a:extLst>
+                </a:gridCol>
+                <a:gridCol w="438169">
+                  <a:extLst>
+                    <a:ext uri="{9D8B030D-6E8A-4147-A177-3AD203B41FA5}">
+                      <a16:colId xmlns:a16="http://schemas.microsoft.com/office/drawing/2014/main" val="3818398413"/>
+                    </a:ext>
+                  </a:extLst>
+                </a:gridCol>
+                <a:gridCol w="438169">
+                  <a:extLst>
+                    <a:ext uri="{9D8B030D-6E8A-4147-A177-3AD203B41FA5}">
+                      <a16:colId xmlns:a16="http://schemas.microsoft.com/office/drawing/2014/main" val="3579801534"/>
+                    </a:ext>
+                  </a:extLst>
+                </a:gridCol>
+              </a:tblGrid>
+              <a:tr h="370840">
+                <a:tc>
+                  <a:txBody>
+                    <a:bodyPr/>
+                    <a:lstStyle/>
+                    <a:p>
+                      <a:endParaRPr lang="en-RU" dirty="0"/>
+                    </a:p>
+                  </a:txBody>
+                  <a:tcPr/>
+                </a:tc>
+                <a:tc>
+                  <a:txBody>
+                    <a:bodyPr/>
+                    <a:lstStyle/>
+                    <a:p>
+                      <a:endParaRPr lang="en-RU" dirty="0"/>
+                    </a:p>
+                  </a:txBody>
+                  <a:tcPr/>
+                </a:tc>
+                <a:tc>
+                  <a:txBody>
+                    <a:bodyPr/>
+                    <a:lstStyle/>
+                    <a:p>
+                      <a:endParaRPr lang="en-RU" dirty="0"/>
+                    </a:p>
+                  </a:txBody>
+                  <a:tcPr/>
+                </a:tc>
+                <a:tc>
+                  <a:txBody>
+                    <a:bodyPr/>
+                    <a:lstStyle/>
+                    <a:p>
+                      <a:endParaRPr lang="en-RU" dirty="0"/>
+                    </a:p>
+                  </a:txBody>
+                  <a:tcPr/>
+                </a:tc>
+                <a:tc>
+                  <a:txBody>
+                    <a:bodyPr/>
+                    <a:lstStyle/>
+                    <a:p>
+                      <a:endParaRPr lang="en-RU" dirty="0"/>
+                    </a:p>
+                  </a:txBody>
+                  <a:tcPr/>
+                </a:tc>
+                <a:tc>
+                  <a:txBody>
+                    <a:bodyPr/>
+                    <a:lstStyle/>
+                    <a:p>
+                      <a:endParaRPr lang="en-RU" dirty="0"/>
+                    </a:p>
+                  </a:txBody>
+                  <a:tcPr/>
+                </a:tc>
+                <a:tc>
+                  <a:txBody>
+                    <a:bodyPr/>
+                    <a:lstStyle/>
+                    <a:p>
+                      <a:endParaRPr lang="en-RU" dirty="0"/>
+                    </a:p>
+                  </a:txBody>
+                  <a:tcPr/>
+                </a:tc>
+                <a:tc>
+                  <a:txBody>
+                    <a:bodyPr/>
+                    <a:lstStyle/>
+                    <a:p>
+                      <a:endParaRPr lang="en-RU" dirty="0"/>
+                    </a:p>
+                  </a:txBody>
+                  <a:tcPr/>
+                </a:tc>
+                <a:tc>
+                  <a:txBody>
+                    <a:bodyPr/>
+                    <a:lstStyle/>
+                    <a:p>
+                      <a:endParaRPr lang="en-RU" dirty="0"/>
+                    </a:p>
+                  </a:txBody>
+                  <a:tcPr/>
+                </a:tc>
+                <a:tc>
+                  <a:txBody>
+                    <a:bodyPr/>
+                    <a:lstStyle/>
+                    <a:p>
+                      <a:endParaRPr lang="en-RU" dirty="0"/>
+                    </a:p>
+                  </a:txBody>
+                  <a:tcPr/>
+                </a:tc>
+                <a:tc>
+                  <a:txBody>
+                    <a:bodyPr/>
+                    <a:lstStyle/>
+                    <a:p>
+                      <a:endParaRPr lang="en-RU" dirty="0"/>
+                    </a:p>
+                  </a:txBody>
+                  <a:tcPr/>
+                </a:tc>
+                <a:tc>
+                  <a:txBody>
+                    <a:bodyPr/>
+                    <a:lstStyle/>
+                    <a:p>
+                      <a:endParaRPr lang="en-RU" dirty="0"/>
+                    </a:p>
+                  </a:txBody>
+                  <a:tcPr/>
+                </a:tc>
+                <a:tc>
+                  <a:txBody>
+                    <a:bodyPr/>
+                    <a:lstStyle/>
+                    <a:p>
+                      <a:endParaRPr lang="en-RU" dirty="0"/>
+                    </a:p>
+                  </a:txBody>
+                  <a:tcPr/>
+                </a:tc>
+                <a:tc>
+                  <a:txBody>
+                    <a:bodyPr/>
+                    <a:lstStyle/>
+                    <a:p>
+                      <a:endParaRPr lang="en-RU" dirty="0"/>
+                    </a:p>
+                  </a:txBody>
+                  <a:tcPr/>
+                </a:tc>
+                <a:tc>
+                  <a:txBody>
+                    <a:bodyPr/>
+                    <a:lstStyle/>
+                    <a:p>
+                      <a:endParaRPr lang="en-RU" dirty="0"/>
+                    </a:p>
+                  </a:txBody>
+                  <a:tcPr/>
+                </a:tc>
+                <a:tc>
+                  <a:txBody>
+                    <a:bodyPr/>
+                    <a:lstStyle/>
+                    <a:p>
+                      <a:endParaRPr lang="en-RU" dirty="0"/>
+                    </a:p>
+                  </a:txBody>
+                  <a:tcPr/>
+                </a:tc>
+                <a:extLst>
+                  <a:ext uri="{0D108BD9-81ED-4DB2-BD59-A6C34878D82A}">
+                    <a16:rowId xmlns:a16="http://schemas.microsoft.com/office/drawing/2014/main" val="3942554715"/>
+                  </a:ext>
+                </a:extLst>
+              </a:tr>
+            </a:tbl>
+          </a:graphicData>
+        </a:graphic>
+      </p:graphicFrame>
+      <p:graphicFrame>
+        <p:nvGraphicFramePr>
+          <p:cNvPr id="10" name="Table 10">
+            <a:extLst>
+              <a:ext uri="{FF2B5EF4-FFF2-40B4-BE49-F238E27FC236}">
+                <a16:creationId xmlns:a16="http://schemas.microsoft.com/office/drawing/2014/main" id="{2916F093-FE29-6047-905C-7021EC3BDFB1}"/>
+              </a:ext>
+            </a:extLst>
+          </p:cNvPr>
+          <p:cNvGraphicFramePr>
+            <a:graphicFrameLocks noGrp="1"/>
+          </p:cNvGraphicFramePr>
+          <p:nvPr/>
+        </p:nvGraphicFramePr>
+        <p:xfrm>
+          <a:off x="6791463" y="2230483"/>
+          <a:ext cx="839424" cy="370840"/>
+        </p:xfrm>
+        <a:graphic>
+          <a:graphicData uri="http://schemas.openxmlformats.org/drawingml/2006/table">
+            <a:tbl>
+              <a:tblPr firstRow="1" bandRow="1">
+                <a:tableStyleId>{5C22544A-7EE6-4342-B048-85BDC9FD1C3A}</a:tableStyleId>
+              </a:tblPr>
+              <a:tblGrid>
+                <a:gridCol w="279808">
+                  <a:extLst>
+                    <a:ext uri="{9D8B030D-6E8A-4147-A177-3AD203B41FA5}">
+                      <a16:colId xmlns:a16="http://schemas.microsoft.com/office/drawing/2014/main" val="2449433316"/>
+                    </a:ext>
+                  </a:extLst>
+                </a:gridCol>
+                <a:gridCol w="279808">
+                  <a:extLst>
+                    <a:ext uri="{9D8B030D-6E8A-4147-A177-3AD203B41FA5}">
+                      <a16:colId xmlns:a16="http://schemas.microsoft.com/office/drawing/2014/main" val="3672236743"/>
+                    </a:ext>
+                  </a:extLst>
+                </a:gridCol>
+                <a:gridCol w="279808">
+                  <a:extLst>
+                    <a:ext uri="{9D8B030D-6E8A-4147-A177-3AD203B41FA5}">
+                      <a16:colId xmlns:a16="http://schemas.microsoft.com/office/drawing/2014/main" val="399996921"/>
+                    </a:ext>
+                  </a:extLst>
+                </a:gridCol>
+              </a:tblGrid>
+              <a:tr h="370840">
+                <a:tc>
+                  <a:txBody>
+                    <a:bodyPr/>
+                    <a:lstStyle/>
+                    <a:p>
+                      <a:endParaRPr lang="en-RU"/>
+                    </a:p>
+                  </a:txBody>
+                  <a:tcPr/>
+                </a:tc>
+                <a:tc>
+                  <a:txBody>
+                    <a:bodyPr/>
+                    <a:lstStyle/>
+                    <a:p>
+                      <a:endParaRPr lang="en-RU"/>
+                    </a:p>
+                  </a:txBody>
+                  <a:tcPr/>
+                </a:tc>
+                <a:tc>
+                  <a:txBody>
+                    <a:bodyPr/>
+                    <a:lstStyle/>
+                    <a:p>
+                      <a:endParaRPr lang="en-RU" dirty="0"/>
+                    </a:p>
+                  </a:txBody>
+                  <a:tcPr/>
+                </a:tc>
+                <a:extLst>
+                  <a:ext uri="{0D108BD9-81ED-4DB2-BD59-A6C34878D82A}">
+                    <a16:rowId xmlns:a16="http://schemas.microsoft.com/office/drawing/2014/main" val="650745626"/>
+                  </a:ext>
+                </a:extLst>
+              </a:tr>
+            </a:tbl>
+          </a:graphicData>
+        </a:graphic>
+      </p:graphicFrame>
+      <p:cxnSp>
+        <p:nvCxnSpPr>
+          <p:cNvPr id="12" name="Straight Arrow Connector 11">
+            <a:extLst>
+              <a:ext uri="{FF2B5EF4-FFF2-40B4-BE49-F238E27FC236}">
+                <a16:creationId xmlns:a16="http://schemas.microsoft.com/office/drawing/2014/main" id="{E3A68867-FF2E-8E44-9978-F1760FD1211A}"/>
+              </a:ext>
+            </a:extLst>
+          </p:cNvPr>
+          <p:cNvCxnSpPr/>
+          <p:nvPr/>
+        </p:nvCxnSpPr>
+        <p:spPr>
+          <a:xfrm flipH="1">
+            <a:off x="6404196" y="2601323"/>
+            <a:ext cx="387267" cy="271780"/>
+          </a:xfrm>
+          <a:prstGeom prst="straightConnector1">
+            <a:avLst/>
+          </a:prstGeom>
+          <a:ln w="19050">
+            <a:tailEnd type="triangle"/>
+          </a:ln>
+        </p:spPr>
+        <p:style>
+          <a:lnRef idx="1">
+            <a:schemeClr val="accent1"/>
+          </a:lnRef>
+          <a:fillRef idx="0">
+            <a:schemeClr val="accent1"/>
+          </a:fillRef>
+          <a:effectRef idx="0">
+            <a:schemeClr val="accent1"/>
+          </a:effectRef>
+          <a:fontRef idx="minor">
+            <a:schemeClr val="tx1"/>
+          </a:fontRef>
+        </p:style>
+      </p:cxnSp>
+      <p:cxnSp>
+        <p:nvCxnSpPr>
+          <p:cNvPr id="14" name="Straight Arrow Connector 13">
+            <a:extLst>
+              <a:ext uri="{FF2B5EF4-FFF2-40B4-BE49-F238E27FC236}">
+                <a16:creationId xmlns:a16="http://schemas.microsoft.com/office/drawing/2014/main" id="{3147B6E7-4A1D-9846-9E4B-D6D0400AF562}"/>
+              </a:ext>
+            </a:extLst>
+          </p:cNvPr>
+          <p:cNvCxnSpPr/>
+          <p:nvPr/>
+        </p:nvCxnSpPr>
+        <p:spPr>
+          <a:xfrm>
+            <a:off x="7053943" y="2601323"/>
+            <a:ext cx="0" cy="271780"/>
+          </a:xfrm>
+          <a:prstGeom prst="straightConnector1">
+            <a:avLst/>
+          </a:prstGeom>
+          <a:ln w="19050">
+            <a:tailEnd type="triangle"/>
+          </a:ln>
+        </p:spPr>
+        <p:style>
+          <a:lnRef idx="1">
+            <a:schemeClr val="accent1"/>
+          </a:lnRef>
+          <a:fillRef idx="0">
+            <a:schemeClr val="accent1"/>
+          </a:fillRef>
+          <a:effectRef idx="0">
+            <a:schemeClr val="accent1"/>
+          </a:effectRef>
+          <a:fontRef idx="minor">
+            <a:schemeClr val="tx1"/>
+          </a:fontRef>
+        </p:style>
+      </p:cxnSp>
+      <p:cxnSp>
+        <p:nvCxnSpPr>
+          <p:cNvPr id="16" name="Straight Arrow Connector 15">
+            <a:extLst>
+              <a:ext uri="{FF2B5EF4-FFF2-40B4-BE49-F238E27FC236}">
+                <a16:creationId xmlns:a16="http://schemas.microsoft.com/office/drawing/2014/main" id="{89BDF27B-C9F2-4149-BF6B-7E0794CEB561}"/>
+              </a:ext>
+            </a:extLst>
+          </p:cNvPr>
+          <p:cNvCxnSpPr/>
+          <p:nvPr/>
+        </p:nvCxnSpPr>
+        <p:spPr>
+          <a:xfrm>
+            <a:off x="7347857" y="2601323"/>
+            <a:ext cx="283030" cy="271780"/>
+          </a:xfrm>
+          <a:prstGeom prst="straightConnector1">
+            <a:avLst/>
+          </a:prstGeom>
+          <a:ln w="19050">
+            <a:tailEnd type="triangle"/>
+          </a:ln>
+        </p:spPr>
+        <p:style>
+          <a:lnRef idx="1">
+            <a:schemeClr val="accent1"/>
+          </a:lnRef>
+          <a:fillRef idx="0">
+            <a:schemeClr val="accent1"/>
+          </a:fillRef>
+          <a:effectRef idx="0">
+            <a:schemeClr val="accent1"/>
+          </a:effectRef>
+          <a:fontRef idx="minor">
+            <a:schemeClr val="tx1"/>
+          </a:fontRef>
+        </p:style>
+      </p:cxnSp>
+      <p:graphicFrame>
+        <p:nvGraphicFramePr>
+          <p:cNvPr id="17" name="Table 10">
+            <a:extLst>
+              <a:ext uri="{FF2B5EF4-FFF2-40B4-BE49-F238E27FC236}">
+                <a16:creationId xmlns:a16="http://schemas.microsoft.com/office/drawing/2014/main" id="{C9B80236-8F2A-A249-AECD-8AAE4850FA29}"/>
+              </a:ext>
+            </a:extLst>
+          </p:cNvPr>
+          <p:cNvGraphicFramePr>
+            <a:graphicFrameLocks noGrp="1"/>
+          </p:cNvGraphicFramePr>
+          <p:nvPr/>
+        </p:nvGraphicFramePr>
+        <p:xfrm>
+          <a:off x="8293691" y="2230483"/>
+          <a:ext cx="839424" cy="370840"/>
+        </p:xfrm>
+        <a:graphic>
+          <a:graphicData uri="http://schemas.openxmlformats.org/drawingml/2006/table">
+            <a:tbl>
+              <a:tblPr firstRow="1" bandRow="1">
+                <a:tableStyleId>{5C22544A-7EE6-4342-B048-85BDC9FD1C3A}</a:tableStyleId>
+              </a:tblPr>
+              <a:tblGrid>
+                <a:gridCol w="279808">
+                  <a:extLst>
+                    <a:ext uri="{9D8B030D-6E8A-4147-A177-3AD203B41FA5}">
+                      <a16:colId xmlns:a16="http://schemas.microsoft.com/office/drawing/2014/main" val="2449433316"/>
+                    </a:ext>
+                  </a:extLst>
+                </a:gridCol>
+                <a:gridCol w="279808">
+                  <a:extLst>
+                    <a:ext uri="{9D8B030D-6E8A-4147-A177-3AD203B41FA5}">
+                      <a16:colId xmlns:a16="http://schemas.microsoft.com/office/drawing/2014/main" val="3672236743"/>
+                    </a:ext>
+                  </a:extLst>
+                </a:gridCol>
+                <a:gridCol w="279808">
+                  <a:extLst>
+                    <a:ext uri="{9D8B030D-6E8A-4147-A177-3AD203B41FA5}">
+                      <a16:colId xmlns:a16="http://schemas.microsoft.com/office/drawing/2014/main" val="399996921"/>
+                    </a:ext>
+                  </a:extLst>
+                </a:gridCol>
+              </a:tblGrid>
+              <a:tr h="370840">
+                <a:tc>
+                  <a:txBody>
+                    <a:bodyPr/>
+                    <a:lstStyle/>
+                    <a:p>
+                      <a:endParaRPr lang="en-RU"/>
+                    </a:p>
+                  </a:txBody>
+                  <a:tcPr/>
+                </a:tc>
+                <a:tc>
+                  <a:txBody>
+                    <a:bodyPr/>
+                    <a:lstStyle/>
+                    <a:p>
+                      <a:endParaRPr lang="en-RU"/>
+                    </a:p>
+                  </a:txBody>
+                  <a:tcPr/>
+                </a:tc>
+                <a:tc>
+                  <a:txBody>
+                    <a:bodyPr/>
+                    <a:lstStyle/>
+                    <a:p>
+                      <a:endParaRPr lang="en-RU" dirty="0"/>
+                    </a:p>
+                  </a:txBody>
+                  <a:tcPr/>
+                </a:tc>
+                <a:extLst>
+                  <a:ext uri="{0D108BD9-81ED-4DB2-BD59-A6C34878D82A}">
+                    <a16:rowId xmlns:a16="http://schemas.microsoft.com/office/drawing/2014/main" val="650745626"/>
+                  </a:ext>
+                </a:extLst>
+              </a:tr>
+            </a:tbl>
+          </a:graphicData>
+        </a:graphic>
+      </p:graphicFrame>
+      <p:cxnSp>
+        <p:nvCxnSpPr>
+          <p:cNvPr id="19" name="Straight Arrow Connector 18">
+            <a:extLst>
+              <a:ext uri="{FF2B5EF4-FFF2-40B4-BE49-F238E27FC236}">
+                <a16:creationId xmlns:a16="http://schemas.microsoft.com/office/drawing/2014/main" id="{74FEDBCA-6800-484E-ACE7-B0A9842709D5}"/>
+              </a:ext>
+            </a:extLst>
+          </p:cNvPr>
+          <p:cNvCxnSpPr/>
+          <p:nvPr/>
+        </p:nvCxnSpPr>
+        <p:spPr>
+          <a:xfrm flipH="1">
+            <a:off x="8098971" y="2601323"/>
+            <a:ext cx="217715" cy="271780"/>
+          </a:xfrm>
+          <a:prstGeom prst="straightConnector1">
+            <a:avLst/>
+          </a:prstGeom>
+          <a:ln w="19050">
+            <a:tailEnd type="triangle"/>
+          </a:ln>
+        </p:spPr>
+        <p:style>
+          <a:lnRef idx="1">
+            <a:schemeClr val="accent1"/>
+          </a:lnRef>
+          <a:fillRef idx="0">
+            <a:schemeClr val="accent1"/>
+          </a:fillRef>
+          <a:effectRef idx="0">
+            <a:schemeClr val="accent1"/>
+          </a:effectRef>
+          <a:fontRef idx="minor">
+            <a:schemeClr val="tx1"/>
+          </a:fontRef>
+        </p:style>
+      </p:cxnSp>
+      <p:sp>
+        <p:nvSpPr>
+          <p:cNvPr id="20" name="TextBox 19">
+            <a:extLst>
+              <a:ext uri="{FF2B5EF4-FFF2-40B4-BE49-F238E27FC236}">
+                <a16:creationId xmlns:a16="http://schemas.microsoft.com/office/drawing/2014/main" id="{8818F437-C96C-5F4D-B701-83ED15E4D341}"/>
+              </a:ext>
+            </a:extLst>
+          </p:cNvPr>
+          <p:cNvSpPr txBox="1"/>
+          <p:nvPr/>
+        </p:nvSpPr>
+        <p:spPr>
+          <a:xfrm>
+            <a:off x="9795919" y="2180590"/>
+            <a:ext cx="404199" cy="370840"/>
+          </a:xfrm>
+          <a:prstGeom prst="rect">
+            <a:avLst/>
+          </a:prstGeom>
+          <a:noFill/>
+        </p:spPr>
+        <p:txBody>
+          <a:bodyPr wrap="square" rtlCol="0" anchor="ctr" anchorCtr="0">
+            <a:spAutoFit/>
+          </a:bodyPr>
+          <a:lstStyle/>
+          <a:p>
+            <a:pPr algn="ctr"/>
+            <a:r>
+              <a:rPr lang="en-RU" dirty="0"/>
+              <a:t>...</a:t>
+            </a:r>
+          </a:p>
+        </p:txBody>
+      </p:sp>
+      <p:graphicFrame>
+        <p:nvGraphicFramePr>
+          <p:cNvPr id="21" name="Table 10">
+            <a:extLst>
+              <a:ext uri="{FF2B5EF4-FFF2-40B4-BE49-F238E27FC236}">
+                <a16:creationId xmlns:a16="http://schemas.microsoft.com/office/drawing/2014/main" id="{B34CC581-4682-B149-9739-B263FE7B3299}"/>
+              </a:ext>
+            </a:extLst>
+          </p:cNvPr>
+          <p:cNvGraphicFramePr>
+            <a:graphicFrameLocks noGrp="1"/>
+          </p:cNvGraphicFramePr>
+          <p:nvPr/>
+        </p:nvGraphicFramePr>
+        <p:xfrm>
+          <a:off x="7630887" y="1496514"/>
+          <a:ext cx="839424" cy="370840"/>
+        </p:xfrm>
+        <a:graphic>
+          <a:graphicData uri="http://schemas.openxmlformats.org/drawingml/2006/table">
+            <a:tbl>
+              <a:tblPr firstRow="1" bandRow="1">
+                <a:tableStyleId>{5C22544A-7EE6-4342-B048-85BDC9FD1C3A}</a:tableStyleId>
+              </a:tblPr>
+              <a:tblGrid>
+                <a:gridCol w="279808">
+                  <a:extLst>
+                    <a:ext uri="{9D8B030D-6E8A-4147-A177-3AD203B41FA5}">
+                      <a16:colId xmlns:a16="http://schemas.microsoft.com/office/drawing/2014/main" val="2449433316"/>
+                    </a:ext>
+                  </a:extLst>
+                </a:gridCol>
+                <a:gridCol w="279808">
+                  <a:extLst>
+                    <a:ext uri="{9D8B030D-6E8A-4147-A177-3AD203B41FA5}">
+                      <a16:colId xmlns:a16="http://schemas.microsoft.com/office/drawing/2014/main" val="3672236743"/>
+                    </a:ext>
+                  </a:extLst>
+                </a:gridCol>
+                <a:gridCol w="279808">
+                  <a:extLst>
+                    <a:ext uri="{9D8B030D-6E8A-4147-A177-3AD203B41FA5}">
+                      <a16:colId xmlns:a16="http://schemas.microsoft.com/office/drawing/2014/main" val="399996921"/>
+                    </a:ext>
+                  </a:extLst>
+                </a:gridCol>
+              </a:tblGrid>
+              <a:tr h="370840">
+                <a:tc>
+                  <a:txBody>
+                    <a:bodyPr/>
+                    <a:lstStyle/>
+                    <a:p>
+                      <a:endParaRPr lang="en-RU"/>
+                    </a:p>
+                  </a:txBody>
+                  <a:tcPr/>
+                </a:tc>
+                <a:tc>
+                  <a:txBody>
+                    <a:bodyPr/>
+                    <a:lstStyle/>
+                    <a:p>
+                      <a:endParaRPr lang="en-RU"/>
+                    </a:p>
+                  </a:txBody>
+                  <a:tcPr/>
+                </a:tc>
+                <a:tc>
+                  <a:txBody>
+                    <a:bodyPr/>
+                    <a:lstStyle/>
+                    <a:p>
+                      <a:endParaRPr lang="en-RU" dirty="0"/>
+                    </a:p>
+                  </a:txBody>
+                  <a:tcPr/>
+                </a:tc>
+                <a:extLst>
+                  <a:ext uri="{0D108BD9-81ED-4DB2-BD59-A6C34878D82A}">
+                    <a16:rowId xmlns:a16="http://schemas.microsoft.com/office/drawing/2014/main" val="650745626"/>
+                  </a:ext>
+                </a:extLst>
+              </a:tr>
+            </a:tbl>
+          </a:graphicData>
+        </a:graphic>
+      </p:graphicFrame>
+      <p:cxnSp>
+        <p:nvCxnSpPr>
+          <p:cNvPr id="23" name="Straight Arrow Connector 22">
+            <a:extLst>
+              <a:ext uri="{FF2B5EF4-FFF2-40B4-BE49-F238E27FC236}">
+                <a16:creationId xmlns:a16="http://schemas.microsoft.com/office/drawing/2014/main" id="{8CD4F436-9D63-A942-93BC-B0AB023B2B5B}"/>
+              </a:ext>
+            </a:extLst>
+          </p:cNvPr>
+          <p:cNvCxnSpPr/>
+          <p:nvPr/>
+        </p:nvCxnSpPr>
+        <p:spPr>
+          <a:xfrm flipH="1">
+            <a:off x="6791463" y="1856014"/>
+            <a:ext cx="839424" cy="374469"/>
+          </a:xfrm>
+          <a:prstGeom prst="straightConnector1">
+            <a:avLst/>
+          </a:prstGeom>
+          <a:ln w="19050">
+            <a:tailEnd type="triangle"/>
+          </a:ln>
+        </p:spPr>
+        <p:style>
+          <a:lnRef idx="1">
+            <a:schemeClr val="accent1"/>
+          </a:lnRef>
+          <a:fillRef idx="0">
+            <a:schemeClr val="accent1"/>
+          </a:fillRef>
+          <a:effectRef idx="0">
+            <a:schemeClr val="accent1"/>
+          </a:effectRef>
+          <a:fontRef idx="minor">
+            <a:schemeClr val="tx1"/>
+          </a:fontRef>
+        </p:style>
+      </p:cxnSp>
+      <p:cxnSp>
+        <p:nvCxnSpPr>
+          <p:cNvPr id="25" name="Straight Arrow Connector 24">
+            <a:extLst>
+              <a:ext uri="{FF2B5EF4-FFF2-40B4-BE49-F238E27FC236}">
+                <a16:creationId xmlns:a16="http://schemas.microsoft.com/office/drawing/2014/main" id="{584A02B3-F8E9-6648-A118-97E9370E90A9}"/>
+              </a:ext>
+            </a:extLst>
+          </p:cNvPr>
+          <p:cNvCxnSpPr>
+            <a:cxnSpLocks/>
+          </p:cNvCxnSpPr>
+          <p:nvPr/>
+        </p:nvCxnSpPr>
+        <p:spPr>
+          <a:xfrm>
+            <a:off x="7855268" y="1856014"/>
+            <a:ext cx="438423" cy="372655"/>
+          </a:xfrm>
+          <a:prstGeom prst="straightConnector1">
+            <a:avLst/>
+          </a:prstGeom>
+          <a:ln w="19050">
+            <a:tailEnd type="triangle"/>
+          </a:ln>
+        </p:spPr>
+        <p:style>
+          <a:lnRef idx="1">
+            <a:schemeClr val="accent1"/>
+          </a:lnRef>
+          <a:fillRef idx="0">
+            <a:schemeClr val="accent1"/>
+          </a:fillRef>
+          <a:effectRef idx="0">
+            <a:schemeClr val="accent1"/>
+          </a:effectRef>
+          <a:fontRef idx="minor">
+            <a:schemeClr val="tx1"/>
+          </a:fontRef>
+        </p:style>
+      </p:cxnSp>
+      <p:graphicFrame>
+        <p:nvGraphicFramePr>
+          <p:cNvPr id="26" name="Table 10">
+            <a:extLst>
+              <a:ext uri="{FF2B5EF4-FFF2-40B4-BE49-F238E27FC236}">
+                <a16:creationId xmlns:a16="http://schemas.microsoft.com/office/drawing/2014/main" id="{A58DB26E-F020-1641-B364-7515120E683F}"/>
+              </a:ext>
+            </a:extLst>
+          </p:cNvPr>
+          <p:cNvGraphicFramePr>
+            <a:graphicFrameLocks noGrp="1"/>
+          </p:cNvGraphicFramePr>
+          <p:nvPr/>
+        </p:nvGraphicFramePr>
+        <p:xfrm>
+          <a:off x="9376207" y="884102"/>
+          <a:ext cx="839424" cy="370840"/>
+        </p:xfrm>
+        <a:graphic>
+          <a:graphicData uri="http://schemas.openxmlformats.org/drawingml/2006/table">
+            <a:tbl>
+              <a:tblPr firstRow="1" bandRow="1">
+                <a:tableStyleId>{5C22544A-7EE6-4342-B048-85BDC9FD1C3A}</a:tableStyleId>
+              </a:tblPr>
+              <a:tblGrid>
+                <a:gridCol w="839424">
+                  <a:extLst>
+                    <a:ext uri="{9D8B030D-6E8A-4147-A177-3AD203B41FA5}">
+                      <a16:colId xmlns:a16="http://schemas.microsoft.com/office/drawing/2014/main" val="2449433316"/>
+                    </a:ext>
+                  </a:extLst>
+                </a:gridCol>
+              </a:tblGrid>
+              <a:tr h="370840">
+                <a:tc>
+                  <a:txBody>
+                    <a:bodyPr/>
+                    <a:lstStyle/>
+                    <a:p>
+                      <a:pPr algn="ctr"/>
+                      <a:r>
+                        <a:rPr lang="en-RU" dirty="0"/>
+                        <a:t>root</a:t>
+                      </a:r>
+                    </a:p>
+                  </a:txBody>
+                  <a:tcPr/>
+                </a:tc>
+                <a:extLst>
+                  <a:ext uri="{0D108BD9-81ED-4DB2-BD59-A6C34878D82A}">
+                    <a16:rowId xmlns:a16="http://schemas.microsoft.com/office/drawing/2014/main" val="650745626"/>
+                  </a:ext>
+                </a:extLst>
+              </a:tr>
+            </a:tbl>
+          </a:graphicData>
+        </a:graphic>
+      </p:graphicFrame>
+      <p:cxnSp>
+        <p:nvCxnSpPr>
+          <p:cNvPr id="28" name="Straight Arrow Connector 27">
+            <a:extLst>
+              <a:ext uri="{FF2B5EF4-FFF2-40B4-BE49-F238E27FC236}">
+                <a16:creationId xmlns:a16="http://schemas.microsoft.com/office/drawing/2014/main" id="{8B214858-FC47-2749-8304-EDB797AAD2AE}"/>
+              </a:ext>
+            </a:extLst>
+          </p:cNvPr>
+          <p:cNvCxnSpPr/>
+          <p:nvPr/>
+        </p:nvCxnSpPr>
+        <p:spPr>
+          <a:xfrm flipH="1">
+            <a:off x="7630887" y="1254942"/>
+            <a:ext cx="1745320" cy="203744"/>
+          </a:xfrm>
+          <a:prstGeom prst="straightConnector1">
+            <a:avLst/>
+          </a:prstGeom>
+          <a:ln w="19050">
+            <a:tailEnd type="triangle"/>
+          </a:ln>
+        </p:spPr>
+        <p:style>
+          <a:lnRef idx="1">
+            <a:schemeClr val="accent1"/>
+          </a:lnRef>
+          <a:fillRef idx="0">
+            <a:schemeClr val="accent1"/>
+          </a:fillRef>
+          <a:effectRef idx="0">
+            <a:schemeClr val="accent1"/>
+          </a:effectRef>
+          <a:fontRef idx="minor">
+            <a:schemeClr val="tx1"/>
+          </a:fontRef>
+        </p:style>
+      </p:cxnSp>
+    </p:spTree>
+    <p:extLst>
+      <p:ext uri="{BB962C8B-B14F-4D97-AF65-F5344CB8AC3E}">
+        <p14:creationId xmlns:p14="http://schemas.microsoft.com/office/powerpoint/2010/main" val="1825170043"/>
+      </p:ext>
+    </p:extLst>
+  </p:cSld>
+  <p:clrMapOvr>
+    <a:masterClrMapping/>
+  </p:clrMapOvr>
+</p:sld>
+</file>
+
+<file path=ppt/slides/slide2.xml><?xml version="1.0" encoding="utf-8"?>
+<p:sld xmlns:a="http://schemas.openxmlformats.org/drawingml/2006/main" xmlns:r="http://schemas.openxmlformats.org/officeDocument/2006/relationships" xmlns:p="http://schemas.openxmlformats.org/presentationml/2006/main">
+  <p:cSld>
+    <p:spTree>
+      <p:nvGrpSpPr>
+        <p:cNvPr id="1" name=""/>
+        <p:cNvGrpSpPr/>
+        <p:nvPr/>
+      </p:nvGrpSpPr>
+      <p:grpSpPr>
+        <a:xfrm>
+          <a:off x="0" y="0"/>
+          <a:ext cx="0" cy="0"/>
+          <a:chOff x="0" y="0"/>
+          <a:chExt cx="0" cy="0"/>
+        </a:xfrm>
+      </p:grpSpPr>
+      <p:graphicFrame>
+        <p:nvGraphicFramePr>
+          <p:cNvPr id="5" name="Table 4"/>
+          <p:cNvGraphicFramePr>
+            <a:graphicFrameLocks noGrp="1"/>
+          </p:cNvGraphicFramePr>
+          <p:nvPr>
+            <p:extLst>
+              <p:ext uri="{D42A27DB-BD31-4B8C-83A1-F6EECF244321}">
+                <p14:modId xmlns:p14="http://schemas.microsoft.com/office/powerpoint/2010/main" val="2281224332"/>
+              </p:ext>
+            </p:extLst>
+          </p:nvPr>
+        </p:nvGraphicFramePr>
+        <p:xfrm>
+          <a:off x="0" y="1"/>
+          <a:ext cx="12192000" cy="365760"/>
+        </p:xfrm>
+        <a:graphic>
+          <a:graphicData uri="http://schemas.openxmlformats.org/drawingml/2006/table">
+            <a:tbl>
+              <a:tblPr firstRow="1" bandRow="1">
+                <a:tableStyleId>{5C22544A-7EE6-4342-B048-85BDC9FD1C3A}</a:tableStyleId>
+              </a:tblPr>
+              <a:tblGrid>
+                <a:gridCol w="12192000">
+                  <a:extLst>
+                    <a:ext uri="{9D8B030D-6E8A-4147-A177-3AD203B41FA5}">
+                      <a16:colId xmlns:a16="http://schemas.microsoft.com/office/drawing/2014/main" val="20000"/>
+                    </a:ext>
+                  </a:extLst>
+                </a:gridCol>
+              </a:tblGrid>
+              <a:tr h="321276">
+                <a:tc>
+                  <a:txBody>
+                    <a:bodyPr/>
+                    <a:lstStyle/>
+                    <a:p>
+                      <a:r>
+                        <a:rPr lang="ru-RU" dirty="0"/>
+                        <a:t>Основы</a:t>
+                      </a:r>
+                      <a:r>
+                        <a:rPr lang="ru-RU" baseline="0" dirty="0"/>
+                        <a:t> построения файловых систем</a:t>
+                      </a:r>
+                      <a:endParaRPr lang="ru-RU" dirty="0"/>
+                    </a:p>
+                  </a:txBody>
+                  <a:tcPr/>
+                </a:tc>
+                <a:extLst>
+                  <a:ext uri="{0D108BD9-81ED-4DB2-BD59-A6C34878D82A}">
+                    <a16:rowId xmlns:a16="http://schemas.microsoft.com/office/drawing/2014/main" val="10000"/>
+                  </a:ext>
+                </a:extLst>
+              </a:tr>
+            </a:tbl>
+          </a:graphicData>
+        </a:graphic>
+      </p:graphicFrame>
+      <p:graphicFrame>
+        <p:nvGraphicFramePr>
+          <p:cNvPr id="6" name="Table 5"/>
+          <p:cNvGraphicFramePr>
+            <a:graphicFrameLocks noGrp="1"/>
+          </p:cNvGraphicFramePr>
+          <p:nvPr>
+            <p:extLst>
+              <p:ext uri="{D42A27DB-BD31-4B8C-83A1-F6EECF244321}">
+                <p14:modId xmlns:p14="http://schemas.microsoft.com/office/powerpoint/2010/main" val="2704145396"/>
+              </p:ext>
+            </p:extLst>
+          </p:nvPr>
+        </p:nvGraphicFramePr>
+        <p:xfrm>
+          <a:off x="0" y="6532604"/>
+          <a:ext cx="12192000" cy="365760"/>
+        </p:xfrm>
+        <a:graphic>
+          <a:graphicData uri="http://schemas.openxmlformats.org/drawingml/2006/table">
+            <a:tbl>
+              <a:tblPr firstRow="1" bandRow="1">
+                <a:tableStyleId>{5C22544A-7EE6-4342-B048-85BDC9FD1C3A}</a:tableStyleId>
+              </a:tblPr>
+              <a:tblGrid>
+                <a:gridCol w="12192000">
+                  <a:extLst>
+                    <a:ext uri="{9D8B030D-6E8A-4147-A177-3AD203B41FA5}">
+                      <a16:colId xmlns:a16="http://schemas.microsoft.com/office/drawing/2014/main" val="20000"/>
+                    </a:ext>
+                  </a:extLst>
+                </a:gridCol>
+              </a:tblGrid>
+              <a:tr h="308094">
+                <a:tc>
+                  <a:txBody>
+                    <a:bodyPr/>
+                    <a:lstStyle/>
+                    <a:p>
+                      <a:endParaRPr lang="ru-RU" dirty="0"/>
+                    </a:p>
+                  </a:txBody>
+                  <a:tcPr/>
+                </a:tc>
+                <a:extLst>
+                  <a:ext uri="{0D108BD9-81ED-4DB2-BD59-A6C34878D82A}">
+                    <a16:rowId xmlns:a16="http://schemas.microsoft.com/office/drawing/2014/main" val="10000"/>
+                  </a:ext>
+                </a:extLst>
+              </a:tr>
+            </a:tbl>
+          </a:graphicData>
+        </a:graphic>
+      </p:graphicFrame>
+      <p:graphicFrame>
+        <p:nvGraphicFramePr>
+          <p:cNvPr id="4" name="Table 3"/>
+          <p:cNvGraphicFramePr>
+            <a:graphicFrameLocks noGrp="1"/>
+          </p:cNvGraphicFramePr>
+          <p:nvPr>
+            <p:extLst>
+              <p:ext uri="{D42A27DB-BD31-4B8C-83A1-F6EECF244321}">
+                <p14:modId xmlns:p14="http://schemas.microsoft.com/office/powerpoint/2010/main" val="1062775375"/>
+              </p:ext>
+            </p:extLst>
+          </p:nvPr>
+        </p:nvGraphicFramePr>
+        <p:xfrm>
+          <a:off x="1025611" y="929914"/>
+          <a:ext cx="10140778" cy="1066800"/>
+        </p:xfrm>
+        <a:graphic>
+          <a:graphicData uri="http://schemas.openxmlformats.org/drawingml/2006/table">
+            <a:tbl>
+              <a:tblPr firstRow="1" bandRow="1">
+                <a:tableStyleId>{2D5ABB26-0587-4C30-8999-92F81FD0307C}</a:tableStyleId>
+              </a:tblPr>
+              <a:tblGrid>
+                <a:gridCol w="10140778">
+                  <a:extLst>
+                    <a:ext uri="{9D8B030D-6E8A-4147-A177-3AD203B41FA5}">
+                      <a16:colId xmlns:a16="http://schemas.microsoft.com/office/drawing/2014/main" val="20000"/>
+                    </a:ext>
+                  </a:extLst>
+                </a:gridCol>
+              </a:tblGrid>
+              <a:tr h="370840">
+                <a:tc>
+                  <a:txBody>
+                    <a:bodyPr/>
+                    <a:lstStyle/>
+                    <a:p>
+                      <a:r>
+                        <a:rPr lang="ru-RU" sz="3200" dirty="0"/>
+                        <a:t>Сегодня мы рассмотрим задачу эффективного</a:t>
+                      </a:r>
+                      <a:br>
+                        <a:rPr lang="ru-RU" sz="3200" dirty="0"/>
+                      </a:br>
+                      <a:r>
+                        <a:rPr lang="ru-RU" sz="3200" dirty="0"/>
+                        <a:t>хранения</a:t>
+                      </a:r>
+                      <a:r>
+                        <a:rPr lang="ru-RU" sz="3200" baseline="0" dirty="0"/>
+                        <a:t> списков файлов и экстентов</a:t>
+                      </a:r>
+                      <a:endParaRPr lang="ru-RU" sz="3200" dirty="0"/>
+                    </a:p>
+                  </a:txBody>
+                  <a:tcPr/>
+                </a:tc>
+                <a:extLst>
+                  <a:ext uri="{0D108BD9-81ED-4DB2-BD59-A6C34878D82A}">
+                    <a16:rowId xmlns:a16="http://schemas.microsoft.com/office/drawing/2014/main" val="10000"/>
+                  </a:ext>
+                </a:extLst>
+              </a:tr>
+            </a:tbl>
+          </a:graphicData>
+        </a:graphic>
+      </p:graphicFrame>
+    </p:spTree>
+    <p:extLst>
+      <p:ext uri="{BB962C8B-B14F-4D97-AF65-F5344CB8AC3E}">
+        <p14:creationId xmlns:p14="http://schemas.microsoft.com/office/powerpoint/2010/main" val="564634316"/>
+      </p:ext>
+    </p:extLst>
+  </p:cSld>
+  <p:clrMapOvr>
+    <a:masterClrMapping/>
+  </p:clrMapOvr>
+</p:sld>
+</file>
+
+<file path=ppt/slides/slide20.xml><?xml version="1.0" encoding="utf-8"?>
+<p:sld xmlns:a="http://schemas.openxmlformats.org/drawingml/2006/main" xmlns:r="http://schemas.openxmlformats.org/officeDocument/2006/relationships" xmlns:p="http://schemas.openxmlformats.org/presentationml/2006/main">
+  <p:cSld>
+    <p:spTree>
+      <p:nvGrpSpPr>
+        <p:cNvPr id="1" name=""/>
+        <p:cNvGrpSpPr/>
+        <p:nvPr/>
+      </p:nvGrpSpPr>
+      <p:grpSpPr>
+        <a:xfrm>
+          <a:off x="0" y="0"/>
+          <a:ext cx="0" cy="0"/>
+          <a:chOff x="0" y="0"/>
+          <a:chExt cx="0" cy="0"/>
+        </a:xfrm>
+      </p:grpSpPr>
+      <p:graphicFrame>
+        <p:nvGraphicFramePr>
+          <p:cNvPr id="5" name="Table 4"/>
+          <p:cNvGraphicFramePr>
+            <a:graphicFrameLocks noGrp="1"/>
+          </p:cNvGraphicFramePr>
+          <p:nvPr>
+            <p:extLst>
+              <p:ext uri="{D42A27DB-BD31-4B8C-83A1-F6EECF244321}">
+                <p14:modId xmlns:p14="http://schemas.microsoft.com/office/powerpoint/2010/main" val="2281224332"/>
+              </p:ext>
+            </p:extLst>
+          </p:nvPr>
+        </p:nvGraphicFramePr>
+        <p:xfrm>
+          <a:off x="0" y="1"/>
+          <a:ext cx="12192000" cy="365760"/>
+        </p:xfrm>
+        <a:graphic>
+          <a:graphicData uri="http://schemas.openxmlformats.org/drawingml/2006/table">
+            <a:tbl>
+              <a:tblPr firstRow="1" bandRow="1">
+                <a:tableStyleId>{5C22544A-7EE6-4342-B048-85BDC9FD1C3A}</a:tableStyleId>
+              </a:tblPr>
+              <a:tblGrid>
+                <a:gridCol w="12192000">
+                  <a:extLst>
+                    <a:ext uri="{9D8B030D-6E8A-4147-A177-3AD203B41FA5}">
+                      <a16:colId xmlns:a16="http://schemas.microsoft.com/office/drawing/2014/main" val="20000"/>
+                    </a:ext>
+                  </a:extLst>
+                </a:gridCol>
+              </a:tblGrid>
+              <a:tr h="321276">
+                <a:tc>
+                  <a:txBody>
+                    <a:bodyPr/>
+                    <a:lstStyle/>
+                    <a:p>
+                      <a:r>
+                        <a:rPr lang="ru-RU" dirty="0"/>
+                        <a:t>Основы</a:t>
+                      </a:r>
+                      <a:r>
+                        <a:rPr lang="ru-RU" baseline="0" dirty="0"/>
+                        <a:t> построения файловых систем</a:t>
+                      </a:r>
+                      <a:endParaRPr lang="ru-RU" dirty="0"/>
+                    </a:p>
+                  </a:txBody>
+                  <a:tcPr/>
+                </a:tc>
+                <a:extLst>
+                  <a:ext uri="{0D108BD9-81ED-4DB2-BD59-A6C34878D82A}">
+                    <a16:rowId xmlns:a16="http://schemas.microsoft.com/office/drawing/2014/main" val="10000"/>
+                  </a:ext>
+                </a:extLst>
+              </a:tr>
+            </a:tbl>
+          </a:graphicData>
+        </a:graphic>
+      </p:graphicFrame>
+      <p:graphicFrame>
+        <p:nvGraphicFramePr>
+          <p:cNvPr id="6" name="Table 5"/>
+          <p:cNvGraphicFramePr>
+            <a:graphicFrameLocks noGrp="1"/>
+          </p:cNvGraphicFramePr>
+          <p:nvPr>
+            <p:extLst>
+              <p:ext uri="{D42A27DB-BD31-4B8C-83A1-F6EECF244321}">
+                <p14:modId xmlns:p14="http://schemas.microsoft.com/office/powerpoint/2010/main" val="2626069006"/>
+              </p:ext>
+            </p:extLst>
+          </p:nvPr>
+        </p:nvGraphicFramePr>
+        <p:xfrm>
+          <a:off x="0" y="6532604"/>
+          <a:ext cx="12192000" cy="365760"/>
+        </p:xfrm>
+        <a:graphic>
+          <a:graphicData uri="http://schemas.openxmlformats.org/drawingml/2006/table">
+            <a:tbl>
+              <a:tblPr firstRow="1" bandRow="1">
+                <a:tableStyleId>{5C22544A-7EE6-4342-B048-85BDC9FD1C3A}</a:tableStyleId>
+              </a:tblPr>
+              <a:tblGrid>
+                <a:gridCol w="12192000">
+                  <a:extLst>
+                    <a:ext uri="{9D8B030D-6E8A-4147-A177-3AD203B41FA5}">
+                      <a16:colId xmlns:a16="http://schemas.microsoft.com/office/drawing/2014/main" val="20000"/>
+                    </a:ext>
+                  </a:extLst>
+                </a:gridCol>
+              </a:tblGrid>
+              <a:tr h="308094">
+                <a:tc>
+                  <a:txBody>
+                    <a:bodyPr/>
+                    <a:lstStyle/>
+                    <a:p>
+                      <a:endParaRPr lang="ru-RU" dirty="0"/>
                     </a:p>
                   </a:txBody>
                   <a:tcPr/>
@@ -20278,7 +25084,7 @@
 </p:sld>
 </file>
 
-<file path=ppt/slides/slide17.xml><?xml version="1.0" encoding="utf-8"?>
+<file path=ppt/slides/slide21.xml><?xml version="1.0" encoding="utf-8"?>
 <p:sld xmlns:a="http://schemas.openxmlformats.org/drawingml/2006/main" xmlns:r="http://schemas.openxmlformats.org/officeDocument/2006/relationships" xmlns:p="http://schemas.openxmlformats.org/presentationml/2006/main">
   <p:cSld>
     <p:spTree>
@@ -20366,7 +25172,7 @@
           <p:nvPr>
             <p:extLst>
               <p:ext uri="{D42A27DB-BD31-4B8C-83A1-F6EECF244321}">
-                <p14:modId xmlns:p14="http://schemas.microsoft.com/office/powerpoint/2010/main" val="4164474727"/>
+                <p14:modId xmlns:p14="http://schemas.microsoft.com/office/powerpoint/2010/main" val="1425643232"/>
               </p:ext>
             </p:extLst>
           </p:nvPr>
@@ -20396,14 +25202,7 @@
                     <a:bodyPr/>
                     <a:lstStyle/>
                     <a:p>
-                      <a:r>
-                        <a:rPr lang="en-US" dirty="0"/>
-                        <a:t>Acronis @ </a:t>
-                      </a:r>
-                      <a:r>
-                        <a:rPr lang="ru-RU" dirty="0"/>
-                        <a:t>МФТИ</a:t>
-                      </a:r>
+                      <a:endParaRPr lang="ru-RU" dirty="0"/>
                     </a:p>
                   </a:txBody>
                   <a:tcPr/>
@@ -20875,7 +25674,7 @@
 </p:sld>
 </file>
 
-<file path=ppt/slides/slide18.xml><?xml version="1.0" encoding="utf-8"?>
+<file path=ppt/slides/slide22.xml><?xml version="1.0" encoding="utf-8"?>
 <p:sld xmlns:a="http://schemas.openxmlformats.org/drawingml/2006/main" xmlns:r="http://schemas.openxmlformats.org/officeDocument/2006/relationships" xmlns:p="http://schemas.openxmlformats.org/presentationml/2006/main">
   <p:cSld>
     <p:spTree>
@@ -20963,7 +25762,7 @@
           <p:nvPr>
             <p:extLst>
               <p:ext uri="{D42A27DB-BD31-4B8C-83A1-F6EECF244321}">
-                <p14:modId xmlns:p14="http://schemas.microsoft.com/office/powerpoint/2010/main" val="4164474727"/>
+                <p14:modId xmlns:p14="http://schemas.microsoft.com/office/powerpoint/2010/main" val="3891873082"/>
               </p:ext>
             </p:extLst>
           </p:nvPr>
@@ -20993,14 +25792,7 @@
                     <a:bodyPr/>
                     <a:lstStyle/>
                     <a:p>
-                      <a:r>
-                        <a:rPr lang="en-US" dirty="0"/>
-                        <a:t>Acronis @ </a:t>
-                      </a:r>
-                      <a:r>
-                        <a:rPr lang="ru-RU" dirty="0"/>
-                        <a:t>МФТИ</a:t>
-                      </a:r>
+                      <a:endParaRPr lang="ru-RU" dirty="0"/>
                     </a:p>
                   </a:txBody>
                   <a:tcPr/>
@@ -21497,7 +26289,7 @@
 </p:sld>
 </file>
 
-<file path=ppt/slides/slide19.xml><?xml version="1.0" encoding="utf-8"?>
+<file path=ppt/slides/slide23.xml><?xml version="1.0" encoding="utf-8"?>
 <p:sld xmlns:a="http://schemas.openxmlformats.org/drawingml/2006/main" xmlns:r="http://schemas.openxmlformats.org/officeDocument/2006/relationships" xmlns:p="http://schemas.openxmlformats.org/presentationml/2006/main">
   <p:cSld>
     <p:spTree>
@@ -21585,7 +26377,7 @@
           <p:nvPr>
             <p:extLst>
               <p:ext uri="{D42A27DB-BD31-4B8C-83A1-F6EECF244321}">
-                <p14:modId xmlns:p14="http://schemas.microsoft.com/office/powerpoint/2010/main" val="4164474727"/>
+                <p14:modId xmlns:p14="http://schemas.microsoft.com/office/powerpoint/2010/main" val="1064276192"/>
               </p:ext>
             </p:extLst>
           </p:nvPr>
@@ -21615,14 +26407,7 @@
                     <a:bodyPr/>
                     <a:lstStyle/>
                     <a:p>
-                      <a:r>
-                        <a:rPr lang="en-US" dirty="0"/>
-                        <a:t>Acronis @ </a:t>
-                      </a:r>
-                      <a:r>
-                        <a:rPr lang="ru-RU" dirty="0"/>
-                        <a:t>МФТИ</a:t>
-                      </a:r>
+                      <a:endParaRPr lang="ru-RU" dirty="0"/>
                     </a:p>
                   </a:txBody>
                   <a:tcPr/>
@@ -21836,7 +26621,7 @@
 </p:sld>
 </file>
 
-<file path=ppt/slides/slide2.xml><?xml version="1.0" encoding="utf-8"?>
+<file path=ppt/slides/slide24.xml><?xml version="1.0" encoding="utf-8"?>
 <p:sld xmlns:a="http://schemas.openxmlformats.org/drawingml/2006/main" xmlns:r="http://schemas.openxmlformats.org/officeDocument/2006/relationships" xmlns:p="http://schemas.openxmlformats.org/presentationml/2006/main">
   <p:cSld>
     <p:spTree>
@@ -21924,7 +26709,7 @@
           <p:nvPr>
             <p:extLst>
               <p:ext uri="{D42A27DB-BD31-4B8C-83A1-F6EECF244321}">
-                <p14:modId xmlns:p14="http://schemas.microsoft.com/office/powerpoint/2010/main" val="4164474727"/>
+                <p14:modId xmlns:p14="http://schemas.microsoft.com/office/powerpoint/2010/main" val="2162464284"/>
               </p:ext>
             </p:extLst>
           </p:nvPr>
@@ -21954,236 +26739,7 @@
                     <a:bodyPr/>
                     <a:lstStyle/>
                     <a:p>
-                      <a:r>
-                        <a:rPr lang="en-US" dirty="0"/>
-                        <a:t>Acronis @ </a:t>
-                      </a:r>
-                      <a:r>
-                        <a:rPr lang="ru-RU" dirty="0"/>
-                        <a:t>МФТИ</a:t>
-                      </a:r>
-                    </a:p>
-                  </a:txBody>
-                  <a:tcPr/>
-                </a:tc>
-                <a:extLst>
-                  <a:ext uri="{0D108BD9-81ED-4DB2-BD59-A6C34878D82A}">
-                    <a16:rowId xmlns:a16="http://schemas.microsoft.com/office/drawing/2014/main" val="10000"/>
-                  </a:ext>
-                </a:extLst>
-              </a:tr>
-            </a:tbl>
-          </a:graphicData>
-        </a:graphic>
-      </p:graphicFrame>
-      <p:graphicFrame>
-        <p:nvGraphicFramePr>
-          <p:cNvPr id="4" name="Table 3"/>
-          <p:cNvGraphicFramePr>
-            <a:graphicFrameLocks noGrp="1"/>
-          </p:cNvGraphicFramePr>
-          <p:nvPr>
-            <p:extLst>
-              <p:ext uri="{D42A27DB-BD31-4B8C-83A1-F6EECF244321}">
-                <p14:modId xmlns:p14="http://schemas.microsoft.com/office/powerpoint/2010/main" val="1062775375"/>
-              </p:ext>
-            </p:extLst>
-          </p:nvPr>
-        </p:nvGraphicFramePr>
-        <p:xfrm>
-          <a:off x="1025611" y="929914"/>
-          <a:ext cx="10140778" cy="1066800"/>
-        </p:xfrm>
-        <a:graphic>
-          <a:graphicData uri="http://schemas.openxmlformats.org/drawingml/2006/table">
-            <a:tbl>
-              <a:tblPr firstRow="1" bandRow="1">
-                <a:tableStyleId>{2D5ABB26-0587-4C30-8999-92F81FD0307C}</a:tableStyleId>
-              </a:tblPr>
-              <a:tblGrid>
-                <a:gridCol w="10140778">
-                  <a:extLst>
-                    <a:ext uri="{9D8B030D-6E8A-4147-A177-3AD203B41FA5}">
-                      <a16:colId xmlns:a16="http://schemas.microsoft.com/office/drawing/2014/main" val="20000"/>
-                    </a:ext>
-                  </a:extLst>
-                </a:gridCol>
-              </a:tblGrid>
-              <a:tr h="370840">
-                <a:tc>
-                  <a:txBody>
-                    <a:bodyPr/>
-                    <a:lstStyle/>
-                    <a:p>
-                      <a:r>
-                        <a:rPr lang="ru-RU" sz="3200" dirty="0"/>
-                        <a:t>Сегодня мы рассмотрим задачу эффективного</a:t>
-                      </a:r>
-                      <a:br>
-                        <a:rPr lang="ru-RU" sz="3200" dirty="0"/>
-                      </a:br>
-                      <a:r>
-                        <a:rPr lang="ru-RU" sz="3200" dirty="0"/>
-                        <a:t>хранения</a:t>
-                      </a:r>
-                      <a:r>
-                        <a:rPr lang="ru-RU" sz="3200" baseline="0" dirty="0"/>
-                        <a:t> списков файлов и экстентов</a:t>
-                      </a:r>
-                      <a:endParaRPr lang="ru-RU" sz="3200" dirty="0"/>
-                    </a:p>
-                  </a:txBody>
-                  <a:tcPr/>
-                </a:tc>
-                <a:extLst>
-                  <a:ext uri="{0D108BD9-81ED-4DB2-BD59-A6C34878D82A}">
-                    <a16:rowId xmlns:a16="http://schemas.microsoft.com/office/drawing/2014/main" val="10000"/>
-                  </a:ext>
-                </a:extLst>
-              </a:tr>
-            </a:tbl>
-          </a:graphicData>
-        </a:graphic>
-      </p:graphicFrame>
-    </p:spTree>
-    <p:extLst>
-      <p:ext uri="{BB962C8B-B14F-4D97-AF65-F5344CB8AC3E}">
-        <p14:creationId xmlns:p14="http://schemas.microsoft.com/office/powerpoint/2010/main" val="564634316"/>
-      </p:ext>
-    </p:extLst>
-  </p:cSld>
-  <p:clrMapOvr>
-    <a:masterClrMapping/>
-  </p:clrMapOvr>
-</p:sld>
-</file>
-
-<file path=ppt/slides/slide20.xml><?xml version="1.0" encoding="utf-8"?>
-<p:sld xmlns:a="http://schemas.openxmlformats.org/drawingml/2006/main" xmlns:r="http://schemas.openxmlformats.org/officeDocument/2006/relationships" xmlns:p="http://schemas.openxmlformats.org/presentationml/2006/main">
-  <p:cSld>
-    <p:spTree>
-      <p:nvGrpSpPr>
-        <p:cNvPr id="1" name=""/>
-        <p:cNvGrpSpPr/>
-        <p:nvPr/>
-      </p:nvGrpSpPr>
-      <p:grpSpPr>
-        <a:xfrm>
-          <a:off x="0" y="0"/>
-          <a:ext cx="0" cy="0"/>
-          <a:chOff x="0" y="0"/>
-          <a:chExt cx="0" cy="0"/>
-        </a:xfrm>
-      </p:grpSpPr>
-      <p:graphicFrame>
-        <p:nvGraphicFramePr>
-          <p:cNvPr id="5" name="Table 4"/>
-          <p:cNvGraphicFramePr>
-            <a:graphicFrameLocks noGrp="1"/>
-          </p:cNvGraphicFramePr>
-          <p:nvPr>
-            <p:extLst>
-              <p:ext uri="{D42A27DB-BD31-4B8C-83A1-F6EECF244321}">
-                <p14:modId xmlns:p14="http://schemas.microsoft.com/office/powerpoint/2010/main" val="2281224332"/>
-              </p:ext>
-            </p:extLst>
-          </p:nvPr>
-        </p:nvGraphicFramePr>
-        <p:xfrm>
-          <a:off x="0" y="1"/>
-          <a:ext cx="12192000" cy="365760"/>
-        </p:xfrm>
-        <a:graphic>
-          <a:graphicData uri="http://schemas.openxmlformats.org/drawingml/2006/table">
-            <a:tbl>
-              <a:tblPr firstRow="1" bandRow="1">
-                <a:tableStyleId>{5C22544A-7EE6-4342-B048-85BDC9FD1C3A}</a:tableStyleId>
-              </a:tblPr>
-              <a:tblGrid>
-                <a:gridCol w="12192000">
-                  <a:extLst>
-                    <a:ext uri="{9D8B030D-6E8A-4147-A177-3AD203B41FA5}">
-                      <a16:colId xmlns:a16="http://schemas.microsoft.com/office/drawing/2014/main" val="20000"/>
-                    </a:ext>
-                  </a:extLst>
-                </a:gridCol>
-              </a:tblGrid>
-              <a:tr h="321276">
-                <a:tc>
-                  <a:txBody>
-                    <a:bodyPr/>
-                    <a:lstStyle/>
-                    <a:p>
-                      <a:r>
-                        <a:rPr lang="ru-RU" dirty="0"/>
-                        <a:t>Основы</a:t>
-                      </a:r>
-                      <a:r>
-                        <a:rPr lang="ru-RU" baseline="0" dirty="0"/>
-                        <a:t> построения файловых систем</a:t>
-                      </a:r>
                       <a:endParaRPr lang="ru-RU" dirty="0"/>
-                    </a:p>
-                  </a:txBody>
-                  <a:tcPr/>
-                </a:tc>
-                <a:extLst>
-                  <a:ext uri="{0D108BD9-81ED-4DB2-BD59-A6C34878D82A}">
-                    <a16:rowId xmlns:a16="http://schemas.microsoft.com/office/drawing/2014/main" val="10000"/>
-                  </a:ext>
-                </a:extLst>
-              </a:tr>
-            </a:tbl>
-          </a:graphicData>
-        </a:graphic>
-      </p:graphicFrame>
-      <p:graphicFrame>
-        <p:nvGraphicFramePr>
-          <p:cNvPr id="6" name="Table 5"/>
-          <p:cNvGraphicFramePr>
-            <a:graphicFrameLocks noGrp="1"/>
-          </p:cNvGraphicFramePr>
-          <p:nvPr>
-            <p:extLst>
-              <p:ext uri="{D42A27DB-BD31-4B8C-83A1-F6EECF244321}">
-                <p14:modId xmlns:p14="http://schemas.microsoft.com/office/powerpoint/2010/main" val="4164474727"/>
-              </p:ext>
-            </p:extLst>
-          </p:nvPr>
-        </p:nvGraphicFramePr>
-        <p:xfrm>
-          <a:off x="0" y="6532604"/>
-          <a:ext cx="12192000" cy="365760"/>
-        </p:xfrm>
-        <a:graphic>
-          <a:graphicData uri="http://schemas.openxmlformats.org/drawingml/2006/table">
-            <a:tbl>
-              <a:tblPr firstRow="1" bandRow="1">
-                <a:tableStyleId>{5C22544A-7EE6-4342-B048-85BDC9FD1C3A}</a:tableStyleId>
-              </a:tblPr>
-              <a:tblGrid>
-                <a:gridCol w="12192000">
-                  <a:extLst>
-                    <a:ext uri="{9D8B030D-6E8A-4147-A177-3AD203B41FA5}">
-                      <a16:colId xmlns:a16="http://schemas.microsoft.com/office/drawing/2014/main" val="20000"/>
-                    </a:ext>
-                  </a:extLst>
-                </a:gridCol>
-              </a:tblGrid>
-              <a:tr h="308094">
-                <a:tc>
-                  <a:txBody>
-                    <a:bodyPr/>
-                    <a:lstStyle/>
-                    <a:p>
-                      <a:r>
-                        <a:rPr lang="en-US" dirty="0"/>
-                        <a:t>Acronis @ </a:t>
-                      </a:r>
-                      <a:r>
-                        <a:rPr lang="ru-RU" dirty="0"/>
-                        <a:t>МФТИ</a:t>
-                      </a:r>
                     </a:p>
                   </a:txBody>
                   <a:tcPr/>
@@ -22695,7 +27251,7 @@
 </p:sld>
 </file>
 
-<file path=ppt/slides/slide21.xml><?xml version="1.0" encoding="utf-8"?>
+<file path=ppt/slides/slide25.xml><?xml version="1.0" encoding="utf-8"?>
 <p:sld xmlns:a="http://schemas.openxmlformats.org/drawingml/2006/main" xmlns:r="http://schemas.openxmlformats.org/officeDocument/2006/relationships" xmlns:p="http://schemas.openxmlformats.org/presentationml/2006/main">
   <p:cSld>
     <p:spTree>
@@ -22783,7 +27339,7 @@
           <p:nvPr>
             <p:extLst>
               <p:ext uri="{D42A27DB-BD31-4B8C-83A1-F6EECF244321}">
-                <p14:modId xmlns:p14="http://schemas.microsoft.com/office/powerpoint/2010/main" val="4164474727"/>
+                <p14:modId xmlns:p14="http://schemas.microsoft.com/office/powerpoint/2010/main" val="1386561606"/>
               </p:ext>
             </p:extLst>
           </p:nvPr>
@@ -22813,14 +27369,7 @@
                     <a:bodyPr/>
                     <a:lstStyle/>
                     <a:p>
-                      <a:r>
-                        <a:rPr lang="en-US" dirty="0"/>
-                        <a:t>Acronis @ </a:t>
-                      </a:r>
-                      <a:r>
-                        <a:rPr lang="ru-RU" dirty="0"/>
-                        <a:t>МФТИ</a:t>
-                      </a:r>
+                      <a:endParaRPr lang="ru-RU" dirty="0"/>
                     </a:p>
                   </a:txBody>
                   <a:tcPr/>
@@ -22976,7 +27525,7 @@
 </p:sld>
 </file>
 
-<file path=ppt/slides/slide22.xml><?xml version="1.0" encoding="utf-8"?>
+<file path=ppt/slides/slide26.xml><?xml version="1.0" encoding="utf-8"?>
 <p:sld xmlns:a="http://schemas.openxmlformats.org/drawingml/2006/main" xmlns:r="http://schemas.openxmlformats.org/officeDocument/2006/relationships" xmlns:p="http://schemas.openxmlformats.org/presentationml/2006/main">
   <p:cSld>
     <p:spTree>
@@ -23064,7 +27613,7 @@
           <p:nvPr>
             <p:extLst>
               <p:ext uri="{D42A27DB-BD31-4B8C-83A1-F6EECF244321}">
-                <p14:modId xmlns:p14="http://schemas.microsoft.com/office/powerpoint/2010/main" val="4164474727"/>
+                <p14:modId xmlns:p14="http://schemas.microsoft.com/office/powerpoint/2010/main" val="4268443256"/>
               </p:ext>
             </p:extLst>
           </p:nvPr>
@@ -23094,14 +27643,7 @@
                     <a:bodyPr/>
                     <a:lstStyle/>
                     <a:p>
-                      <a:r>
-                        <a:rPr lang="en-US" dirty="0"/>
-                        <a:t>Acronis @ </a:t>
-                      </a:r>
-                      <a:r>
-                        <a:rPr lang="ru-RU" dirty="0"/>
-                        <a:t>МФТИ</a:t>
-                      </a:r>
+                      <a:endParaRPr lang="ru-RU" dirty="0"/>
                     </a:p>
                   </a:txBody>
                   <a:tcPr/>
@@ -23152,9 +27694,7 @@
           <p:cNvGraphicFramePr>
             <a:graphicFrameLocks noGrp="1"/>
           </p:cNvGraphicFramePr>
-          <p:nvPr>
-            <p:extLst/>
-          </p:nvPr>
+          <p:nvPr/>
         </p:nvGraphicFramePr>
         <p:xfrm>
           <a:off x="0" y="1"/>
@@ -23211,7 +27751,11 @@
             <a:graphicFrameLocks noGrp="1"/>
           </p:cNvGraphicFramePr>
           <p:nvPr>
-            <p:extLst/>
+            <p:extLst>
+              <p:ext uri="{D42A27DB-BD31-4B8C-83A1-F6EECF244321}">
+                <p14:modId xmlns:p14="http://schemas.microsoft.com/office/powerpoint/2010/main" val="3979924516"/>
+              </p:ext>
+            </p:extLst>
           </p:nvPr>
         </p:nvGraphicFramePr>
         <p:xfrm>
@@ -23239,14 +27783,7 @@
                     <a:bodyPr/>
                     <a:lstStyle/>
                     <a:p>
-                      <a:r>
-                        <a:rPr lang="en-US" dirty="0"/>
-                        <a:t>Acronis @ </a:t>
-                      </a:r>
-                      <a:r>
-                        <a:rPr lang="ru-RU" dirty="0"/>
-                        <a:t>МФТИ</a:t>
-                      </a:r>
+                      <a:endParaRPr lang="ru-RU" dirty="0"/>
                     </a:p>
                   </a:txBody>
                   <a:tcPr/>
@@ -24550,7 +29087,7 @@
           <p:nvPr>
             <p:extLst>
               <p:ext uri="{D42A27DB-BD31-4B8C-83A1-F6EECF244321}">
-                <p14:modId xmlns:p14="http://schemas.microsoft.com/office/powerpoint/2010/main" val="4164474727"/>
+                <p14:modId xmlns:p14="http://schemas.microsoft.com/office/powerpoint/2010/main" val="2108389650"/>
               </p:ext>
             </p:extLst>
           </p:nvPr>
@@ -24580,14 +29117,7 @@
                     <a:bodyPr/>
                     <a:lstStyle/>
                     <a:p>
-                      <a:r>
-                        <a:rPr lang="en-US" dirty="0"/>
-                        <a:t>Acronis @ </a:t>
-                      </a:r>
-                      <a:r>
-                        <a:rPr lang="ru-RU" dirty="0"/>
-                        <a:t>МФТИ</a:t>
-                      </a:r>
+                      <a:endParaRPr lang="ru-RU" dirty="0"/>
                     </a:p>
                   </a:txBody>
                   <a:tcPr/>
@@ -25411,7 +29941,7 @@
           <p:nvPr>
             <p:extLst>
               <p:ext uri="{D42A27DB-BD31-4B8C-83A1-F6EECF244321}">
-                <p14:modId xmlns:p14="http://schemas.microsoft.com/office/powerpoint/2010/main" val="4164474727"/>
+                <p14:modId xmlns:p14="http://schemas.microsoft.com/office/powerpoint/2010/main" val="98814464"/>
               </p:ext>
             </p:extLst>
           </p:nvPr>
@@ -25441,14 +29971,7 @@
                     <a:bodyPr/>
                     <a:lstStyle/>
                     <a:p>
-                      <a:r>
-                        <a:rPr lang="en-US" dirty="0"/>
-                        <a:t>Acronis @ </a:t>
-                      </a:r>
-                      <a:r>
-                        <a:rPr lang="ru-RU" dirty="0"/>
-                        <a:t>МФТИ</a:t>
-                      </a:r>
+                      <a:endParaRPr lang="ru-RU" dirty="0"/>
                     </a:p>
                   </a:txBody>
                   <a:tcPr/>
@@ -26517,7 +31040,7 @@
           <p:nvPr>
             <p:extLst>
               <p:ext uri="{D42A27DB-BD31-4B8C-83A1-F6EECF244321}">
-                <p14:modId xmlns:p14="http://schemas.microsoft.com/office/powerpoint/2010/main" val="4164474727"/>
+                <p14:modId xmlns:p14="http://schemas.microsoft.com/office/powerpoint/2010/main" val="1841518796"/>
               </p:ext>
             </p:extLst>
           </p:nvPr>
@@ -26547,14 +31070,7 @@
                     <a:bodyPr/>
                     <a:lstStyle/>
                     <a:p>
-                      <a:r>
-                        <a:rPr lang="en-US" dirty="0"/>
-                        <a:t>Acronis @ </a:t>
-                      </a:r>
-                      <a:r>
-                        <a:rPr lang="ru-RU" dirty="0"/>
-                        <a:t>МФТИ</a:t>
-                      </a:r>
+                      <a:endParaRPr lang="ru-RU" dirty="0"/>
                     </a:p>
                   </a:txBody>
                   <a:tcPr/>
@@ -28346,7 +32862,7 @@
           <p:nvPr>
             <p:extLst>
               <p:ext uri="{D42A27DB-BD31-4B8C-83A1-F6EECF244321}">
-                <p14:modId xmlns:p14="http://schemas.microsoft.com/office/powerpoint/2010/main" val="4164474727"/>
+                <p14:modId xmlns:p14="http://schemas.microsoft.com/office/powerpoint/2010/main" val="2995734272"/>
               </p:ext>
             </p:extLst>
           </p:nvPr>
@@ -28376,14 +32892,7 @@
                     <a:bodyPr/>
                     <a:lstStyle/>
                     <a:p>
-                      <a:r>
-                        <a:rPr lang="en-US" dirty="0"/>
-                        <a:t>Acronis @ </a:t>
-                      </a:r>
-                      <a:r>
-                        <a:rPr lang="ru-RU" dirty="0"/>
-                        <a:t>МФТИ</a:t>
-                      </a:r>
+                      <a:endParaRPr lang="ru-RU" dirty="0"/>
                     </a:p>
                   </a:txBody>
                   <a:tcPr/>
@@ -29446,7 +33955,7 @@
           <p:nvPr>
             <p:extLst>
               <p:ext uri="{D42A27DB-BD31-4B8C-83A1-F6EECF244321}">
-                <p14:modId xmlns:p14="http://schemas.microsoft.com/office/powerpoint/2010/main" val="4164474727"/>
+                <p14:modId xmlns:p14="http://schemas.microsoft.com/office/powerpoint/2010/main" val="1752740096"/>
               </p:ext>
             </p:extLst>
           </p:nvPr>
@@ -29476,14 +33985,7 @@
                     <a:bodyPr/>
                     <a:lstStyle/>
                     <a:p>
-                      <a:r>
-                        <a:rPr lang="en-US" dirty="0"/>
-                        <a:t>Acronis @ </a:t>
-                      </a:r>
-                      <a:r>
-                        <a:rPr lang="ru-RU" dirty="0"/>
-                        <a:t>МФТИ</a:t>
-                      </a:r>
+                      <a:endParaRPr lang="ru-RU" dirty="0"/>
                     </a:p>
                   </a:txBody>
                   <a:tcPr/>
@@ -31264,7 +35766,7 @@
           <p:nvPr>
             <p:extLst>
               <p:ext uri="{D42A27DB-BD31-4B8C-83A1-F6EECF244321}">
-                <p14:modId xmlns:p14="http://schemas.microsoft.com/office/powerpoint/2010/main" val="4164474727"/>
+                <p14:modId xmlns:p14="http://schemas.microsoft.com/office/powerpoint/2010/main" val="4142930346"/>
               </p:ext>
             </p:extLst>
           </p:nvPr>
@@ -31294,14 +35796,7 @@
                     <a:bodyPr/>
                     <a:lstStyle/>
                     <a:p>
-                      <a:r>
-                        <a:rPr lang="en-US" dirty="0"/>
-                        <a:t>Acronis @ </a:t>
-                      </a:r>
-                      <a:r>
-                        <a:rPr lang="ru-RU" dirty="0"/>
-                        <a:t>МФТИ</a:t>
-                      </a:r>
+                      <a:endParaRPr lang="ru-RU" dirty="0"/>
                     </a:p>
                   </a:txBody>
                   <a:tcPr/>
